--- a/Cobot Cleaners.pptx
+++ b/Cobot Cleaners.pptx
@@ -4,14 +4,21 @@
   <p:sldMasterIdLst>
     <p:sldMasterId id="2147483648" r:id="rId1"/>
   </p:sldMasterIdLst>
+  <p:notesMasterIdLst>
+    <p:notesMasterId r:id="rId13"/>
+  </p:notesMasterIdLst>
   <p:sldIdLst>
     <p:sldId id="256" r:id="rId2"/>
     <p:sldId id="257" r:id="rId3"/>
     <p:sldId id="262" r:id="rId4"/>
     <p:sldId id="258" r:id="rId5"/>
-    <p:sldId id="259" r:id="rId6"/>
-    <p:sldId id="260" r:id="rId7"/>
-    <p:sldId id="261" r:id="rId8"/>
+    <p:sldId id="263" r:id="rId6"/>
+    <p:sldId id="264" r:id="rId7"/>
+    <p:sldId id="265" r:id="rId8"/>
+    <p:sldId id="259" r:id="rId9"/>
+    <p:sldId id="266" r:id="rId10"/>
+    <p:sldId id="260" r:id="rId11"/>
+    <p:sldId id="261" r:id="rId12"/>
   </p:sldIdLst>
   <p:sldSz cx="12192000" cy="6858000"/>
   <p:notesSz cx="6858000" cy="9144000"/>
@@ -110,7 +117,519 @@
       </a:defRPr>
     </a:lvl9pPr>
   </p:defaultTextStyle>
+  <p:extLst>
+    <p:ext uri="{EFAFB233-063F-42B5-8137-9DF3F51BA10A}">
+      <p15:sldGuideLst xmlns:p15="http://schemas.microsoft.com/office/powerpoint/2012/main"/>
+    </p:ext>
+  </p:extLst>
 </p:presentation>
+</file>
+
+<file path=ppt/notesMasters/notesMaster1.xml><?xml version="1.0" encoding="utf-8"?>
+<p:notesMaster xmlns:a="http://schemas.openxmlformats.org/drawingml/2006/main" xmlns:r="http://schemas.openxmlformats.org/officeDocument/2006/relationships" xmlns:p="http://schemas.openxmlformats.org/presentationml/2006/main">
+  <p:cSld>
+    <p:bg>
+      <p:bgRef idx="1001">
+        <a:schemeClr val="bg1"/>
+      </p:bgRef>
+    </p:bg>
+    <p:spTree>
+      <p:nvGrpSpPr>
+        <p:cNvPr id="1" name=""/>
+        <p:cNvGrpSpPr/>
+        <p:nvPr/>
+      </p:nvGrpSpPr>
+      <p:grpSpPr>
+        <a:xfrm>
+          <a:off x="0" y="0"/>
+          <a:ext cx="0" cy="0"/>
+          <a:chOff x="0" y="0"/>
+          <a:chExt cx="0" cy="0"/>
+        </a:xfrm>
+      </p:grpSpPr>
+      <p:sp>
+        <p:nvSpPr>
+          <p:cNvPr id="2" name="Header Placeholder 1"/>
+          <p:cNvSpPr>
+            <a:spLocks noGrp="1"/>
+          </p:cNvSpPr>
+          <p:nvPr>
+            <p:ph type="hdr" sz="quarter"/>
+          </p:nvPr>
+        </p:nvSpPr>
+        <p:spPr>
+          <a:xfrm>
+            <a:off x="0" y="0"/>
+            <a:ext cx="2971800" cy="458788"/>
+          </a:xfrm>
+          <a:prstGeom prst="rect">
+            <a:avLst/>
+          </a:prstGeom>
+        </p:spPr>
+        <p:txBody>
+          <a:bodyPr vert="horz" lIns="91440" tIns="45720" rIns="91440" bIns="45720" rtlCol="0"/>
+          <a:lstStyle>
+            <a:lvl1pPr algn="l">
+              <a:defRPr sz="1200"/>
+            </a:lvl1pPr>
+          </a:lstStyle>
+          <a:p>
+            <a:endParaRPr lang="en-US"/>
+          </a:p>
+        </p:txBody>
+      </p:sp>
+      <p:sp>
+        <p:nvSpPr>
+          <p:cNvPr id="3" name="Date Placeholder 2"/>
+          <p:cNvSpPr>
+            <a:spLocks noGrp="1"/>
+          </p:cNvSpPr>
+          <p:nvPr>
+            <p:ph type="dt" idx="1"/>
+          </p:nvPr>
+        </p:nvSpPr>
+        <p:spPr>
+          <a:xfrm>
+            <a:off x="3884613" y="0"/>
+            <a:ext cx="2971800" cy="458788"/>
+          </a:xfrm>
+          <a:prstGeom prst="rect">
+            <a:avLst/>
+          </a:prstGeom>
+        </p:spPr>
+        <p:txBody>
+          <a:bodyPr vert="horz" lIns="91440" tIns="45720" rIns="91440" bIns="45720" rtlCol="0"/>
+          <a:lstStyle>
+            <a:lvl1pPr algn="r">
+              <a:defRPr sz="1200"/>
+            </a:lvl1pPr>
+          </a:lstStyle>
+          <a:p>
+            <a:fld id="{235B8C87-922D-4B8B-BADD-9CB7F1E1A325}" type="datetimeFigureOut">
+              <a:rPr lang="en-US" smtClean="0"/>
+              <a:t>11/24/2018</a:t>
+            </a:fld>
+            <a:endParaRPr lang="en-US"/>
+          </a:p>
+        </p:txBody>
+      </p:sp>
+      <p:sp>
+        <p:nvSpPr>
+          <p:cNvPr id="4" name="Slide Image Placeholder 3"/>
+          <p:cNvSpPr>
+            <a:spLocks noGrp="1" noRot="1" noChangeAspect="1"/>
+          </p:cNvSpPr>
+          <p:nvPr>
+            <p:ph type="sldImg" idx="2"/>
+          </p:nvPr>
+        </p:nvSpPr>
+        <p:spPr>
+          <a:xfrm>
+            <a:off x="685800" y="1143000"/>
+            <a:ext cx="5486400" cy="3086100"/>
+          </a:xfrm>
+          <a:prstGeom prst="rect">
+            <a:avLst/>
+          </a:prstGeom>
+          <a:noFill/>
+          <a:ln w="12700">
+            <a:solidFill>
+              <a:prstClr val="black"/>
+            </a:solidFill>
+          </a:ln>
+        </p:spPr>
+        <p:txBody>
+          <a:bodyPr vert="horz" lIns="91440" tIns="45720" rIns="91440" bIns="45720" rtlCol="0" anchor="ctr"/>
+          <a:lstStyle/>
+          <a:p>
+            <a:endParaRPr lang="en-US"/>
+          </a:p>
+        </p:txBody>
+      </p:sp>
+      <p:sp>
+        <p:nvSpPr>
+          <p:cNvPr id="5" name="Notes Placeholder 4"/>
+          <p:cNvSpPr>
+            <a:spLocks noGrp="1"/>
+          </p:cNvSpPr>
+          <p:nvPr>
+            <p:ph type="body" sz="quarter" idx="3"/>
+          </p:nvPr>
+        </p:nvSpPr>
+        <p:spPr>
+          <a:xfrm>
+            <a:off x="685800" y="4400550"/>
+            <a:ext cx="5486400" cy="3600450"/>
+          </a:xfrm>
+          <a:prstGeom prst="rect">
+            <a:avLst/>
+          </a:prstGeom>
+        </p:spPr>
+        <p:txBody>
+          <a:bodyPr vert="horz" lIns="91440" tIns="45720" rIns="91440" bIns="45720" rtlCol="0"/>
+          <a:lstStyle/>
+          <a:p>
+            <a:pPr lvl="0"/>
+            <a:r>
+              <a:rPr lang="en-US"/>
+              <a:t>Edit Master text styles</a:t>
+            </a:r>
+          </a:p>
+          <a:p>
+            <a:pPr lvl="1"/>
+            <a:r>
+              <a:rPr lang="en-US"/>
+              <a:t>Second level</a:t>
+            </a:r>
+          </a:p>
+          <a:p>
+            <a:pPr lvl="2"/>
+            <a:r>
+              <a:rPr lang="en-US"/>
+              <a:t>Third level</a:t>
+            </a:r>
+          </a:p>
+          <a:p>
+            <a:pPr lvl="3"/>
+            <a:r>
+              <a:rPr lang="en-US"/>
+              <a:t>Fourth level</a:t>
+            </a:r>
+          </a:p>
+          <a:p>
+            <a:pPr lvl="4"/>
+            <a:r>
+              <a:rPr lang="en-US"/>
+              <a:t>Fifth level</a:t>
+            </a:r>
+          </a:p>
+        </p:txBody>
+      </p:sp>
+      <p:sp>
+        <p:nvSpPr>
+          <p:cNvPr id="6" name="Footer Placeholder 5"/>
+          <p:cNvSpPr>
+            <a:spLocks noGrp="1"/>
+          </p:cNvSpPr>
+          <p:nvPr>
+            <p:ph type="ftr" sz="quarter" idx="4"/>
+          </p:nvPr>
+        </p:nvSpPr>
+        <p:spPr>
+          <a:xfrm>
+            <a:off x="0" y="8685213"/>
+            <a:ext cx="2971800" cy="458787"/>
+          </a:xfrm>
+          <a:prstGeom prst="rect">
+            <a:avLst/>
+          </a:prstGeom>
+        </p:spPr>
+        <p:txBody>
+          <a:bodyPr vert="horz" lIns="91440" tIns="45720" rIns="91440" bIns="45720" rtlCol="0" anchor="b"/>
+          <a:lstStyle>
+            <a:lvl1pPr algn="l">
+              <a:defRPr sz="1200"/>
+            </a:lvl1pPr>
+          </a:lstStyle>
+          <a:p>
+            <a:endParaRPr lang="en-US"/>
+          </a:p>
+        </p:txBody>
+      </p:sp>
+      <p:sp>
+        <p:nvSpPr>
+          <p:cNvPr id="7" name="Slide Number Placeholder 6"/>
+          <p:cNvSpPr>
+            <a:spLocks noGrp="1"/>
+          </p:cNvSpPr>
+          <p:nvPr>
+            <p:ph type="sldNum" sz="quarter" idx="5"/>
+          </p:nvPr>
+        </p:nvSpPr>
+        <p:spPr>
+          <a:xfrm>
+            <a:off x="3884613" y="8685213"/>
+            <a:ext cx="2971800" cy="458787"/>
+          </a:xfrm>
+          <a:prstGeom prst="rect">
+            <a:avLst/>
+          </a:prstGeom>
+        </p:spPr>
+        <p:txBody>
+          <a:bodyPr vert="horz" lIns="91440" tIns="45720" rIns="91440" bIns="45720" rtlCol="0" anchor="b"/>
+          <a:lstStyle>
+            <a:lvl1pPr algn="r">
+              <a:defRPr sz="1200"/>
+            </a:lvl1pPr>
+          </a:lstStyle>
+          <a:p>
+            <a:fld id="{E168BDCA-BFBB-436D-8582-B3C9BFA6E627}" type="slidenum">
+              <a:rPr lang="en-US" smtClean="0"/>
+              <a:t>‹#›</a:t>
+            </a:fld>
+            <a:endParaRPr lang="en-US"/>
+          </a:p>
+        </p:txBody>
+      </p:sp>
+    </p:spTree>
+    <p:extLst>
+      <p:ext uri="{BB962C8B-B14F-4D97-AF65-F5344CB8AC3E}">
+        <p14:creationId xmlns:p14="http://schemas.microsoft.com/office/powerpoint/2010/main" val="4006654067"/>
+      </p:ext>
+    </p:extLst>
+  </p:cSld>
+  <p:clrMap bg1="lt1" tx1="dk1" bg2="lt2" tx2="dk2" accent1="accent1" accent2="accent2" accent3="accent3" accent4="accent4" accent5="accent5" accent6="accent6" hlink="hlink" folHlink="folHlink"/>
+  <p:notesStyle>
+    <a:lvl1pPr marL="0" algn="l" defTabSz="914400" rtl="0" eaLnBrk="1" latinLnBrk="0" hangingPunct="1">
+      <a:defRPr sz="1200" kern="1200">
+        <a:solidFill>
+          <a:schemeClr val="tx1"/>
+        </a:solidFill>
+        <a:latin typeface="+mn-lt"/>
+        <a:ea typeface="+mn-ea"/>
+        <a:cs typeface="+mn-cs"/>
+      </a:defRPr>
+    </a:lvl1pPr>
+    <a:lvl2pPr marL="457200" algn="l" defTabSz="914400" rtl="0" eaLnBrk="1" latinLnBrk="0" hangingPunct="1">
+      <a:defRPr sz="1200" kern="1200">
+        <a:solidFill>
+          <a:schemeClr val="tx1"/>
+        </a:solidFill>
+        <a:latin typeface="+mn-lt"/>
+        <a:ea typeface="+mn-ea"/>
+        <a:cs typeface="+mn-cs"/>
+      </a:defRPr>
+    </a:lvl2pPr>
+    <a:lvl3pPr marL="914400" algn="l" defTabSz="914400" rtl="0" eaLnBrk="1" latinLnBrk="0" hangingPunct="1">
+      <a:defRPr sz="1200" kern="1200">
+        <a:solidFill>
+          <a:schemeClr val="tx1"/>
+        </a:solidFill>
+        <a:latin typeface="+mn-lt"/>
+        <a:ea typeface="+mn-ea"/>
+        <a:cs typeface="+mn-cs"/>
+      </a:defRPr>
+    </a:lvl3pPr>
+    <a:lvl4pPr marL="1371600" algn="l" defTabSz="914400" rtl="0" eaLnBrk="1" latinLnBrk="0" hangingPunct="1">
+      <a:defRPr sz="1200" kern="1200">
+        <a:solidFill>
+          <a:schemeClr val="tx1"/>
+        </a:solidFill>
+        <a:latin typeface="+mn-lt"/>
+        <a:ea typeface="+mn-ea"/>
+        <a:cs typeface="+mn-cs"/>
+      </a:defRPr>
+    </a:lvl4pPr>
+    <a:lvl5pPr marL="1828800" algn="l" defTabSz="914400" rtl="0" eaLnBrk="1" latinLnBrk="0" hangingPunct="1">
+      <a:defRPr sz="1200" kern="1200">
+        <a:solidFill>
+          <a:schemeClr val="tx1"/>
+        </a:solidFill>
+        <a:latin typeface="+mn-lt"/>
+        <a:ea typeface="+mn-ea"/>
+        <a:cs typeface="+mn-cs"/>
+      </a:defRPr>
+    </a:lvl5pPr>
+    <a:lvl6pPr marL="2286000" algn="l" defTabSz="914400" rtl="0" eaLnBrk="1" latinLnBrk="0" hangingPunct="1">
+      <a:defRPr sz="1200" kern="1200">
+        <a:solidFill>
+          <a:schemeClr val="tx1"/>
+        </a:solidFill>
+        <a:latin typeface="+mn-lt"/>
+        <a:ea typeface="+mn-ea"/>
+        <a:cs typeface="+mn-cs"/>
+      </a:defRPr>
+    </a:lvl6pPr>
+    <a:lvl7pPr marL="2743200" algn="l" defTabSz="914400" rtl="0" eaLnBrk="1" latinLnBrk="0" hangingPunct="1">
+      <a:defRPr sz="1200" kern="1200">
+        <a:solidFill>
+          <a:schemeClr val="tx1"/>
+        </a:solidFill>
+        <a:latin typeface="+mn-lt"/>
+        <a:ea typeface="+mn-ea"/>
+        <a:cs typeface="+mn-cs"/>
+      </a:defRPr>
+    </a:lvl7pPr>
+    <a:lvl8pPr marL="3200400" algn="l" defTabSz="914400" rtl="0" eaLnBrk="1" latinLnBrk="0" hangingPunct="1">
+      <a:defRPr sz="1200" kern="1200">
+        <a:solidFill>
+          <a:schemeClr val="tx1"/>
+        </a:solidFill>
+        <a:latin typeface="+mn-lt"/>
+        <a:ea typeface="+mn-ea"/>
+        <a:cs typeface="+mn-cs"/>
+      </a:defRPr>
+    </a:lvl8pPr>
+    <a:lvl9pPr marL="3657600" algn="l" defTabSz="914400" rtl="0" eaLnBrk="1" latinLnBrk="0" hangingPunct="1">
+      <a:defRPr sz="1200" kern="1200">
+        <a:solidFill>
+          <a:schemeClr val="tx1"/>
+        </a:solidFill>
+        <a:latin typeface="+mn-lt"/>
+        <a:ea typeface="+mn-ea"/>
+        <a:cs typeface="+mn-cs"/>
+      </a:defRPr>
+    </a:lvl9pPr>
+  </p:notesStyle>
+</p:notesMaster>
+</file>
+
+<file path=ppt/notesSlides/notesSlide1.xml><?xml version="1.0" encoding="utf-8"?>
+<p:notes xmlns:a="http://schemas.openxmlformats.org/drawingml/2006/main" xmlns:r="http://schemas.openxmlformats.org/officeDocument/2006/relationships" xmlns:p="http://schemas.openxmlformats.org/presentationml/2006/main">
+  <p:cSld>
+    <p:spTree>
+      <p:nvGrpSpPr>
+        <p:cNvPr id="1" name=""/>
+        <p:cNvGrpSpPr/>
+        <p:nvPr/>
+      </p:nvGrpSpPr>
+      <p:grpSpPr>
+        <a:xfrm>
+          <a:off x="0" y="0"/>
+          <a:ext cx="0" cy="0"/>
+          <a:chOff x="0" y="0"/>
+          <a:chExt cx="0" cy="0"/>
+        </a:xfrm>
+      </p:grpSpPr>
+      <p:sp>
+        <p:nvSpPr>
+          <p:cNvPr id="2" name="Slide Image Placeholder 1"/>
+          <p:cNvSpPr>
+            <a:spLocks noGrp="1" noRot="1" noChangeAspect="1"/>
+          </p:cNvSpPr>
+          <p:nvPr>
+            <p:ph type="sldImg"/>
+          </p:nvPr>
+        </p:nvSpPr>
+        <p:spPr/>
+      </p:sp>
+      <p:sp>
+        <p:nvSpPr>
+          <p:cNvPr id="3" name="Notes Placeholder 2"/>
+          <p:cNvSpPr>
+            <a:spLocks noGrp="1"/>
+          </p:cNvSpPr>
+          <p:nvPr>
+            <p:ph type="body" idx="1"/>
+          </p:nvPr>
+        </p:nvSpPr>
+        <p:spPr/>
+        <p:txBody>
+          <a:bodyPr/>
+          <a:lstStyle/>
+          <a:p>
+            <a:pPr rtl="0"/>
+            <a:r>
+              <a:rPr lang="sv-SE" sz="1200" b="0" i="0" u="none" strike="noStrike" kern="1200" dirty="0">
+                <a:solidFill>
+                  <a:schemeClr val="tx1"/>
+                </a:solidFill>
+                <a:effectLst/>
+                <a:latin typeface="+mn-lt"/>
+                <a:ea typeface="+mn-ea"/>
+                <a:cs typeface="+mn-cs"/>
+              </a:rPr>
+              <a:t>Cobots: </a:t>
+            </a:r>
+            <a:r>
+              <a:rPr lang="sv-SE" sz="1200" b="0" i="0" u="sng" strike="noStrike" kern="1200" dirty="0">
+                <a:solidFill>
+                  <a:schemeClr val="tx1"/>
+                </a:solidFill>
+                <a:effectLst/>
+                <a:latin typeface="+mn-lt"/>
+                <a:ea typeface="+mn-ea"/>
+                <a:cs typeface="+mn-cs"/>
+                <a:hlinkClick r:id="rId3"/>
+              </a:rPr>
+              <a:t>http://citeseerx.ist.psu.edu/viewdoc/summary?doi=10.1.1.37.7236</a:t>
+            </a:r>
+            <a:endParaRPr lang="sv-SE" sz="1200" b="0" i="0" u="none" strike="noStrike" kern="1200" dirty="0">
+              <a:solidFill>
+                <a:schemeClr val="tx1"/>
+              </a:solidFill>
+              <a:effectLst/>
+              <a:latin typeface="+mn-lt"/>
+              <a:ea typeface="+mn-ea"/>
+              <a:cs typeface="+mn-cs"/>
+            </a:endParaRPr>
+          </a:p>
+          <a:p>
+            <a:pPr rtl="0"/>
+            <a:r>
+              <a:rPr lang="sv-SE" sz="1200" b="0" i="0" u="none" strike="noStrike" kern="1200" dirty="0">
+                <a:solidFill>
+                  <a:schemeClr val="tx1"/>
+                </a:solidFill>
+                <a:effectLst/>
+                <a:latin typeface="+mn-lt"/>
+                <a:ea typeface="+mn-ea"/>
+                <a:cs typeface="+mn-cs"/>
+              </a:rPr>
+              <a:t>Cleaning market: </a:t>
+            </a:r>
+            <a:r>
+              <a:rPr lang="sv-SE" sz="1200" b="0" i="0" u="sng" strike="noStrike" kern="1200" dirty="0">
+                <a:solidFill>
+                  <a:schemeClr val="tx1"/>
+                </a:solidFill>
+                <a:effectLst/>
+                <a:latin typeface="+mn-lt"/>
+                <a:ea typeface="+mn-ea"/>
+                <a:cs typeface="+mn-cs"/>
+                <a:hlinkClick r:id="rId4"/>
+              </a:rPr>
+              <a:t>https://www.zionmarketresearch.com/news/household-cleaners-market</a:t>
+            </a:r>
+            <a:endParaRPr lang="sv-SE" sz="1200" b="0" i="0" u="none" strike="noStrike" kern="1200" dirty="0">
+              <a:solidFill>
+                <a:schemeClr val="tx1"/>
+              </a:solidFill>
+              <a:effectLst/>
+              <a:latin typeface="+mn-lt"/>
+              <a:ea typeface="+mn-ea"/>
+              <a:cs typeface="+mn-cs"/>
+            </a:endParaRPr>
+          </a:p>
+          <a:p>
+            <a:endParaRPr lang="en-US" dirty="0"/>
+          </a:p>
+        </p:txBody>
+      </p:sp>
+      <p:sp>
+        <p:nvSpPr>
+          <p:cNvPr id="4" name="Slide Number Placeholder 3"/>
+          <p:cNvSpPr>
+            <a:spLocks noGrp="1"/>
+          </p:cNvSpPr>
+          <p:nvPr>
+            <p:ph type="sldNum" sz="quarter" idx="5"/>
+          </p:nvPr>
+        </p:nvSpPr>
+        <p:spPr/>
+        <p:txBody>
+          <a:bodyPr/>
+          <a:lstStyle/>
+          <a:p>
+            <a:fld id="{E168BDCA-BFBB-436D-8582-B3C9BFA6E627}" type="slidenum">
+              <a:rPr lang="en-US" smtClean="0"/>
+              <a:t>2</a:t>
+            </a:fld>
+            <a:endParaRPr lang="en-US"/>
+          </a:p>
+        </p:txBody>
+      </p:sp>
+    </p:spTree>
+    <p:extLst>
+      <p:ext uri="{BB962C8B-B14F-4D97-AF65-F5344CB8AC3E}">
+        <p14:creationId xmlns:p14="http://schemas.microsoft.com/office/powerpoint/2010/main" val="3909888572"/>
+      </p:ext>
+    </p:extLst>
+  </p:cSld>
+  <p:clrMapOvr>
+    <a:masterClrMapping/>
+  </p:clrMapOvr>
+</p:notes>
 </file>
 
 <file path=ppt/slideLayouts/slideLayout1.xml><?xml version="1.0" encoding="utf-8"?>
@@ -622,7 +1141,7 @@
             <a:fld id="{E9462EF3-3C4F-43EE-ACEE-D4B806740EA3}" type="datetimeFigureOut">
               <a:rPr lang="en-US" dirty="0"/>
               <a:pPr/>
-              <a:t>11/23/2018</a:t>
+              <a:t>11/24/2018</a:t>
             </a:fld>
             <a:endParaRPr lang="en-US" dirty="0"/>
           </a:p>
@@ -1604,7 +2123,7 @@
           <a:p>
             <a:fld id="{36343B39-165A-4B68-AA5C-581F5336313C}" type="datetimeFigureOut">
               <a:rPr lang="en-US" dirty="0"/>
-              <a:t>11/23/2018</a:t>
+              <a:t>11/24/2018</a:t>
             </a:fld>
             <a:endParaRPr lang="en-US" dirty="0"/>
           </a:p>
@@ -2474,7 +2993,7 @@
           <a:p>
             <a:fld id="{942C8C57-33F9-4259-AC4F-0E3F5BEC9B94}" type="datetimeFigureOut">
               <a:rPr lang="en-US" dirty="0"/>
-              <a:t>11/23/2018</a:t>
+              <a:t>11/24/2018</a:t>
             </a:fld>
             <a:endParaRPr lang="en-US" dirty="0"/>
           </a:p>
@@ -3495,7 +4014,7 @@
           <a:p>
             <a:fld id="{8748772B-8FA2-401F-A0A1-A59855EDBC3E}" type="datetimeFigureOut">
               <a:rPr lang="en-US" dirty="0"/>
-              <a:t>11/23/2018</a:t>
+              <a:t>11/24/2018</a:t>
             </a:fld>
             <a:endParaRPr lang="en-US" dirty="0"/>
           </a:p>
@@ -4415,7 +4934,7 @@
           <a:p>
             <a:fld id="{D3DD5BDE-5A90-4611-82E9-0FC5746D30C5}" type="datetimeFigureOut">
               <a:rPr lang="en-US" dirty="0"/>
-              <a:t>11/23/2018</a:t>
+              <a:t>11/24/2018</a:t>
             </a:fld>
             <a:endParaRPr lang="en-US" dirty="0"/>
           </a:p>
@@ -5071,7 +5590,7 @@
           <a:p>
             <a:fld id="{1ADDA17D-0BEA-4E76-A7FC-F7C188BC48D1}" type="datetimeFigureOut">
               <a:rPr lang="en-US" dirty="0"/>
-              <a:t>11/23/2018</a:t>
+              <a:t>11/24/2018</a:t>
             </a:fld>
             <a:endParaRPr lang="en-US" dirty="0"/>
           </a:p>
@@ -5928,7 +6447,7 @@
           <a:p>
             <a:fld id="{6909AC7D-18CA-4236-82B9-D75EB1D66EAE}" type="datetimeFigureOut">
               <a:rPr lang="en-US" dirty="0"/>
-              <a:t>11/23/2018</a:t>
+              <a:t>11/24/2018</a:t>
             </a:fld>
             <a:endParaRPr lang="en-US" dirty="0"/>
           </a:p>
@@ -6111,7 +6630,7 @@
           <a:p>
             <a:fld id="{5568300E-C023-45CD-A0BE-EDB7A8C6EA8B}" type="datetimeFigureOut">
               <a:rPr lang="en-US" dirty="0"/>
-              <a:t>11/23/2018</a:t>
+              <a:t>11/24/2018</a:t>
             </a:fld>
             <a:endParaRPr lang="en-US" dirty="0"/>
           </a:p>
@@ -6968,7 +7487,7 @@
           <a:p>
             <a:fld id="{3B620EAD-E369-4933-8469-ED7764B56A1B}" type="datetimeFigureOut">
               <a:rPr lang="en-US" dirty="0"/>
-              <a:t>11/23/2018</a:t>
+              <a:t>11/24/2018</a:t>
             </a:fld>
             <a:endParaRPr lang="en-US" dirty="0"/>
           </a:p>
@@ -7187,7 +7706,7 @@
           <a:p>
             <a:fld id="{076C0EF2-9919-473B-8215-8616BAF10692}" type="datetimeFigureOut">
               <a:rPr lang="en-US" dirty="0"/>
-              <a:t>11/23/2018</a:t>
+              <a:t>11/24/2018</a:t>
             </a:fld>
             <a:endParaRPr lang="en-US" dirty="0"/>
           </a:p>
@@ -8112,7 +8631,7 @@
           <a:p>
             <a:fld id="{A09472EB-AC54-4713-BFC2-BEB621108C63}" type="datetimeFigureOut">
               <a:rPr lang="en-US" dirty="0"/>
-              <a:t>11/23/2018</a:t>
+              <a:t>11/24/2018</a:t>
             </a:fld>
             <a:endParaRPr lang="en-US" dirty="0"/>
           </a:p>
@@ -8396,7 +8915,7 @@
           <a:p>
             <a:fld id="{99455A0C-791E-4545-B787-F98AD45CD761}" type="datetimeFigureOut">
               <a:rPr lang="en-US" dirty="0"/>
-              <a:t>11/23/2018</a:t>
+              <a:t>11/24/2018</a:t>
             </a:fld>
             <a:endParaRPr lang="en-US" dirty="0"/>
           </a:p>
@@ -8786,7 +9305,7 @@
           <a:p>
             <a:fld id="{42536B77-F4F4-4427-AC4F-9A623798AD82}" type="datetimeFigureOut">
               <a:rPr lang="en-US" dirty="0"/>
-              <a:t>11/23/2018</a:t>
+              <a:t>11/24/2018</a:t>
             </a:fld>
             <a:endParaRPr lang="en-US" dirty="0"/>
           </a:p>
@@ -8912,7 +9431,7 @@
           <a:p>
             <a:fld id="{D8BE790C-34EB-4565-8437-CACF4CDB7822}" type="datetimeFigureOut">
               <a:rPr lang="en-US" dirty="0"/>
-              <a:t>11/23/2018</a:t>
+              <a:t>11/24/2018</a:t>
             </a:fld>
             <a:endParaRPr lang="en-US" dirty="0"/>
           </a:p>
@@ -9007,7 +9526,7 @@
           <a:p>
             <a:fld id="{F84A4C11-22B8-4A4E-8126-B3AF6B948A8E}" type="datetimeFigureOut">
               <a:rPr lang="en-US" dirty="0"/>
-              <a:t>11/23/2018</a:t>
+              <a:t>11/24/2018</a:t>
             </a:fld>
             <a:endParaRPr lang="en-US" dirty="0"/>
           </a:p>
@@ -9978,7 +10497,7 @@
           <a:p>
             <a:fld id="{16ED06B6-C816-4861-964D-15A98395707D}" type="datetimeFigureOut">
               <a:rPr lang="en-US" dirty="0"/>
-              <a:t>11/23/2018</a:t>
+              <a:t>11/24/2018</a:t>
             </a:fld>
             <a:endParaRPr lang="en-US" dirty="0"/>
           </a:p>
@@ -10973,7 +11492,7 @@
           <a:p>
             <a:fld id="{00B1A8AB-EA7C-4B1B-9D73-E2551851FABE}" type="datetimeFigureOut">
               <a:rPr lang="en-US" dirty="0"/>
-              <a:t>11/23/2018</a:t>
+              <a:t>11/24/2018</a:t>
             </a:fld>
             <a:endParaRPr lang="en-US" dirty="0"/>
           </a:p>
@@ -11857,7 +12376,7 @@
           <a:p>
             <a:fld id="{90786BE5-D2A3-4BF0-8B30-D7403E61B3DC}" type="datetimeFigureOut">
               <a:rPr lang="en-US" dirty="0"/>
-              <a:t>11/23/2018</a:t>
+              <a:t>11/24/2018</a:t>
             </a:fld>
             <a:endParaRPr lang="en-US" dirty="0"/>
           </a:p>
@@ -12486,9 +13005,183 @@
 </p:sld>
 </file>
 
+<file path=ppt/slides/slide10.xml><?xml version="1.0" encoding="utf-8"?>
+<p:sld xmlns:a="http://schemas.openxmlformats.org/drawingml/2006/main" xmlns:r="http://schemas.openxmlformats.org/officeDocument/2006/relationships" xmlns:p="http://schemas.openxmlformats.org/presentationml/2006/main">
+  <p:cSld>
+    <p:spTree>
+      <p:nvGrpSpPr>
+        <p:cNvPr id="1" name=""/>
+        <p:cNvGrpSpPr/>
+        <p:nvPr/>
+      </p:nvGrpSpPr>
+      <p:grpSpPr>
+        <a:xfrm>
+          <a:off x="0" y="0"/>
+          <a:ext cx="0" cy="0"/>
+          <a:chOff x="0" y="0"/>
+          <a:chExt cx="0" cy="0"/>
+        </a:xfrm>
+      </p:grpSpPr>
+      <p:sp>
+        <p:nvSpPr>
+          <p:cNvPr id="2" name="Title 1">
+            <a:extLst>
+              <a:ext uri="{FF2B5EF4-FFF2-40B4-BE49-F238E27FC236}">
+                <a16:creationId xmlns:a16="http://schemas.microsoft.com/office/drawing/2014/main" id="{E2B9AFD3-9E5F-46B4-97E6-195332A04CD0}"/>
+              </a:ext>
+            </a:extLst>
+          </p:cNvPr>
+          <p:cNvSpPr>
+            <a:spLocks noGrp="1"/>
+          </p:cNvSpPr>
+          <p:nvPr>
+            <p:ph type="title"/>
+          </p:nvPr>
+        </p:nvSpPr>
+        <p:spPr/>
+        <p:txBody>
+          <a:bodyPr/>
+          <a:lstStyle/>
+          <a:p>
+            <a:r>
+              <a:rPr lang="en-US" dirty="0"/>
+              <a:t>Scenario 3: Transportation</a:t>
+            </a:r>
+          </a:p>
+        </p:txBody>
+      </p:sp>
+      <p:sp>
+        <p:nvSpPr>
+          <p:cNvPr id="3" name="Content Placeholder 2">
+            <a:extLst>
+              <a:ext uri="{FF2B5EF4-FFF2-40B4-BE49-F238E27FC236}">
+                <a16:creationId xmlns:a16="http://schemas.microsoft.com/office/drawing/2014/main" id="{F38165BC-019A-4845-82FD-4934C4992C47}"/>
+              </a:ext>
+            </a:extLst>
+          </p:cNvPr>
+          <p:cNvSpPr>
+            <a:spLocks noGrp="1"/>
+          </p:cNvSpPr>
+          <p:nvPr>
+            <p:ph idx="1"/>
+          </p:nvPr>
+        </p:nvSpPr>
+        <p:spPr/>
+        <p:txBody>
+          <a:bodyPr/>
+          <a:lstStyle/>
+          <a:p>
+            <a:endParaRPr lang="en-US"/>
+          </a:p>
+        </p:txBody>
+      </p:sp>
+    </p:spTree>
+    <p:extLst>
+      <p:ext uri="{BB962C8B-B14F-4D97-AF65-F5344CB8AC3E}">
+        <p14:creationId xmlns:p14="http://schemas.microsoft.com/office/powerpoint/2010/main" val="2863040251"/>
+      </p:ext>
+    </p:extLst>
+  </p:cSld>
+  <p:clrMapOvr>
+    <a:masterClrMapping/>
+  </p:clrMapOvr>
+</p:sld>
+</file>
+
+<file path=ppt/slides/slide11.xml><?xml version="1.0" encoding="utf-8"?>
+<p:sld xmlns:a="http://schemas.openxmlformats.org/drawingml/2006/main" xmlns:r="http://schemas.openxmlformats.org/officeDocument/2006/relationships" xmlns:p="http://schemas.openxmlformats.org/presentationml/2006/main">
+  <p:cSld>
+    <p:spTree>
+      <p:nvGrpSpPr>
+        <p:cNvPr id="1" name=""/>
+        <p:cNvGrpSpPr/>
+        <p:nvPr/>
+      </p:nvGrpSpPr>
+      <p:grpSpPr>
+        <a:xfrm>
+          <a:off x="0" y="0"/>
+          <a:ext cx="0" cy="0"/>
+          <a:chOff x="0" y="0"/>
+          <a:chExt cx="0" cy="0"/>
+        </a:xfrm>
+      </p:grpSpPr>
+      <p:sp>
+        <p:nvSpPr>
+          <p:cNvPr id="2" name="Title 1">
+            <a:extLst>
+              <a:ext uri="{FF2B5EF4-FFF2-40B4-BE49-F238E27FC236}">
+                <a16:creationId xmlns:a16="http://schemas.microsoft.com/office/drawing/2014/main" id="{9D41D803-B32E-4C5A-880A-5D130938D8C2}"/>
+              </a:ext>
+            </a:extLst>
+          </p:cNvPr>
+          <p:cNvSpPr>
+            <a:spLocks noGrp="1"/>
+          </p:cNvSpPr>
+          <p:nvPr>
+            <p:ph type="title"/>
+          </p:nvPr>
+        </p:nvSpPr>
+        <p:spPr/>
+        <p:txBody>
+          <a:bodyPr/>
+          <a:lstStyle/>
+          <a:p>
+            <a:r>
+              <a:rPr lang="en-US" dirty="0"/>
+              <a:t>Conclusion</a:t>
+            </a:r>
+          </a:p>
+        </p:txBody>
+      </p:sp>
+      <p:sp>
+        <p:nvSpPr>
+          <p:cNvPr id="3" name="Content Placeholder 2">
+            <a:extLst>
+              <a:ext uri="{FF2B5EF4-FFF2-40B4-BE49-F238E27FC236}">
+                <a16:creationId xmlns:a16="http://schemas.microsoft.com/office/drawing/2014/main" id="{25CAC92C-9621-4F37-BA74-5D6EC41CDF73}"/>
+              </a:ext>
+            </a:extLst>
+          </p:cNvPr>
+          <p:cNvSpPr>
+            <a:spLocks noGrp="1"/>
+          </p:cNvSpPr>
+          <p:nvPr>
+            <p:ph idx="1"/>
+          </p:nvPr>
+        </p:nvSpPr>
+        <p:spPr/>
+        <p:txBody>
+          <a:bodyPr/>
+          <a:lstStyle/>
+          <a:p>
+            <a:endParaRPr lang="en-US"/>
+          </a:p>
+        </p:txBody>
+      </p:sp>
+    </p:spTree>
+    <p:extLst>
+      <p:ext uri="{BB962C8B-B14F-4D97-AF65-F5344CB8AC3E}">
+        <p14:creationId xmlns:p14="http://schemas.microsoft.com/office/powerpoint/2010/main" val="1497315000"/>
+      </p:ext>
+    </p:extLst>
+  </p:cSld>
+  <p:clrMapOvr>
+    <a:masterClrMapping/>
+  </p:clrMapOvr>
+</p:sld>
+</file>
+
 <file path=ppt/slides/slide2.xml><?xml version="1.0" encoding="utf-8"?>
 <p:sld xmlns:a="http://schemas.openxmlformats.org/drawingml/2006/main" xmlns:r="http://schemas.openxmlformats.org/officeDocument/2006/relationships" xmlns:p="http://schemas.openxmlformats.org/presentationml/2006/main">
   <p:cSld>
+    <p:bg>
+      <p:bgPr>
+        <a:solidFill>
+          <a:schemeClr val="bg1"/>
+        </a:solidFill>
+        <a:effectLst/>
+      </p:bgPr>
+    </p:bg>
     <p:spTree>
       <p:nvGrpSpPr>
         <p:cNvPr id="1" name=""/>
@@ -12519,9 +13212,16 @@
             <p:ph type="title"/>
           </p:nvPr>
         </p:nvSpPr>
-        <p:spPr/>
+        <p:spPr>
+          <a:xfrm>
+            <a:off x="1154954" y="973669"/>
+            <a:ext cx="8825659" cy="706964"/>
+          </a:xfrm>
+        </p:spPr>
         <p:txBody>
-          <a:bodyPr/>
+          <a:bodyPr>
+            <a:normAutofit/>
+          </a:bodyPr>
           <a:lstStyle/>
           <a:p>
             <a:r>
@@ -12547,9 +13247,16 @@
             <p:ph idx="1"/>
           </p:nvPr>
         </p:nvSpPr>
-        <p:spPr/>
+        <p:spPr>
+          <a:xfrm>
+            <a:off x="1154954" y="2603500"/>
+            <a:ext cx="5211979" cy="3416300"/>
+          </a:xfrm>
+        </p:spPr>
         <p:txBody>
-          <a:bodyPr/>
+          <a:bodyPr anchor="ctr">
+            <a:normAutofit/>
+          </a:bodyPr>
           <a:lstStyle/>
           <a:p>
             <a:r>
@@ -12593,6 +13300,45 @@
           </a:p>
         </p:txBody>
       </p:sp>
+      <p:pic>
+        <p:nvPicPr>
+          <p:cNvPr id="4" name="Picture 3">
+            <a:extLst>
+              <a:ext uri="{FF2B5EF4-FFF2-40B4-BE49-F238E27FC236}">
+                <a16:creationId xmlns:a16="http://schemas.microsoft.com/office/drawing/2014/main" id="{9AB08D73-6E33-49E6-B712-74682AF8CA67}"/>
+              </a:ext>
+            </a:extLst>
+          </p:cNvPr>
+          <p:cNvPicPr>
+            <a:picLocks noChangeAspect="1"/>
+          </p:cNvPicPr>
+          <p:nvPr/>
+        </p:nvPicPr>
+        <p:blipFill>
+          <a:blip r:embed="rId3"/>
+          <a:stretch>
+            <a:fillRect/>
+          </a:stretch>
+        </p:blipFill>
+        <p:spPr>
+          <a:xfrm>
+            <a:off x="6798733" y="3087495"/>
+            <a:ext cx="4345024" cy="2444075"/>
+          </a:xfrm>
+          <a:prstGeom prst="roundRect">
+            <a:avLst>
+              <a:gd name="adj" fmla="val 1858"/>
+            </a:avLst>
+          </a:prstGeom>
+          <a:effectLst>
+            <a:outerShdw blurRad="50800" dist="50800" dir="5400000" algn="tl" rotWithShape="0">
+              <a:srgbClr val="000000">
+                <a:alpha val="43000"/>
+              </a:srgbClr>
+            </a:outerShdw>
+          </a:effectLst>
+        </p:spPr>
+      </p:pic>
     </p:spTree>
     <p:extLst>
       <p:ext uri="{BB962C8B-B14F-4D97-AF65-F5344CB8AC3E}">
@@ -12699,6 +13445,14 @@
 <file path=ppt/slides/slide4.xml><?xml version="1.0" encoding="utf-8"?>
 <p:sld xmlns:a="http://schemas.openxmlformats.org/drawingml/2006/main" xmlns:r="http://schemas.openxmlformats.org/officeDocument/2006/relationships" xmlns:p="http://schemas.openxmlformats.org/presentationml/2006/main">
   <p:cSld>
+    <p:bg>
+      <p:bgPr>
+        <a:solidFill>
+          <a:schemeClr val="bg1"/>
+        </a:solidFill>
+        <a:effectLst/>
+      </p:bgPr>
+    </p:bg>
     <p:spTree>
       <p:nvGrpSpPr>
         <p:cNvPr id="1" name=""/>
@@ -12729,14 +13483,21 @@
             <p:ph type="title"/>
           </p:nvPr>
         </p:nvSpPr>
-        <p:spPr/>
+        <p:spPr>
+          <a:xfrm>
+            <a:off x="1154954" y="973669"/>
+            <a:ext cx="8825659" cy="706964"/>
+          </a:xfrm>
+        </p:spPr>
         <p:txBody>
-          <a:bodyPr/>
+          <a:bodyPr>
+            <a:normAutofit/>
+          </a:bodyPr>
           <a:lstStyle/>
           <a:p>
             <a:r>
               <a:rPr lang="en-US" dirty="0"/>
-              <a:t>Scenario 1: Product Configuration</a:t>
+              <a:t>Robot Types (resources)</a:t>
             </a:r>
           </a:p>
         </p:txBody>
@@ -12757,15 +13518,930 @@
             <p:ph idx="1"/>
           </p:nvPr>
         </p:nvSpPr>
-        <p:spPr/>
+        <p:spPr>
+          <a:xfrm>
+            <a:off x="1154955" y="2603500"/>
+            <a:ext cx="3481054" cy="3416300"/>
+          </a:xfrm>
+        </p:spPr>
         <p:txBody>
-          <a:bodyPr/>
+          <a:bodyPr anchor="ctr">
+            <a:normAutofit/>
+          </a:bodyPr>
           <a:lstStyle/>
           <a:p>
-            <a:endParaRPr lang="en-US"/>
+            <a:r>
+              <a:rPr lang="en-US" sz="1600" dirty="0"/>
+              <a:t>We start with an investment in a mix of cleaning robots</a:t>
+            </a:r>
+          </a:p>
+          <a:p>
+            <a:r>
+              <a:rPr lang="en-US" sz="1600" dirty="0"/>
+              <a:t>The following table represents the robots, cost, and what we’ve invested in</a:t>
+            </a:r>
+          </a:p>
+          <a:p>
+            <a:r>
+              <a:rPr lang="en-US" sz="1600" dirty="0"/>
+              <a:t>A mix of each type of robot is needed to clean a location</a:t>
+            </a:r>
           </a:p>
         </p:txBody>
       </p:sp>
+      <p:graphicFrame>
+        <p:nvGraphicFramePr>
+          <p:cNvPr id="5" name="Table 4">
+            <a:extLst>
+              <a:ext uri="{FF2B5EF4-FFF2-40B4-BE49-F238E27FC236}">
+                <a16:creationId xmlns:a16="http://schemas.microsoft.com/office/drawing/2014/main" id="{9288FD1D-16CA-43B6-A6D4-8E4EE182D1F1}"/>
+              </a:ext>
+            </a:extLst>
+          </p:cNvPr>
+          <p:cNvGraphicFramePr>
+            <a:graphicFrameLocks noGrp="1"/>
+          </p:cNvGraphicFramePr>
+          <p:nvPr>
+            <p:extLst>
+              <p:ext uri="{D42A27DB-BD31-4B8C-83A1-F6EECF244321}">
+                <p14:modId xmlns:p14="http://schemas.microsoft.com/office/powerpoint/2010/main" val="856690763"/>
+              </p:ext>
+            </p:extLst>
+          </p:nvPr>
+        </p:nvGraphicFramePr>
+        <p:xfrm>
+          <a:off x="5526997" y="2515669"/>
+          <a:ext cx="6158804" cy="3368662"/>
+        </p:xfrm>
+        <a:graphic>
+          <a:graphicData uri="http://schemas.openxmlformats.org/drawingml/2006/table">
+            <a:tbl>
+              <a:tblPr firstRow="1" bandRow="1">
+                <a:tableStyleId>{9D7B26C5-4107-4FEC-AEDC-1716B250A1EF}</a:tableStyleId>
+              </a:tblPr>
+              <a:tblGrid>
+                <a:gridCol w="977254">
+                  <a:extLst>
+                    <a:ext uri="{9D8B030D-6E8A-4147-A177-3AD203B41FA5}">
+                      <a16:colId xmlns:a16="http://schemas.microsoft.com/office/drawing/2014/main" val="764092409"/>
+                    </a:ext>
+                  </a:extLst>
+                </a:gridCol>
+                <a:gridCol w="1363588">
+                  <a:extLst>
+                    <a:ext uri="{9D8B030D-6E8A-4147-A177-3AD203B41FA5}">
+                      <a16:colId xmlns:a16="http://schemas.microsoft.com/office/drawing/2014/main" val="3907191542"/>
+                    </a:ext>
+                  </a:extLst>
+                </a:gridCol>
+                <a:gridCol w="1135902">
+                  <a:extLst>
+                    <a:ext uri="{9D8B030D-6E8A-4147-A177-3AD203B41FA5}">
+                      <a16:colId xmlns:a16="http://schemas.microsoft.com/office/drawing/2014/main" val="1782568923"/>
+                    </a:ext>
+                  </a:extLst>
+                </a:gridCol>
+                <a:gridCol w="1281478">
+                  <a:extLst>
+                    <a:ext uri="{9D8B030D-6E8A-4147-A177-3AD203B41FA5}">
+                      <a16:colId xmlns:a16="http://schemas.microsoft.com/office/drawing/2014/main" val="249718759"/>
+                    </a:ext>
+                  </a:extLst>
+                </a:gridCol>
+                <a:gridCol w="1400582">
+                  <a:extLst>
+                    <a:ext uri="{9D8B030D-6E8A-4147-A177-3AD203B41FA5}">
+                      <a16:colId xmlns:a16="http://schemas.microsoft.com/office/drawing/2014/main" val="1440180672"/>
+                    </a:ext>
+                  </a:extLst>
+                </a:gridCol>
+              </a:tblGrid>
+              <a:tr h="463052">
+                <a:tc>
+                  <a:txBody>
+                    <a:bodyPr/>
+                    <a:lstStyle/>
+                    <a:p>
+                      <a:pPr algn="l" fontAlgn="b"/>
+                      <a:r>
+                        <a:rPr lang="en-US" sz="1500" u="none" strike="noStrike">
+                          <a:effectLst/>
+                        </a:rPr>
+                        <a:t>Robot</a:t>
+                      </a:r>
+                      <a:endParaRPr lang="en-US" sz="1500" b="1" i="0" u="none" strike="noStrike">
+                        <a:solidFill>
+                          <a:schemeClr val="tx1">
+                            <a:lumMod val="75000"/>
+                            <a:lumOff val="25000"/>
+                          </a:schemeClr>
+                        </a:solidFill>
+                        <a:effectLst/>
+                        <a:latin typeface="Calibri" panose="020F0502020204030204" pitchFamily="34" charset="0"/>
+                      </a:endParaRPr>
+                    </a:p>
+                  </a:txBody>
+                  <a:tcPr marL="185296" marR="3860" marT="92648" marB="92648" anchor="b"/>
+                </a:tc>
+                <a:tc>
+                  <a:txBody>
+                    <a:bodyPr/>
+                    <a:lstStyle/>
+                    <a:p>
+                      <a:pPr algn="l" fontAlgn="b"/>
+                      <a:r>
+                        <a:rPr lang="en-US" sz="1500" u="none" strike="noStrike">
+                          <a:effectLst/>
+                        </a:rPr>
+                        <a:t>Type</a:t>
+                      </a:r>
+                      <a:endParaRPr lang="en-US" sz="1500" b="1" i="0" u="none" strike="noStrike">
+                        <a:solidFill>
+                          <a:schemeClr val="tx1">
+                            <a:lumMod val="75000"/>
+                            <a:lumOff val="25000"/>
+                          </a:schemeClr>
+                        </a:solidFill>
+                        <a:effectLst/>
+                        <a:latin typeface="Calibri" panose="020F0502020204030204" pitchFamily="34" charset="0"/>
+                      </a:endParaRPr>
+                    </a:p>
+                  </a:txBody>
+                  <a:tcPr marL="185296" marR="3860" marT="92648" marB="92648" anchor="b"/>
+                </a:tc>
+                <a:tc>
+                  <a:txBody>
+                    <a:bodyPr/>
+                    <a:lstStyle/>
+                    <a:p>
+                      <a:pPr algn="l" fontAlgn="b"/>
+                      <a:r>
+                        <a:rPr lang="en-US" sz="1500" u="none" strike="noStrike">
+                          <a:effectLst/>
+                        </a:rPr>
+                        <a:t> Cost </a:t>
+                      </a:r>
+                      <a:endParaRPr lang="en-US" sz="1500" b="1" i="0" u="none" strike="noStrike">
+                        <a:solidFill>
+                          <a:schemeClr val="tx1">
+                            <a:lumMod val="75000"/>
+                            <a:lumOff val="25000"/>
+                          </a:schemeClr>
+                        </a:solidFill>
+                        <a:effectLst/>
+                        <a:latin typeface="Calibri" panose="020F0502020204030204" pitchFamily="34" charset="0"/>
+                      </a:endParaRPr>
+                    </a:p>
+                  </a:txBody>
+                  <a:tcPr marL="185296" marR="3860" marT="92648" marB="92648" anchor="b"/>
+                </a:tc>
+                <a:tc>
+                  <a:txBody>
+                    <a:bodyPr/>
+                    <a:lstStyle/>
+                    <a:p>
+                      <a:pPr algn="l" fontAlgn="b"/>
+                      <a:r>
+                        <a:rPr lang="en-US" sz="1500" u="none" strike="noStrike">
+                          <a:effectLst/>
+                        </a:rPr>
+                        <a:t>Available</a:t>
+                      </a:r>
+                      <a:endParaRPr lang="en-US" sz="1500" b="1" i="0" u="none" strike="noStrike">
+                        <a:solidFill>
+                          <a:schemeClr val="tx1">
+                            <a:lumMod val="75000"/>
+                            <a:lumOff val="25000"/>
+                          </a:schemeClr>
+                        </a:solidFill>
+                        <a:effectLst/>
+                        <a:latin typeface="Calibri" panose="020F0502020204030204" pitchFamily="34" charset="0"/>
+                      </a:endParaRPr>
+                    </a:p>
+                  </a:txBody>
+                  <a:tcPr marL="185296" marR="3860" marT="92648" marB="92648" anchor="b"/>
+                </a:tc>
+                <a:tc>
+                  <a:txBody>
+                    <a:bodyPr/>
+                    <a:lstStyle/>
+                    <a:p>
+                      <a:pPr algn="l" fontAlgn="b"/>
+                      <a:r>
+                        <a:rPr lang="en-US" sz="1500" u="none" strike="noStrike">
+                          <a:effectLst/>
+                        </a:rPr>
+                        <a:t>Invested</a:t>
+                      </a:r>
+                      <a:endParaRPr lang="en-US" sz="1500" b="1" i="0" u="none" strike="noStrike">
+                        <a:solidFill>
+                          <a:schemeClr val="tx1">
+                            <a:lumMod val="75000"/>
+                            <a:lumOff val="25000"/>
+                          </a:schemeClr>
+                        </a:solidFill>
+                        <a:effectLst/>
+                        <a:latin typeface="Calibri" panose="020F0502020204030204" pitchFamily="34" charset="0"/>
+                      </a:endParaRPr>
+                    </a:p>
+                  </a:txBody>
+                  <a:tcPr marL="185296" marR="3860" marT="92648" marB="92648" anchor="b"/>
+                </a:tc>
+                <a:extLst>
+                  <a:ext uri="{0D108BD9-81ED-4DB2-BD59-A6C34878D82A}">
+                    <a16:rowId xmlns:a16="http://schemas.microsoft.com/office/drawing/2014/main" val="1125777863"/>
+                  </a:ext>
+                </a:extLst>
+              </a:tr>
+              <a:tr h="463052">
+                <a:tc>
+                  <a:txBody>
+                    <a:bodyPr/>
+                    <a:lstStyle/>
+                    <a:p>
+                      <a:pPr algn="r" fontAlgn="b"/>
+                      <a:r>
+                        <a:rPr lang="en-US" sz="1500" u="none" strike="noStrike">
+                          <a:effectLst/>
+                        </a:rPr>
+                        <a:t>1</a:t>
+                      </a:r>
+                      <a:endParaRPr lang="en-US" sz="1500" b="0" i="0" u="none" strike="noStrike">
+                        <a:solidFill>
+                          <a:schemeClr val="tx1">
+                            <a:lumMod val="75000"/>
+                            <a:lumOff val="25000"/>
+                          </a:schemeClr>
+                        </a:solidFill>
+                        <a:effectLst/>
+                        <a:latin typeface="Calibri" panose="020F0502020204030204" pitchFamily="34" charset="0"/>
+                      </a:endParaRPr>
+                    </a:p>
+                  </a:txBody>
+                  <a:tcPr marL="185296" marR="3860" marT="92648" marB="92648" anchor="b"/>
+                </a:tc>
+                <a:tc>
+                  <a:txBody>
+                    <a:bodyPr/>
+                    <a:lstStyle/>
+                    <a:p>
+                      <a:pPr algn="l" fontAlgn="b"/>
+                      <a:r>
+                        <a:rPr lang="en-US" sz="1500" u="none" strike="noStrike">
+                          <a:effectLst/>
+                        </a:rPr>
+                        <a:t>Vaccum</a:t>
+                      </a:r>
+                      <a:endParaRPr lang="en-US" sz="1500" b="0" i="0" u="none" strike="noStrike">
+                        <a:solidFill>
+                          <a:schemeClr val="tx1">
+                            <a:lumMod val="75000"/>
+                            <a:lumOff val="25000"/>
+                          </a:schemeClr>
+                        </a:solidFill>
+                        <a:effectLst/>
+                        <a:latin typeface="Calibri" panose="020F0502020204030204" pitchFamily="34" charset="0"/>
+                      </a:endParaRPr>
+                    </a:p>
+                  </a:txBody>
+                  <a:tcPr marL="185296" marR="3860" marT="92648" marB="92648" anchor="b"/>
+                </a:tc>
+                <a:tc>
+                  <a:txBody>
+                    <a:bodyPr/>
+                    <a:lstStyle/>
+                    <a:p>
+                      <a:pPr algn="l" fontAlgn="b"/>
+                      <a:r>
+                        <a:rPr lang="en-US" sz="1500" u="none" strike="noStrike">
+                          <a:effectLst/>
+                        </a:rPr>
+                        <a:t> $  400.00 </a:t>
+                      </a:r>
+                      <a:endParaRPr lang="en-US" sz="1500" b="0" i="0" u="none" strike="noStrike">
+                        <a:solidFill>
+                          <a:schemeClr val="tx1">
+                            <a:lumMod val="75000"/>
+                            <a:lumOff val="25000"/>
+                          </a:schemeClr>
+                        </a:solidFill>
+                        <a:effectLst/>
+                        <a:latin typeface="Calibri" panose="020F0502020204030204" pitchFamily="34" charset="0"/>
+                      </a:endParaRPr>
+                    </a:p>
+                  </a:txBody>
+                  <a:tcPr marL="185296" marR="3860" marT="92648" marB="92648" anchor="b"/>
+                </a:tc>
+                <a:tc>
+                  <a:txBody>
+                    <a:bodyPr/>
+                    <a:lstStyle/>
+                    <a:p>
+                      <a:pPr algn="r" fontAlgn="b"/>
+                      <a:r>
+                        <a:rPr lang="en-US" sz="1500" u="none" strike="noStrike">
+                          <a:effectLst/>
+                        </a:rPr>
+                        <a:t>35</a:t>
+                      </a:r>
+                      <a:endParaRPr lang="en-US" sz="1500" b="0" i="0" u="none" strike="noStrike">
+                        <a:solidFill>
+                          <a:schemeClr val="tx1">
+                            <a:lumMod val="75000"/>
+                            <a:lumOff val="25000"/>
+                          </a:schemeClr>
+                        </a:solidFill>
+                        <a:effectLst/>
+                        <a:latin typeface="Calibri" panose="020F0502020204030204" pitchFamily="34" charset="0"/>
+                      </a:endParaRPr>
+                    </a:p>
+                  </a:txBody>
+                  <a:tcPr marL="185296" marR="3860" marT="92648" marB="92648" anchor="b"/>
+                </a:tc>
+                <a:tc>
+                  <a:txBody>
+                    <a:bodyPr/>
+                    <a:lstStyle/>
+                    <a:p>
+                      <a:pPr algn="l" fontAlgn="b"/>
+                      <a:r>
+                        <a:rPr lang="en-US" sz="1500" u="none" strike="noStrike">
+                          <a:effectLst/>
+                        </a:rPr>
+                        <a:t> $ 14,000.00 </a:t>
+                      </a:r>
+                      <a:endParaRPr lang="en-US" sz="1500" b="0" i="0" u="none" strike="noStrike">
+                        <a:solidFill>
+                          <a:schemeClr val="tx1">
+                            <a:lumMod val="75000"/>
+                            <a:lumOff val="25000"/>
+                          </a:schemeClr>
+                        </a:solidFill>
+                        <a:effectLst/>
+                        <a:latin typeface="Calibri" panose="020F0502020204030204" pitchFamily="34" charset="0"/>
+                      </a:endParaRPr>
+                    </a:p>
+                  </a:txBody>
+                  <a:tcPr marL="185296" marR="3860" marT="92648" marB="92648" anchor="b"/>
+                </a:tc>
+                <a:extLst>
+                  <a:ext uri="{0D108BD9-81ED-4DB2-BD59-A6C34878D82A}">
+                    <a16:rowId xmlns:a16="http://schemas.microsoft.com/office/drawing/2014/main" val="767177088"/>
+                  </a:ext>
+                </a:extLst>
+              </a:tr>
+              <a:tr h="463052">
+                <a:tc>
+                  <a:txBody>
+                    <a:bodyPr/>
+                    <a:lstStyle/>
+                    <a:p>
+                      <a:pPr algn="r" fontAlgn="b"/>
+                      <a:r>
+                        <a:rPr lang="en-US" sz="1500" u="none" strike="noStrike">
+                          <a:effectLst/>
+                        </a:rPr>
+                        <a:t>2</a:t>
+                      </a:r>
+                      <a:endParaRPr lang="en-US" sz="1500" b="0" i="0" u="none" strike="noStrike">
+                        <a:solidFill>
+                          <a:schemeClr val="tx1">
+                            <a:lumMod val="75000"/>
+                            <a:lumOff val="25000"/>
+                          </a:schemeClr>
+                        </a:solidFill>
+                        <a:effectLst/>
+                        <a:latin typeface="Calibri" panose="020F0502020204030204" pitchFamily="34" charset="0"/>
+                      </a:endParaRPr>
+                    </a:p>
+                  </a:txBody>
+                  <a:tcPr marL="185296" marR="3860" marT="92648" marB="92648" anchor="b"/>
+                </a:tc>
+                <a:tc>
+                  <a:txBody>
+                    <a:bodyPr/>
+                    <a:lstStyle/>
+                    <a:p>
+                      <a:pPr algn="l" fontAlgn="b"/>
+                      <a:r>
+                        <a:rPr lang="en-US" sz="1500" u="none" strike="noStrike">
+                          <a:effectLst/>
+                        </a:rPr>
+                        <a:t>Carpet Cleaner</a:t>
+                      </a:r>
+                      <a:endParaRPr lang="en-US" sz="1500" b="0" i="0" u="none" strike="noStrike">
+                        <a:solidFill>
+                          <a:schemeClr val="tx1">
+                            <a:lumMod val="75000"/>
+                            <a:lumOff val="25000"/>
+                          </a:schemeClr>
+                        </a:solidFill>
+                        <a:effectLst/>
+                        <a:latin typeface="Calibri" panose="020F0502020204030204" pitchFamily="34" charset="0"/>
+                      </a:endParaRPr>
+                    </a:p>
+                  </a:txBody>
+                  <a:tcPr marL="185296" marR="3860" marT="92648" marB="92648" anchor="b"/>
+                </a:tc>
+                <a:tc>
+                  <a:txBody>
+                    <a:bodyPr/>
+                    <a:lstStyle/>
+                    <a:p>
+                      <a:pPr algn="l" fontAlgn="b"/>
+                      <a:r>
+                        <a:rPr lang="en-US" sz="1500" u="none" strike="noStrike">
+                          <a:effectLst/>
+                        </a:rPr>
+                        <a:t> $  600.00 </a:t>
+                      </a:r>
+                      <a:endParaRPr lang="en-US" sz="1500" b="0" i="0" u="none" strike="noStrike">
+                        <a:solidFill>
+                          <a:schemeClr val="tx1">
+                            <a:lumMod val="75000"/>
+                            <a:lumOff val="25000"/>
+                          </a:schemeClr>
+                        </a:solidFill>
+                        <a:effectLst/>
+                        <a:latin typeface="Calibri" panose="020F0502020204030204" pitchFamily="34" charset="0"/>
+                      </a:endParaRPr>
+                    </a:p>
+                  </a:txBody>
+                  <a:tcPr marL="185296" marR="3860" marT="92648" marB="92648" anchor="b"/>
+                </a:tc>
+                <a:tc>
+                  <a:txBody>
+                    <a:bodyPr/>
+                    <a:lstStyle/>
+                    <a:p>
+                      <a:pPr algn="r" fontAlgn="b"/>
+                      <a:r>
+                        <a:rPr lang="en-US" sz="1500" u="none" strike="noStrike">
+                          <a:effectLst/>
+                        </a:rPr>
+                        <a:t>25</a:t>
+                      </a:r>
+                      <a:endParaRPr lang="en-US" sz="1500" b="0" i="0" u="none" strike="noStrike">
+                        <a:solidFill>
+                          <a:schemeClr val="tx1">
+                            <a:lumMod val="75000"/>
+                            <a:lumOff val="25000"/>
+                          </a:schemeClr>
+                        </a:solidFill>
+                        <a:effectLst/>
+                        <a:latin typeface="Calibri" panose="020F0502020204030204" pitchFamily="34" charset="0"/>
+                      </a:endParaRPr>
+                    </a:p>
+                  </a:txBody>
+                  <a:tcPr marL="185296" marR="3860" marT="92648" marB="92648" anchor="b"/>
+                </a:tc>
+                <a:tc>
+                  <a:txBody>
+                    <a:bodyPr/>
+                    <a:lstStyle/>
+                    <a:p>
+                      <a:pPr algn="l" fontAlgn="b"/>
+                      <a:r>
+                        <a:rPr lang="en-US" sz="1500" u="none" strike="noStrike">
+                          <a:effectLst/>
+                        </a:rPr>
+                        <a:t> $ 15,000.00 </a:t>
+                      </a:r>
+                      <a:endParaRPr lang="en-US" sz="1500" b="0" i="0" u="none" strike="noStrike">
+                        <a:solidFill>
+                          <a:schemeClr val="tx1">
+                            <a:lumMod val="75000"/>
+                            <a:lumOff val="25000"/>
+                          </a:schemeClr>
+                        </a:solidFill>
+                        <a:effectLst/>
+                        <a:latin typeface="Calibri" panose="020F0502020204030204" pitchFamily="34" charset="0"/>
+                      </a:endParaRPr>
+                    </a:p>
+                  </a:txBody>
+                  <a:tcPr marL="185296" marR="3860" marT="92648" marB="92648" anchor="b"/>
+                </a:tc>
+                <a:extLst>
+                  <a:ext uri="{0D108BD9-81ED-4DB2-BD59-A6C34878D82A}">
+                    <a16:rowId xmlns:a16="http://schemas.microsoft.com/office/drawing/2014/main" val="1634005661"/>
+                  </a:ext>
+                </a:extLst>
+              </a:tr>
+              <a:tr h="463052">
+                <a:tc>
+                  <a:txBody>
+                    <a:bodyPr/>
+                    <a:lstStyle/>
+                    <a:p>
+                      <a:pPr algn="r" fontAlgn="b"/>
+                      <a:r>
+                        <a:rPr lang="en-US" sz="1500" u="none" strike="noStrike">
+                          <a:effectLst/>
+                        </a:rPr>
+                        <a:t>3</a:t>
+                      </a:r>
+                      <a:endParaRPr lang="en-US" sz="1500" b="0" i="0" u="none" strike="noStrike">
+                        <a:solidFill>
+                          <a:schemeClr val="tx1">
+                            <a:lumMod val="75000"/>
+                            <a:lumOff val="25000"/>
+                          </a:schemeClr>
+                        </a:solidFill>
+                        <a:effectLst/>
+                        <a:latin typeface="Calibri" panose="020F0502020204030204" pitchFamily="34" charset="0"/>
+                      </a:endParaRPr>
+                    </a:p>
+                  </a:txBody>
+                  <a:tcPr marL="185296" marR="3860" marT="92648" marB="92648" anchor="b"/>
+                </a:tc>
+                <a:tc>
+                  <a:txBody>
+                    <a:bodyPr/>
+                    <a:lstStyle/>
+                    <a:p>
+                      <a:pPr algn="l" fontAlgn="b"/>
+                      <a:r>
+                        <a:rPr lang="en-US" sz="1500" u="none" strike="noStrike">
+                          <a:effectLst/>
+                        </a:rPr>
+                        <a:t>Sink Cleaner</a:t>
+                      </a:r>
+                      <a:endParaRPr lang="en-US" sz="1500" b="0" i="0" u="none" strike="noStrike">
+                        <a:solidFill>
+                          <a:schemeClr val="tx1">
+                            <a:lumMod val="75000"/>
+                            <a:lumOff val="25000"/>
+                          </a:schemeClr>
+                        </a:solidFill>
+                        <a:effectLst/>
+                        <a:latin typeface="Calibri" panose="020F0502020204030204" pitchFamily="34" charset="0"/>
+                      </a:endParaRPr>
+                    </a:p>
+                  </a:txBody>
+                  <a:tcPr marL="185296" marR="3860" marT="92648" marB="92648" anchor="b"/>
+                </a:tc>
+                <a:tc>
+                  <a:txBody>
+                    <a:bodyPr/>
+                    <a:lstStyle/>
+                    <a:p>
+                      <a:pPr algn="l" fontAlgn="b"/>
+                      <a:r>
+                        <a:rPr lang="en-US" sz="1500" u="none" strike="noStrike">
+                          <a:effectLst/>
+                        </a:rPr>
+                        <a:t> $  500.00 </a:t>
+                      </a:r>
+                      <a:endParaRPr lang="en-US" sz="1500" b="0" i="0" u="none" strike="noStrike">
+                        <a:solidFill>
+                          <a:schemeClr val="tx1">
+                            <a:lumMod val="75000"/>
+                            <a:lumOff val="25000"/>
+                          </a:schemeClr>
+                        </a:solidFill>
+                        <a:effectLst/>
+                        <a:latin typeface="Calibri" panose="020F0502020204030204" pitchFamily="34" charset="0"/>
+                      </a:endParaRPr>
+                    </a:p>
+                  </a:txBody>
+                  <a:tcPr marL="185296" marR="3860" marT="92648" marB="92648" anchor="b"/>
+                </a:tc>
+                <a:tc>
+                  <a:txBody>
+                    <a:bodyPr/>
+                    <a:lstStyle/>
+                    <a:p>
+                      <a:pPr algn="r" fontAlgn="b"/>
+                      <a:r>
+                        <a:rPr lang="en-US" sz="1500" u="none" strike="noStrike">
+                          <a:effectLst/>
+                        </a:rPr>
+                        <a:t>20</a:t>
+                      </a:r>
+                      <a:endParaRPr lang="en-US" sz="1500" b="0" i="0" u="none" strike="noStrike">
+                        <a:solidFill>
+                          <a:schemeClr val="tx1">
+                            <a:lumMod val="75000"/>
+                            <a:lumOff val="25000"/>
+                          </a:schemeClr>
+                        </a:solidFill>
+                        <a:effectLst/>
+                        <a:latin typeface="Calibri" panose="020F0502020204030204" pitchFamily="34" charset="0"/>
+                      </a:endParaRPr>
+                    </a:p>
+                  </a:txBody>
+                  <a:tcPr marL="185296" marR="3860" marT="92648" marB="92648" anchor="b"/>
+                </a:tc>
+                <a:tc>
+                  <a:txBody>
+                    <a:bodyPr/>
+                    <a:lstStyle/>
+                    <a:p>
+                      <a:pPr algn="l" fontAlgn="b"/>
+                      <a:r>
+                        <a:rPr lang="en-US" sz="1500" u="none" strike="noStrike">
+                          <a:effectLst/>
+                        </a:rPr>
+                        <a:t> $ 10,000.00 </a:t>
+                      </a:r>
+                      <a:endParaRPr lang="en-US" sz="1500" b="0" i="0" u="none" strike="noStrike">
+                        <a:solidFill>
+                          <a:schemeClr val="tx1">
+                            <a:lumMod val="75000"/>
+                            <a:lumOff val="25000"/>
+                          </a:schemeClr>
+                        </a:solidFill>
+                        <a:effectLst/>
+                        <a:latin typeface="Calibri" panose="020F0502020204030204" pitchFamily="34" charset="0"/>
+                      </a:endParaRPr>
+                    </a:p>
+                  </a:txBody>
+                  <a:tcPr marL="185296" marR="3860" marT="92648" marB="92648" anchor="b"/>
+                </a:tc>
+                <a:extLst>
+                  <a:ext uri="{0D108BD9-81ED-4DB2-BD59-A6C34878D82A}">
+                    <a16:rowId xmlns:a16="http://schemas.microsoft.com/office/drawing/2014/main" val="3509271251"/>
+                  </a:ext>
+                </a:extLst>
+              </a:tr>
+              <a:tr h="463052">
+                <a:tc>
+                  <a:txBody>
+                    <a:bodyPr/>
+                    <a:lstStyle/>
+                    <a:p>
+                      <a:pPr algn="r" fontAlgn="b"/>
+                      <a:r>
+                        <a:rPr lang="en-US" sz="1500" u="none" strike="noStrike">
+                          <a:effectLst/>
+                        </a:rPr>
+                        <a:t>4</a:t>
+                      </a:r>
+                      <a:endParaRPr lang="en-US" sz="1500" b="0" i="0" u="none" strike="noStrike">
+                        <a:solidFill>
+                          <a:schemeClr val="tx1">
+                            <a:lumMod val="75000"/>
+                            <a:lumOff val="25000"/>
+                          </a:schemeClr>
+                        </a:solidFill>
+                        <a:effectLst/>
+                        <a:latin typeface="Calibri" panose="020F0502020204030204" pitchFamily="34" charset="0"/>
+                      </a:endParaRPr>
+                    </a:p>
+                  </a:txBody>
+                  <a:tcPr marL="185296" marR="3860" marT="92648" marB="92648" anchor="b"/>
+                </a:tc>
+                <a:tc>
+                  <a:txBody>
+                    <a:bodyPr/>
+                    <a:lstStyle/>
+                    <a:p>
+                      <a:pPr algn="l" fontAlgn="b"/>
+                      <a:r>
+                        <a:rPr lang="en-US" sz="1500" u="none" strike="noStrike">
+                          <a:effectLst/>
+                        </a:rPr>
+                        <a:t>Duster Drone</a:t>
+                      </a:r>
+                      <a:endParaRPr lang="en-US" sz="1500" b="0" i="0" u="none" strike="noStrike">
+                        <a:solidFill>
+                          <a:schemeClr val="tx1">
+                            <a:lumMod val="75000"/>
+                            <a:lumOff val="25000"/>
+                          </a:schemeClr>
+                        </a:solidFill>
+                        <a:effectLst/>
+                        <a:latin typeface="Calibri" panose="020F0502020204030204" pitchFamily="34" charset="0"/>
+                      </a:endParaRPr>
+                    </a:p>
+                  </a:txBody>
+                  <a:tcPr marL="185296" marR="3860" marT="92648" marB="92648" anchor="b"/>
+                </a:tc>
+                <a:tc>
+                  <a:txBody>
+                    <a:bodyPr/>
+                    <a:lstStyle/>
+                    <a:p>
+                      <a:pPr algn="l" fontAlgn="b"/>
+                      <a:r>
+                        <a:rPr lang="en-US" sz="1500" u="none" strike="noStrike">
+                          <a:effectLst/>
+                        </a:rPr>
+                        <a:t> $  300.00 </a:t>
+                      </a:r>
+                      <a:endParaRPr lang="en-US" sz="1500" b="0" i="0" u="none" strike="noStrike">
+                        <a:solidFill>
+                          <a:schemeClr val="tx1">
+                            <a:lumMod val="75000"/>
+                            <a:lumOff val="25000"/>
+                          </a:schemeClr>
+                        </a:solidFill>
+                        <a:effectLst/>
+                        <a:latin typeface="Calibri" panose="020F0502020204030204" pitchFamily="34" charset="0"/>
+                      </a:endParaRPr>
+                    </a:p>
+                  </a:txBody>
+                  <a:tcPr marL="185296" marR="3860" marT="92648" marB="92648" anchor="b"/>
+                </a:tc>
+                <a:tc>
+                  <a:txBody>
+                    <a:bodyPr/>
+                    <a:lstStyle/>
+                    <a:p>
+                      <a:pPr algn="r" fontAlgn="b"/>
+                      <a:r>
+                        <a:rPr lang="en-US" sz="1500" u="none" strike="noStrike">
+                          <a:effectLst/>
+                        </a:rPr>
+                        <a:t>30</a:t>
+                      </a:r>
+                      <a:endParaRPr lang="en-US" sz="1500" b="0" i="0" u="none" strike="noStrike">
+                        <a:solidFill>
+                          <a:schemeClr val="tx1">
+                            <a:lumMod val="75000"/>
+                            <a:lumOff val="25000"/>
+                          </a:schemeClr>
+                        </a:solidFill>
+                        <a:effectLst/>
+                        <a:latin typeface="Calibri" panose="020F0502020204030204" pitchFamily="34" charset="0"/>
+                      </a:endParaRPr>
+                    </a:p>
+                  </a:txBody>
+                  <a:tcPr marL="185296" marR="3860" marT="92648" marB="92648" anchor="b"/>
+                </a:tc>
+                <a:tc>
+                  <a:txBody>
+                    <a:bodyPr/>
+                    <a:lstStyle/>
+                    <a:p>
+                      <a:pPr algn="l" fontAlgn="b"/>
+                      <a:r>
+                        <a:rPr lang="en-US" sz="1500" u="none" strike="noStrike">
+                          <a:effectLst/>
+                        </a:rPr>
+                        <a:t> $   9,000.00 </a:t>
+                      </a:r>
+                      <a:endParaRPr lang="en-US" sz="1500" b="0" i="0" u="none" strike="noStrike">
+                        <a:solidFill>
+                          <a:schemeClr val="tx1">
+                            <a:lumMod val="75000"/>
+                            <a:lumOff val="25000"/>
+                          </a:schemeClr>
+                        </a:solidFill>
+                        <a:effectLst/>
+                        <a:latin typeface="Calibri" panose="020F0502020204030204" pitchFamily="34" charset="0"/>
+                      </a:endParaRPr>
+                    </a:p>
+                  </a:txBody>
+                  <a:tcPr marL="185296" marR="3860" marT="92648" marB="92648" anchor="b"/>
+                </a:tc>
+                <a:extLst>
+                  <a:ext uri="{0D108BD9-81ED-4DB2-BD59-A6C34878D82A}">
+                    <a16:rowId xmlns:a16="http://schemas.microsoft.com/office/drawing/2014/main" val="784974521"/>
+                  </a:ext>
+                </a:extLst>
+              </a:tr>
+              <a:tr h="694514">
+                <a:tc>
+                  <a:txBody>
+                    <a:bodyPr/>
+                    <a:lstStyle/>
+                    <a:p>
+                      <a:pPr algn="r" fontAlgn="b"/>
+                      <a:r>
+                        <a:rPr lang="en-US" sz="1500" u="none" strike="noStrike">
+                          <a:effectLst/>
+                        </a:rPr>
+                        <a:t>5</a:t>
+                      </a:r>
+                      <a:endParaRPr lang="en-US" sz="1500" b="0" i="0" u="none" strike="noStrike">
+                        <a:solidFill>
+                          <a:schemeClr val="tx1">
+                            <a:lumMod val="75000"/>
+                            <a:lumOff val="25000"/>
+                          </a:schemeClr>
+                        </a:solidFill>
+                        <a:effectLst/>
+                        <a:latin typeface="Calibri" panose="020F0502020204030204" pitchFamily="34" charset="0"/>
+                      </a:endParaRPr>
+                    </a:p>
+                  </a:txBody>
+                  <a:tcPr marL="185296" marR="3860" marT="92648" marB="92648" anchor="b"/>
+                </a:tc>
+                <a:tc>
+                  <a:txBody>
+                    <a:bodyPr/>
+                    <a:lstStyle/>
+                    <a:p>
+                      <a:pPr algn="l" fontAlgn="b"/>
+                      <a:r>
+                        <a:rPr lang="en-US" sz="1500" u="none" strike="noStrike">
+                          <a:effectLst/>
+                        </a:rPr>
+                        <a:t>Window Cleaner</a:t>
+                      </a:r>
+                      <a:endParaRPr lang="en-US" sz="1500" b="0" i="0" u="none" strike="noStrike">
+                        <a:solidFill>
+                          <a:schemeClr val="tx1">
+                            <a:lumMod val="75000"/>
+                            <a:lumOff val="25000"/>
+                          </a:schemeClr>
+                        </a:solidFill>
+                        <a:effectLst/>
+                        <a:latin typeface="Calibri" panose="020F0502020204030204" pitchFamily="34" charset="0"/>
+                      </a:endParaRPr>
+                    </a:p>
+                  </a:txBody>
+                  <a:tcPr marL="185296" marR="3860" marT="92648" marB="92648" anchor="b"/>
+                </a:tc>
+                <a:tc>
+                  <a:txBody>
+                    <a:bodyPr/>
+                    <a:lstStyle/>
+                    <a:p>
+                      <a:pPr algn="l" fontAlgn="b"/>
+                      <a:r>
+                        <a:rPr lang="en-US" sz="1500" u="none" strike="noStrike">
+                          <a:effectLst/>
+                        </a:rPr>
+                        <a:t> $  600.00 </a:t>
+                      </a:r>
+                      <a:endParaRPr lang="en-US" sz="1500" b="0" i="0" u="none" strike="noStrike">
+                        <a:solidFill>
+                          <a:schemeClr val="tx1">
+                            <a:lumMod val="75000"/>
+                            <a:lumOff val="25000"/>
+                          </a:schemeClr>
+                        </a:solidFill>
+                        <a:effectLst/>
+                        <a:latin typeface="Calibri" panose="020F0502020204030204" pitchFamily="34" charset="0"/>
+                      </a:endParaRPr>
+                    </a:p>
+                  </a:txBody>
+                  <a:tcPr marL="185296" marR="3860" marT="92648" marB="92648" anchor="b"/>
+                </a:tc>
+                <a:tc>
+                  <a:txBody>
+                    <a:bodyPr/>
+                    <a:lstStyle/>
+                    <a:p>
+                      <a:pPr algn="r" fontAlgn="b"/>
+                      <a:r>
+                        <a:rPr lang="en-US" sz="1500" u="none" strike="noStrike" dirty="0">
+                          <a:effectLst/>
+                        </a:rPr>
+                        <a:t>35</a:t>
+                      </a:r>
+                      <a:endParaRPr lang="en-US" sz="1500" b="0" i="0" u="none" strike="noStrike" dirty="0">
+                        <a:solidFill>
+                          <a:schemeClr val="tx1">
+                            <a:lumMod val="75000"/>
+                            <a:lumOff val="25000"/>
+                          </a:schemeClr>
+                        </a:solidFill>
+                        <a:effectLst/>
+                        <a:latin typeface="Calibri" panose="020F0502020204030204" pitchFamily="34" charset="0"/>
+                      </a:endParaRPr>
+                    </a:p>
+                  </a:txBody>
+                  <a:tcPr marL="185296" marR="3860" marT="92648" marB="92648" anchor="b"/>
+                </a:tc>
+                <a:tc>
+                  <a:txBody>
+                    <a:bodyPr/>
+                    <a:lstStyle/>
+                    <a:p>
+                      <a:pPr algn="l" fontAlgn="b"/>
+                      <a:r>
+                        <a:rPr lang="en-US" sz="1500" u="none" strike="noStrike" dirty="0">
+                          <a:effectLst/>
+                        </a:rPr>
+                        <a:t> $ 21,000.00 </a:t>
+                      </a:r>
+                      <a:endParaRPr lang="en-US" sz="1500" b="0" i="0" u="none" strike="noStrike" dirty="0">
+                        <a:solidFill>
+                          <a:schemeClr val="tx1">
+                            <a:lumMod val="75000"/>
+                            <a:lumOff val="25000"/>
+                          </a:schemeClr>
+                        </a:solidFill>
+                        <a:effectLst/>
+                        <a:latin typeface="Calibri" panose="020F0502020204030204" pitchFamily="34" charset="0"/>
+                      </a:endParaRPr>
+                    </a:p>
+                  </a:txBody>
+                  <a:tcPr marL="185296" marR="3860" marT="92648" marB="92648" anchor="b"/>
+                </a:tc>
+                <a:extLst>
+                  <a:ext uri="{0D108BD9-81ED-4DB2-BD59-A6C34878D82A}">
+                    <a16:rowId xmlns:a16="http://schemas.microsoft.com/office/drawing/2014/main" val="3673387124"/>
+                  </a:ext>
+                </a:extLst>
+              </a:tr>
+            </a:tbl>
+          </a:graphicData>
+        </a:graphic>
+      </p:graphicFrame>
     </p:spTree>
     <p:extLst>
       <p:ext uri="{BB962C8B-B14F-4D97-AF65-F5344CB8AC3E}">
@@ -12782,6 +14458,14 @@
 <file path=ppt/slides/slide5.xml><?xml version="1.0" encoding="utf-8"?>
 <p:sld xmlns:a="http://schemas.openxmlformats.org/drawingml/2006/main" xmlns:r="http://schemas.openxmlformats.org/officeDocument/2006/relationships" xmlns:p="http://schemas.openxmlformats.org/presentationml/2006/main">
   <p:cSld>
+    <p:bg>
+      <p:bgPr>
+        <a:solidFill>
+          <a:schemeClr val="bg1"/>
+        </a:solidFill>
+        <a:effectLst/>
+      </p:bgPr>
+    </p:bg>
     <p:spTree>
       <p:nvGrpSpPr>
         <p:cNvPr id="1" name=""/>
@@ -12801,7 +14485,7 @@
           <p:cNvPr id="2" name="Title 1">
             <a:extLst>
               <a:ext uri="{FF2B5EF4-FFF2-40B4-BE49-F238E27FC236}">
-                <a16:creationId xmlns:a16="http://schemas.microsoft.com/office/drawing/2014/main" id="{AFA7C6E2-8377-4C42-ACE2-73B75140F4F9}"/>
+                <a16:creationId xmlns:a16="http://schemas.microsoft.com/office/drawing/2014/main" id="{A275F199-4BE1-4D1C-A4DE-4F0AC41C6598}"/>
               </a:ext>
             </a:extLst>
           </p:cNvPr>
@@ -12812,14 +14496,21 @@
             <p:ph type="title"/>
           </p:nvPr>
         </p:nvSpPr>
-        <p:spPr/>
+        <p:spPr>
+          <a:xfrm>
+            <a:off x="1154954" y="973669"/>
+            <a:ext cx="8825659" cy="706964"/>
+          </a:xfrm>
+        </p:spPr>
         <p:txBody>
-          <a:bodyPr/>
+          <a:bodyPr>
+            <a:normAutofit/>
+          </a:bodyPr>
           <a:lstStyle/>
           <a:p>
             <a:r>
               <a:rPr lang="en-US" dirty="0"/>
-              <a:t>Scenario 2: Future Investment</a:t>
+              <a:t>Package Configurations</a:t>
             </a:r>
           </a:p>
         </p:txBody>
@@ -12829,7 +14520,7 @@
           <p:cNvPr id="3" name="Content Placeholder 2">
             <a:extLst>
               <a:ext uri="{FF2B5EF4-FFF2-40B4-BE49-F238E27FC236}">
-                <a16:creationId xmlns:a16="http://schemas.microsoft.com/office/drawing/2014/main" id="{44E89FDA-7E2C-4AED-A4E9-8D6CE4D27CC2}"/>
+                <a16:creationId xmlns:a16="http://schemas.microsoft.com/office/drawing/2014/main" id="{EC72A692-0444-4D83-B2B5-3C3D6BAD4B42}"/>
               </a:ext>
             </a:extLst>
           </p:cNvPr>
@@ -12840,19 +14531,2508 @@
             <p:ph idx="1"/>
           </p:nvPr>
         </p:nvSpPr>
-        <p:spPr/>
+        <p:spPr>
+          <a:xfrm>
+            <a:off x="1154954" y="2603500"/>
+            <a:ext cx="5211979" cy="3416300"/>
+          </a:xfrm>
+        </p:spPr>
         <p:txBody>
-          <a:bodyPr/>
+          <a:bodyPr anchor="ctr">
+            <a:normAutofit/>
+          </a:bodyPr>
           <a:lstStyle/>
           <a:p>
-            <a:endParaRPr lang="en-US"/>
+            <a:r>
+              <a:rPr lang="en-US"/>
+              <a:t>Configurations are used to clean locations with different characteristics </a:t>
+            </a:r>
+          </a:p>
+          <a:p>
+            <a:pPr lvl="1"/>
+            <a:r>
+              <a:rPr lang="en-US"/>
+              <a:t> Package 1: 1 bath apartment or house, &lt;= 1400 square feet with no carpet</a:t>
+            </a:r>
+          </a:p>
+          <a:p>
+            <a:pPr lvl="1"/>
+            <a:r>
+              <a:rPr lang="en-US"/>
+              <a:t> Package 2: 1 bathroom apt or house, &lt;= 1400 sq ft with carpet</a:t>
+            </a:r>
+          </a:p>
+          <a:p>
+            <a:pPr lvl="1"/>
+            <a:r>
+              <a:rPr lang="en-US"/>
+              <a:t> Package 3: no carpet, 1 bathroom</a:t>
+            </a:r>
+          </a:p>
+          <a:p>
+            <a:pPr lvl="1"/>
+            <a:r>
+              <a:rPr lang="en-US"/>
+              <a:t> Package 4: 2 bath, carpet, &lt;= 2300 sq ft</a:t>
+            </a:r>
+          </a:p>
+          <a:p>
+            <a:pPr lvl="1"/>
+            <a:r>
+              <a:rPr lang="en-US"/>
+              <a:t> Package 5: all carpet 2 bath &lt;= 2000 sq ft</a:t>
+            </a:r>
+          </a:p>
+          <a:p>
+            <a:pPr lvl="1"/>
+            <a:r>
+              <a:rPr lang="en-US"/>
+              <a:t> Package 6: carpet, 2-3 bath, &lt;= 2000 sq ft</a:t>
+            </a:r>
+            <a:endParaRPr lang="en-US" dirty="0"/>
           </a:p>
         </p:txBody>
       </p:sp>
+      <p:graphicFrame>
+        <p:nvGraphicFramePr>
+          <p:cNvPr id="4" name="Table 3">
+            <a:extLst>
+              <a:ext uri="{FF2B5EF4-FFF2-40B4-BE49-F238E27FC236}">
+                <a16:creationId xmlns:a16="http://schemas.microsoft.com/office/drawing/2014/main" id="{D3437613-01DB-42C8-B8B3-143542EC8E42}"/>
+              </a:ext>
+            </a:extLst>
+          </p:cNvPr>
+          <p:cNvGraphicFramePr>
+            <a:graphicFrameLocks noGrp="1"/>
+          </p:cNvGraphicFramePr>
+          <p:nvPr/>
+        </p:nvGraphicFramePr>
+        <p:xfrm>
+          <a:off x="6798733" y="3451864"/>
+          <a:ext cx="4345029" cy="1715338"/>
+        </p:xfrm>
+        <a:graphic>
+          <a:graphicData uri="http://schemas.openxmlformats.org/drawingml/2006/table">
+            <a:tbl>
+              <a:tblPr firstRow="1" bandRow="1"/>
+              <a:tblGrid>
+                <a:gridCol w="662403">
+                  <a:extLst>
+                    <a:ext uri="{9D8B030D-6E8A-4147-A177-3AD203B41FA5}">
+                      <a16:colId xmlns:a16="http://schemas.microsoft.com/office/drawing/2014/main" val="1634429812"/>
+                    </a:ext>
+                  </a:extLst>
+                </a:gridCol>
+                <a:gridCol w="613771">
+                  <a:extLst>
+                    <a:ext uri="{9D8B030D-6E8A-4147-A177-3AD203B41FA5}">
+                      <a16:colId xmlns:a16="http://schemas.microsoft.com/office/drawing/2014/main" val="2688371175"/>
+                    </a:ext>
+                  </a:extLst>
+                </a:gridCol>
+                <a:gridCol w="613771">
+                  <a:extLst>
+                    <a:ext uri="{9D8B030D-6E8A-4147-A177-3AD203B41FA5}">
+                      <a16:colId xmlns:a16="http://schemas.microsoft.com/office/drawing/2014/main" val="1846239658"/>
+                    </a:ext>
+                  </a:extLst>
+                </a:gridCol>
+                <a:gridCol w="613771">
+                  <a:extLst>
+                    <a:ext uri="{9D8B030D-6E8A-4147-A177-3AD203B41FA5}">
+                      <a16:colId xmlns:a16="http://schemas.microsoft.com/office/drawing/2014/main" val="3937611585"/>
+                    </a:ext>
+                  </a:extLst>
+                </a:gridCol>
+                <a:gridCol w="613771">
+                  <a:extLst>
+                    <a:ext uri="{9D8B030D-6E8A-4147-A177-3AD203B41FA5}">
+                      <a16:colId xmlns:a16="http://schemas.microsoft.com/office/drawing/2014/main" val="2151263562"/>
+                    </a:ext>
+                  </a:extLst>
+                </a:gridCol>
+                <a:gridCol w="613771">
+                  <a:extLst>
+                    <a:ext uri="{9D8B030D-6E8A-4147-A177-3AD203B41FA5}">
+                      <a16:colId xmlns:a16="http://schemas.microsoft.com/office/drawing/2014/main" val="3526694520"/>
+                    </a:ext>
+                  </a:extLst>
+                </a:gridCol>
+                <a:gridCol w="613771">
+                  <a:extLst>
+                    <a:ext uri="{9D8B030D-6E8A-4147-A177-3AD203B41FA5}">
+                      <a16:colId xmlns:a16="http://schemas.microsoft.com/office/drawing/2014/main" val="3837733723"/>
+                    </a:ext>
+                  </a:extLst>
+                </a:gridCol>
+              </a:tblGrid>
+              <a:tr h="396838">
+                <a:tc>
+                  <a:txBody>
+                    <a:bodyPr/>
+                    <a:lstStyle/>
+                    <a:p>
+                      <a:pPr algn="l" fontAlgn="b"/>
+                      <a:r>
+                        <a:rPr lang="en-US" sz="1200" b="1" i="0" u="none" strike="noStrike">
+                          <a:solidFill>
+                            <a:srgbClr val="FFFFFF"/>
+                          </a:solidFill>
+                          <a:effectLst/>
+                          <a:latin typeface="Calibri" panose="020F0502020204030204" pitchFamily="34" charset="0"/>
+                        </a:rPr>
+                        <a:t>Column1</a:t>
+                      </a:r>
+                    </a:p>
+                  </a:txBody>
+                  <a:tcPr marL="4025" marR="4025" marT="4025" marB="0" anchor="b">
+                    <a:lnL w="6350" cap="flat" cmpd="sng" algn="ctr">
+                      <a:solidFill>
+                        <a:srgbClr val="4472C4"/>
+                      </a:solidFill>
+                      <a:prstDash val="solid"/>
+                      <a:round/>
+                      <a:headEnd type="none" w="med" len="med"/>
+                      <a:tailEnd type="none" w="med" len="med"/>
+                    </a:lnL>
+                    <a:lnR>
+                      <a:noFill/>
+                    </a:lnR>
+                    <a:lnT w="6350" cap="flat" cmpd="sng" algn="ctr">
+                      <a:solidFill>
+                        <a:srgbClr val="4472C4"/>
+                      </a:solidFill>
+                      <a:prstDash val="solid"/>
+                      <a:round/>
+                      <a:headEnd type="none" w="med" len="med"/>
+                      <a:tailEnd type="none" w="med" len="med"/>
+                    </a:lnT>
+                    <a:lnB w="6350" cap="flat" cmpd="sng" algn="ctr">
+                      <a:solidFill>
+                        <a:srgbClr val="4472C4"/>
+                      </a:solidFill>
+                      <a:prstDash val="solid"/>
+                      <a:round/>
+                      <a:headEnd type="none" w="med" len="med"/>
+                      <a:tailEnd type="none" w="med" len="med"/>
+                    </a:lnB>
+                    <a:solidFill>
+                      <a:srgbClr val="4472C4"/>
+                    </a:solidFill>
+                  </a:tcPr>
+                </a:tc>
+                <a:tc>
+                  <a:txBody>
+                    <a:bodyPr/>
+                    <a:lstStyle/>
+                    <a:p>
+                      <a:pPr algn="l" fontAlgn="b"/>
+                      <a:r>
+                        <a:rPr lang="en-US" sz="1200" b="1" i="0" u="none" strike="noStrike">
+                          <a:solidFill>
+                            <a:srgbClr val="FFFFFF"/>
+                          </a:solidFill>
+                          <a:effectLst/>
+                          <a:latin typeface="Calibri" panose="020F0502020204030204" pitchFamily="34" charset="0"/>
+                        </a:rPr>
+                        <a:t>Package 1</a:t>
+                      </a:r>
+                    </a:p>
+                  </a:txBody>
+                  <a:tcPr marL="4025" marR="4025" marT="4025" marB="0" anchor="b">
+                    <a:lnL>
+                      <a:noFill/>
+                    </a:lnL>
+                    <a:lnR>
+                      <a:noFill/>
+                    </a:lnR>
+                    <a:lnT w="6350" cap="flat" cmpd="sng" algn="ctr">
+                      <a:solidFill>
+                        <a:srgbClr val="4472C4"/>
+                      </a:solidFill>
+                      <a:prstDash val="solid"/>
+                      <a:round/>
+                      <a:headEnd type="none" w="med" len="med"/>
+                      <a:tailEnd type="none" w="med" len="med"/>
+                    </a:lnT>
+                    <a:lnB w="6350" cap="flat" cmpd="sng" algn="ctr">
+                      <a:solidFill>
+                        <a:srgbClr val="4472C4"/>
+                      </a:solidFill>
+                      <a:prstDash val="solid"/>
+                      <a:round/>
+                      <a:headEnd type="none" w="med" len="med"/>
+                      <a:tailEnd type="none" w="med" len="med"/>
+                    </a:lnB>
+                    <a:solidFill>
+                      <a:srgbClr val="4472C4"/>
+                    </a:solidFill>
+                  </a:tcPr>
+                </a:tc>
+                <a:tc>
+                  <a:txBody>
+                    <a:bodyPr/>
+                    <a:lstStyle/>
+                    <a:p>
+                      <a:pPr algn="l" fontAlgn="b"/>
+                      <a:r>
+                        <a:rPr lang="en-US" sz="1200" b="1" i="0" u="none" strike="noStrike">
+                          <a:solidFill>
+                            <a:srgbClr val="FFFFFF"/>
+                          </a:solidFill>
+                          <a:effectLst/>
+                          <a:latin typeface="Calibri" panose="020F0502020204030204" pitchFamily="34" charset="0"/>
+                        </a:rPr>
+                        <a:t>Package 2</a:t>
+                      </a:r>
+                    </a:p>
+                  </a:txBody>
+                  <a:tcPr marL="4025" marR="4025" marT="4025" marB="0" anchor="b">
+                    <a:lnL>
+                      <a:noFill/>
+                    </a:lnL>
+                    <a:lnR>
+                      <a:noFill/>
+                    </a:lnR>
+                    <a:lnT w="6350" cap="flat" cmpd="sng" algn="ctr">
+                      <a:solidFill>
+                        <a:srgbClr val="4472C4"/>
+                      </a:solidFill>
+                      <a:prstDash val="solid"/>
+                      <a:round/>
+                      <a:headEnd type="none" w="med" len="med"/>
+                      <a:tailEnd type="none" w="med" len="med"/>
+                    </a:lnT>
+                    <a:lnB w="6350" cap="flat" cmpd="sng" algn="ctr">
+                      <a:solidFill>
+                        <a:srgbClr val="4472C4"/>
+                      </a:solidFill>
+                      <a:prstDash val="solid"/>
+                      <a:round/>
+                      <a:headEnd type="none" w="med" len="med"/>
+                      <a:tailEnd type="none" w="med" len="med"/>
+                    </a:lnB>
+                    <a:solidFill>
+                      <a:srgbClr val="4472C4"/>
+                    </a:solidFill>
+                  </a:tcPr>
+                </a:tc>
+                <a:tc>
+                  <a:txBody>
+                    <a:bodyPr/>
+                    <a:lstStyle/>
+                    <a:p>
+                      <a:pPr algn="l" fontAlgn="b"/>
+                      <a:r>
+                        <a:rPr lang="en-US" sz="1200" b="1" i="0" u="none" strike="noStrike">
+                          <a:solidFill>
+                            <a:srgbClr val="FFFFFF"/>
+                          </a:solidFill>
+                          <a:effectLst/>
+                          <a:latin typeface="Calibri" panose="020F0502020204030204" pitchFamily="34" charset="0"/>
+                        </a:rPr>
+                        <a:t>Package 3</a:t>
+                      </a:r>
+                    </a:p>
+                  </a:txBody>
+                  <a:tcPr marL="4025" marR="4025" marT="4025" marB="0" anchor="b">
+                    <a:lnL>
+                      <a:noFill/>
+                    </a:lnL>
+                    <a:lnR>
+                      <a:noFill/>
+                    </a:lnR>
+                    <a:lnT w="6350" cap="flat" cmpd="sng" algn="ctr">
+                      <a:solidFill>
+                        <a:srgbClr val="4472C4"/>
+                      </a:solidFill>
+                      <a:prstDash val="solid"/>
+                      <a:round/>
+                      <a:headEnd type="none" w="med" len="med"/>
+                      <a:tailEnd type="none" w="med" len="med"/>
+                    </a:lnT>
+                    <a:lnB w="6350" cap="flat" cmpd="sng" algn="ctr">
+                      <a:solidFill>
+                        <a:srgbClr val="4472C4"/>
+                      </a:solidFill>
+                      <a:prstDash val="solid"/>
+                      <a:round/>
+                      <a:headEnd type="none" w="med" len="med"/>
+                      <a:tailEnd type="none" w="med" len="med"/>
+                    </a:lnB>
+                    <a:solidFill>
+                      <a:srgbClr val="4472C4"/>
+                    </a:solidFill>
+                  </a:tcPr>
+                </a:tc>
+                <a:tc>
+                  <a:txBody>
+                    <a:bodyPr/>
+                    <a:lstStyle/>
+                    <a:p>
+                      <a:pPr algn="l" fontAlgn="b"/>
+                      <a:r>
+                        <a:rPr lang="en-US" sz="1200" b="1" i="0" u="none" strike="noStrike">
+                          <a:solidFill>
+                            <a:srgbClr val="FFFFFF"/>
+                          </a:solidFill>
+                          <a:effectLst/>
+                          <a:latin typeface="Calibri" panose="020F0502020204030204" pitchFamily="34" charset="0"/>
+                        </a:rPr>
+                        <a:t>Package 4</a:t>
+                      </a:r>
+                    </a:p>
+                  </a:txBody>
+                  <a:tcPr marL="4025" marR="4025" marT="4025" marB="0" anchor="b">
+                    <a:lnL>
+                      <a:noFill/>
+                    </a:lnL>
+                    <a:lnR>
+                      <a:noFill/>
+                    </a:lnR>
+                    <a:lnT w="6350" cap="flat" cmpd="sng" algn="ctr">
+                      <a:solidFill>
+                        <a:srgbClr val="4472C4"/>
+                      </a:solidFill>
+                      <a:prstDash val="solid"/>
+                      <a:round/>
+                      <a:headEnd type="none" w="med" len="med"/>
+                      <a:tailEnd type="none" w="med" len="med"/>
+                    </a:lnT>
+                    <a:lnB w="6350" cap="flat" cmpd="sng" algn="ctr">
+                      <a:solidFill>
+                        <a:srgbClr val="4472C4"/>
+                      </a:solidFill>
+                      <a:prstDash val="solid"/>
+                      <a:round/>
+                      <a:headEnd type="none" w="med" len="med"/>
+                      <a:tailEnd type="none" w="med" len="med"/>
+                    </a:lnB>
+                    <a:solidFill>
+                      <a:srgbClr val="4472C4"/>
+                    </a:solidFill>
+                  </a:tcPr>
+                </a:tc>
+                <a:tc>
+                  <a:txBody>
+                    <a:bodyPr/>
+                    <a:lstStyle/>
+                    <a:p>
+                      <a:pPr algn="l" fontAlgn="b"/>
+                      <a:r>
+                        <a:rPr lang="en-US" sz="1200" b="1" i="0" u="none" strike="noStrike">
+                          <a:solidFill>
+                            <a:srgbClr val="FFFFFF"/>
+                          </a:solidFill>
+                          <a:effectLst/>
+                          <a:latin typeface="Calibri" panose="020F0502020204030204" pitchFamily="34" charset="0"/>
+                        </a:rPr>
+                        <a:t>Package 5</a:t>
+                      </a:r>
+                    </a:p>
+                  </a:txBody>
+                  <a:tcPr marL="4025" marR="4025" marT="4025" marB="0" anchor="b">
+                    <a:lnL>
+                      <a:noFill/>
+                    </a:lnL>
+                    <a:lnR>
+                      <a:noFill/>
+                    </a:lnR>
+                    <a:lnT w="6350" cap="flat" cmpd="sng" algn="ctr">
+                      <a:solidFill>
+                        <a:srgbClr val="4472C4"/>
+                      </a:solidFill>
+                      <a:prstDash val="solid"/>
+                      <a:round/>
+                      <a:headEnd type="none" w="med" len="med"/>
+                      <a:tailEnd type="none" w="med" len="med"/>
+                    </a:lnT>
+                    <a:lnB w="6350" cap="flat" cmpd="sng" algn="ctr">
+                      <a:solidFill>
+                        <a:srgbClr val="4472C4"/>
+                      </a:solidFill>
+                      <a:prstDash val="solid"/>
+                      <a:round/>
+                      <a:headEnd type="none" w="med" len="med"/>
+                      <a:tailEnd type="none" w="med" len="med"/>
+                    </a:lnB>
+                    <a:solidFill>
+                      <a:srgbClr val="4472C4"/>
+                    </a:solidFill>
+                  </a:tcPr>
+                </a:tc>
+                <a:tc>
+                  <a:txBody>
+                    <a:bodyPr/>
+                    <a:lstStyle/>
+                    <a:p>
+                      <a:pPr algn="l" fontAlgn="b"/>
+                      <a:r>
+                        <a:rPr lang="en-US" sz="1200" b="1" i="0" u="none" strike="noStrike">
+                          <a:solidFill>
+                            <a:srgbClr val="FFFFFF"/>
+                          </a:solidFill>
+                          <a:effectLst/>
+                          <a:latin typeface="Calibri" panose="020F0502020204030204" pitchFamily="34" charset="0"/>
+                        </a:rPr>
+                        <a:t>Package 6</a:t>
+                      </a:r>
+                    </a:p>
+                  </a:txBody>
+                  <a:tcPr marL="4025" marR="4025" marT="4025" marB="0" anchor="b">
+                    <a:lnL>
+                      <a:noFill/>
+                    </a:lnL>
+                    <a:lnR w="6350" cap="flat" cmpd="sng" algn="ctr">
+                      <a:solidFill>
+                        <a:srgbClr val="4472C4"/>
+                      </a:solidFill>
+                      <a:prstDash val="solid"/>
+                      <a:round/>
+                      <a:headEnd type="none" w="med" len="med"/>
+                      <a:tailEnd type="none" w="med" len="med"/>
+                    </a:lnR>
+                    <a:lnT w="6350" cap="flat" cmpd="sng" algn="ctr">
+                      <a:solidFill>
+                        <a:srgbClr val="4472C4"/>
+                      </a:solidFill>
+                      <a:prstDash val="solid"/>
+                      <a:round/>
+                      <a:headEnd type="none" w="med" len="med"/>
+                      <a:tailEnd type="none" w="med" len="med"/>
+                    </a:lnT>
+                    <a:lnB w="6350" cap="flat" cmpd="sng" algn="ctr">
+                      <a:solidFill>
+                        <a:srgbClr val="4472C4"/>
+                      </a:solidFill>
+                      <a:prstDash val="solid"/>
+                      <a:round/>
+                      <a:headEnd type="none" w="med" len="med"/>
+                      <a:tailEnd type="none" w="med" len="med"/>
+                    </a:lnB>
+                    <a:solidFill>
+                      <a:srgbClr val="4472C4"/>
+                    </a:solidFill>
+                  </a:tcPr>
+                </a:tc>
+                <a:extLst>
+                  <a:ext uri="{0D108BD9-81ED-4DB2-BD59-A6C34878D82A}">
+                    <a16:rowId xmlns:a16="http://schemas.microsoft.com/office/drawing/2014/main" val="3366967476"/>
+                  </a:ext>
+                </a:extLst>
+              </a:tr>
+              <a:tr h="219750">
+                <a:tc>
+                  <a:txBody>
+                    <a:bodyPr/>
+                    <a:lstStyle/>
+                    <a:p>
+                      <a:pPr algn="l" fontAlgn="b"/>
+                      <a:r>
+                        <a:rPr lang="en-US" sz="1200" b="0" i="0" u="none" strike="noStrike">
+                          <a:solidFill>
+                            <a:srgbClr val="000000"/>
+                          </a:solidFill>
+                          <a:effectLst/>
+                          <a:latin typeface="Calibri" panose="020F0502020204030204" pitchFamily="34" charset="0"/>
+                        </a:rPr>
+                        <a:t>Robot 1</a:t>
+                      </a:r>
+                    </a:p>
+                  </a:txBody>
+                  <a:tcPr marL="4025" marR="4025" marT="4025" marB="0" anchor="b">
+                    <a:lnL w="6350" cap="flat" cmpd="sng" algn="ctr">
+                      <a:solidFill>
+                        <a:srgbClr val="4472C4"/>
+                      </a:solidFill>
+                      <a:prstDash val="solid"/>
+                      <a:round/>
+                      <a:headEnd type="none" w="med" len="med"/>
+                      <a:tailEnd type="none" w="med" len="med"/>
+                    </a:lnL>
+                    <a:lnR>
+                      <a:noFill/>
+                    </a:lnR>
+                    <a:lnT w="6350" cap="flat" cmpd="sng" algn="ctr">
+                      <a:solidFill>
+                        <a:srgbClr val="4472C4"/>
+                      </a:solidFill>
+                      <a:prstDash val="solid"/>
+                      <a:round/>
+                      <a:headEnd type="none" w="med" len="med"/>
+                      <a:tailEnd type="none" w="med" len="med"/>
+                    </a:lnT>
+                    <a:lnB w="6350" cap="flat" cmpd="sng" algn="ctr">
+                      <a:solidFill>
+                        <a:srgbClr val="4472C4"/>
+                      </a:solidFill>
+                      <a:prstDash val="solid"/>
+                      <a:round/>
+                      <a:headEnd type="none" w="med" len="med"/>
+                      <a:tailEnd type="none" w="med" len="med"/>
+                    </a:lnB>
+                  </a:tcPr>
+                </a:tc>
+                <a:tc>
+                  <a:txBody>
+                    <a:bodyPr/>
+                    <a:lstStyle/>
+                    <a:p>
+                      <a:pPr algn="r" fontAlgn="b"/>
+                      <a:r>
+                        <a:rPr lang="en-US" sz="1200" b="0" i="0" u="none" strike="noStrike">
+                          <a:solidFill>
+                            <a:srgbClr val="000000"/>
+                          </a:solidFill>
+                          <a:effectLst/>
+                          <a:latin typeface="Calibri" panose="020F0502020204030204" pitchFamily="34" charset="0"/>
+                        </a:rPr>
+                        <a:t>1</a:t>
+                      </a:r>
+                    </a:p>
+                  </a:txBody>
+                  <a:tcPr marL="4025" marR="4025" marT="4025" marB="0" anchor="b">
+                    <a:lnL>
+                      <a:noFill/>
+                    </a:lnL>
+                    <a:lnR>
+                      <a:noFill/>
+                    </a:lnR>
+                    <a:lnT w="6350" cap="flat" cmpd="sng" algn="ctr">
+                      <a:solidFill>
+                        <a:srgbClr val="4472C4"/>
+                      </a:solidFill>
+                      <a:prstDash val="solid"/>
+                      <a:round/>
+                      <a:headEnd type="none" w="med" len="med"/>
+                      <a:tailEnd type="none" w="med" len="med"/>
+                    </a:lnT>
+                    <a:lnB w="6350" cap="flat" cmpd="sng" algn="ctr">
+                      <a:solidFill>
+                        <a:srgbClr val="4472C4"/>
+                      </a:solidFill>
+                      <a:prstDash val="solid"/>
+                      <a:round/>
+                      <a:headEnd type="none" w="med" len="med"/>
+                      <a:tailEnd type="none" w="med" len="med"/>
+                    </a:lnB>
+                  </a:tcPr>
+                </a:tc>
+                <a:tc>
+                  <a:txBody>
+                    <a:bodyPr/>
+                    <a:lstStyle/>
+                    <a:p>
+                      <a:pPr algn="r" fontAlgn="b"/>
+                      <a:r>
+                        <a:rPr lang="en-US" sz="1200" b="0" i="0" u="none" strike="noStrike">
+                          <a:solidFill>
+                            <a:srgbClr val="000000"/>
+                          </a:solidFill>
+                          <a:effectLst/>
+                          <a:latin typeface="Calibri" panose="020F0502020204030204" pitchFamily="34" charset="0"/>
+                        </a:rPr>
+                        <a:t>2</a:t>
+                      </a:r>
+                    </a:p>
+                  </a:txBody>
+                  <a:tcPr marL="4025" marR="4025" marT="4025" marB="0" anchor="b">
+                    <a:lnL>
+                      <a:noFill/>
+                    </a:lnL>
+                    <a:lnR>
+                      <a:noFill/>
+                    </a:lnR>
+                    <a:lnT w="6350" cap="flat" cmpd="sng" algn="ctr">
+                      <a:solidFill>
+                        <a:srgbClr val="4472C4"/>
+                      </a:solidFill>
+                      <a:prstDash val="solid"/>
+                      <a:round/>
+                      <a:headEnd type="none" w="med" len="med"/>
+                      <a:tailEnd type="none" w="med" len="med"/>
+                    </a:lnT>
+                    <a:lnB w="6350" cap="flat" cmpd="sng" algn="ctr">
+                      <a:solidFill>
+                        <a:srgbClr val="4472C4"/>
+                      </a:solidFill>
+                      <a:prstDash val="solid"/>
+                      <a:round/>
+                      <a:headEnd type="none" w="med" len="med"/>
+                      <a:tailEnd type="none" w="med" len="med"/>
+                    </a:lnB>
+                  </a:tcPr>
+                </a:tc>
+                <a:tc>
+                  <a:txBody>
+                    <a:bodyPr/>
+                    <a:lstStyle/>
+                    <a:p>
+                      <a:pPr algn="r" fontAlgn="b"/>
+                      <a:r>
+                        <a:rPr lang="en-US" sz="1200" b="0" i="0" u="none" strike="noStrike">
+                          <a:solidFill>
+                            <a:srgbClr val="000000"/>
+                          </a:solidFill>
+                          <a:effectLst/>
+                          <a:latin typeface="Calibri" panose="020F0502020204030204" pitchFamily="34" charset="0"/>
+                        </a:rPr>
+                        <a:t>1</a:t>
+                      </a:r>
+                    </a:p>
+                  </a:txBody>
+                  <a:tcPr marL="4025" marR="4025" marT="4025" marB="0" anchor="b">
+                    <a:lnL>
+                      <a:noFill/>
+                    </a:lnL>
+                    <a:lnR>
+                      <a:noFill/>
+                    </a:lnR>
+                    <a:lnT w="6350" cap="flat" cmpd="sng" algn="ctr">
+                      <a:solidFill>
+                        <a:srgbClr val="4472C4"/>
+                      </a:solidFill>
+                      <a:prstDash val="solid"/>
+                      <a:round/>
+                      <a:headEnd type="none" w="med" len="med"/>
+                      <a:tailEnd type="none" w="med" len="med"/>
+                    </a:lnT>
+                    <a:lnB w="6350" cap="flat" cmpd="sng" algn="ctr">
+                      <a:solidFill>
+                        <a:srgbClr val="4472C4"/>
+                      </a:solidFill>
+                      <a:prstDash val="solid"/>
+                      <a:round/>
+                      <a:headEnd type="none" w="med" len="med"/>
+                      <a:tailEnd type="none" w="med" len="med"/>
+                    </a:lnB>
+                  </a:tcPr>
+                </a:tc>
+                <a:tc>
+                  <a:txBody>
+                    <a:bodyPr/>
+                    <a:lstStyle/>
+                    <a:p>
+                      <a:pPr algn="r" fontAlgn="b"/>
+                      <a:r>
+                        <a:rPr lang="en-US" sz="1200" b="0" i="0" u="none" strike="noStrike">
+                          <a:solidFill>
+                            <a:srgbClr val="000000"/>
+                          </a:solidFill>
+                          <a:effectLst/>
+                          <a:latin typeface="Calibri" panose="020F0502020204030204" pitchFamily="34" charset="0"/>
+                        </a:rPr>
+                        <a:t>2</a:t>
+                      </a:r>
+                    </a:p>
+                  </a:txBody>
+                  <a:tcPr marL="4025" marR="4025" marT="4025" marB="0" anchor="b">
+                    <a:lnL>
+                      <a:noFill/>
+                    </a:lnL>
+                    <a:lnR>
+                      <a:noFill/>
+                    </a:lnR>
+                    <a:lnT w="6350" cap="flat" cmpd="sng" algn="ctr">
+                      <a:solidFill>
+                        <a:srgbClr val="4472C4"/>
+                      </a:solidFill>
+                      <a:prstDash val="solid"/>
+                      <a:round/>
+                      <a:headEnd type="none" w="med" len="med"/>
+                      <a:tailEnd type="none" w="med" len="med"/>
+                    </a:lnT>
+                    <a:lnB w="6350" cap="flat" cmpd="sng" algn="ctr">
+                      <a:solidFill>
+                        <a:srgbClr val="4472C4"/>
+                      </a:solidFill>
+                      <a:prstDash val="solid"/>
+                      <a:round/>
+                      <a:headEnd type="none" w="med" len="med"/>
+                      <a:tailEnd type="none" w="med" len="med"/>
+                    </a:lnB>
+                  </a:tcPr>
+                </a:tc>
+                <a:tc>
+                  <a:txBody>
+                    <a:bodyPr/>
+                    <a:lstStyle/>
+                    <a:p>
+                      <a:pPr algn="r" fontAlgn="b"/>
+                      <a:r>
+                        <a:rPr lang="en-US" sz="1200" b="0" i="0" u="none" strike="noStrike">
+                          <a:solidFill>
+                            <a:srgbClr val="000000"/>
+                          </a:solidFill>
+                          <a:effectLst/>
+                          <a:latin typeface="Calibri" panose="020F0502020204030204" pitchFamily="34" charset="0"/>
+                        </a:rPr>
+                        <a:t>0</a:t>
+                      </a:r>
+                    </a:p>
+                  </a:txBody>
+                  <a:tcPr marL="4025" marR="4025" marT="4025" marB="0" anchor="b">
+                    <a:lnL>
+                      <a:noFill/>
+                    </a:lnL>
+                    <a:lnR>
+                      <a:noFill/>
+                    </a:lnR>
+                    <a:lnT w="6350" cap="flat" cmpd="sng" algn="ctr">
+                      <a:solidFill>
+                        <a:srgbClr val="4472C4"/>
+                      </a:solidFill>
+                      <a:prstDash val="solid"/>
+                      <a:round/>
+                      <a:headEnd type="none" w="med" len="med"/>
+                      <a:tailEnd type="none" w="med" len="med"/>
+                    </a:lnT>
+                    <a:lnB w="6350" cap="flat" cmpd="sng" algn="ctr">
+                      <a:solidFill>
+                        <a:srgbClr val="4472C4"/>
+                      </a:solidFill>
+                      <a:prstDash val="solid"/>
+                      <a:round/>
+                      <a:headEnd type="none" w="med" len="med"/>
+                      <a:tailEnd type="none" w="med" len="med"/>
+                    </a:lnB>
+                  </a:tcPr>
+                </a:tc>
+                <a:tc>
+                  <a:txBody>
+                    <a:bodyPr/>
+                    <a:lstStyle/>
+                    <a:p>
+                      <a:pPr algn="r" fontAlgn="b"/>
+                      <a:r>
+                        <a:rPr lang="en-US" sz="1200" b="0" i="0" u="none" strike="noStrike">
+                          <a:solidFill>
+                            <a:srgbClr val="000000"/>
+                          </a:solidFill>
+                          <a:effectLst/>
+                          <a:latin typeface="Calibri" panose="020F0502020204030204" pitchFamily="34" charset="0"/>
+                        </a:rPr>
+                        <a:t>1</a:t>
+                      </a:r>
+                    </a:p>
+                  </a:txBody>
+                  <a:tcPr marL="4025" marR="4025" marT="4025" marB="0" anchor="b">
+                    <a:lnL>
+                      <a:noFill/>
+                    </a:lnL>
+                    <a:lnR w="6350" cap="flat" cmpd="sng" algn="ctr">
+                      <a:solidFill>
+                        <a:srgbClr val="4472C4"/>
+                      </a:solidFill>
+                      <a:prstDash val="solid"/>
+                      <a:round/>
+                      <a:headEnd type="none" w="med" len="med"/>
+                      <a:tailEnd type="none" w="med" len="med"/>
+                    </a:lnR>
+                    <a:lnT w="6350" cap="flat" cmpd="sng" algn="ctr">
+                      <a:solidFill>
+                        <a:srgbClr val="4472C4"/>
+                      </a:solidFill>
+                      <a:prstDash val="solid"/>
+                      <a:round/>
+                      <a:headEnd type="none" w="med" len="med"/>
+                      <a:tailEnd type="none" w="med" len="med"/>
+                    </a:lnT>
+                    <a:lnB w="6350" cap="flat" cmpd="sng" algn="ctr">
+                      <a:solidFill>
+                        <a:srgbClr val="4472C4"/>
+                      </a:solidFill>
+                      <a:prstDash val="solid"/>
+                      <a:round/>
+                      <a:headEnd type="none" w="med" len="med"/>
+                      <a:tailEnd type="none" w="med" len="med"/>
+                    </a:lnB>
+                  </a:tcPr>
+                </a:tc>
+                <a:extLst>
+                  <a:ext uri="{0D108BD9-81ED-4DB2-BD59-A6C34878D82A}">
+                    <a16:rowId xmlns:a16="http://schemas.microsoft.com/office/drawing/2014/main" val="2829832498"/>
+                  </a:ext>
+                </a:extLst>
+              </a:tr>
+              <a:tr h="219750">
+                <a:tc>
+                  <a:txBody>
+                    <a:bodyPr/>
+                    <a:lstStyle/>
+                    <a:p>
+                      <a:pPr algn="l" fontAlgn="b"/>
+                      <a:r>
+                        <a:rPr lang="en-US" sz="1200" b="0" i="0" u="none" strike="noStrike">
+                          <a:solidFill>
+                            <a:srgbClr val="000000"/>
+                          </a:solidFill>
+                          <a:effectLst/>
+                          <a:latin typeface="Calibri" panose="020F0502020204030204" pitchFamily="34" charset="0"/>
+                        </a:rPr>
+                        <a:t>Robot 2</a:t>
+                      </a:r>
+                    </a:p>
+                  </a:txBody>
+                  <a:tcPr marL="4025" marR="4025" marT="4025" marB="0" anchor="b">
+                    <a:lnL w="6350" cap="flat" cmpd="sng" algn="ctr">
+                      <a:solidFill>
+                        <a:srgbClr val="4472C4"/>
+                      </a:solidFill>
+                      <a:prstDash val="solid"/>
+                      <a:round/>
+                      <a:headEnd type="none" w="med" len="med"/>
+                      <a:tailEnd type="none" w="med" len="med"/>
+                    </a:lnL>
+                    <a:lnR>
+                      <a:noFill/>
+                    </a:lnR>
+                    <a:lnT w="6350" cap="flat" cmpd="sng" algn="ctr">
+                      <a:solidFill>
+                        <a:srgbClr val="4472C4"/>
+                      </a:solidFill>
+                      <a:prstDash val="solid"/>
+                      <a:round/>
+                      <a:headEnd type="none" w="med" len="med"/>
+                      <a:tailEnd type="none" w="med" len="med"/>
+                    </a:lnT>
+                    <a:lnB w="6350" cap="flat" cmpd="sng" algn="ctr">
+                      <a:solidFill>
+                        <a:srgbClr val="4472C4"/>
+                      </a:solidFill>
+                      <a:prstDash val="solid"/>
+                      <a:round/>
+                      <a:headEnd type="none" w="med" len="med"/>
+                      <a:tailEnd type="none" w="med" len="med"/>
+                    </a:lnB>
+                  </a:tcPr>
+                </a:tc>
+                <a:tc>
+                  <a:txBody>
+                    <a:bodyPr/>
+                    <a:lstStyle/>
+                    <a:p>
+                      <a:pPr algn="r" fontAlgn="b"/>
+                      <a:r>
+                        <a:rPr lang="en-US" sz="1200" b="0" i="0" u="none" strike="noStrike">
+                          <a:solidFill>
+                            <a:srgbClr val="000000"/>
+                          </a:solidFill>
+                          <a:effectLst/>
+                          <a:latin typeface="Calibri" panose="020F0502020204030204" pitchFamily="34" charset="0"/>
+                        </a:rPr>
+                        <a:t>0</a:t>
+                      </a:r>
+                    </a:p>
+                  </a:txBody>
+                  <a:tcPr marL="4025" marR="4025" marT="4025" marB="0" anchor="b">
+                    <a:lnL>
+                      <a:noFill/>
+                    </a:lnL>
+                    <a:lnR>
+                      <a:noFill/>
+                    </a:lnR>
+                    <a:lnT w="6350" cap="flat" cmpd="sng" algn="ctr">
+                      <a:solidFill>
+                        <a:srgbClr val="4472C4"/>
+                      </a:solidFill>
+                      <a:prstDash val="solid"/>
+                      <a:round/>
+                      <a:headEnd type="none" w="med" len="med"/>
+                      <a:tailEnd type="none" w="med" len="med"/>
+                    </a:lnT>
+                    <a:lnB w="6350" cap="flat" cmpd="sng" algn="ctr">
+                      <a:solidFill>
+                        <a:srgbClr val="4472C4"/>
+                      </a:solidFill>
+                      <a:prstDash val="solid"/>
+                      <a:round/>
+                      <a:headEnd type="none" w="med" len="med"/>
+                      <a:tailEnd type="none" w="med" len="med"/>
+                    </a:lnB>
+                  </a:tcPr>
+                </a:tc>
+                <a:tc>
+                  <a:txBody>
+                    <a:bodyPr/>
+                    <a:lstStyle/>
+                    <a:p>
+                      <a:pPr algn="r" fontAlgn="b"/>
+                      <a:r>
+                        <a:rPr lang="en-US" sz="1200" b="0" i="0" u="none" strike="noStrike">
+                          <a:solidFill>
+                            <a:srgbClr val="000000"/>
+                          </a:solidFill>
+                          <a:effectLst/>
+                          <a:latin typeface="Calibri" panose="020F0502020204030204" pitchFamily="34" charset="0"/>
+                        </a:rPr>
+                        <a:t>1</a:t>
+                      </a:r>
+                    </a:p>
+                  </a:txBody>
+                  <a:tcPr marL="4025" marR="4025" marT="4025" marB="0" anchor="b">
+                    <a:lnL>
+                      <a:noFill/>
+                    </a:lnL>
+                    <a:lnR>
+                      <a:noFill/>
+                    </a:lnR>
+                    <a:lnT w="6350" cap="flat" cmpd="sng" algn="ctr">
+                      <a:solidFill>
+                        <a:srgbClr val="4472C4"/>
+                      </a:solidFill>
+                      <a:prstDash val="solid"/>
+                      <a:round/>
+                      <a:headEnd type="none" w="med" len="med"/>
+                      <a:tailEnd type="none" w="med" len="med"/>
+                    </a:lnT>
+                    <a:lnB w="6350" cap="flat" cmpd="sng" algn="ctr">
+                      <a:solidFill>
+                        <a:srgbClr val="4472C4"/>
+                      </a:solidFill>
+                      <a:prstDash val="solid"/>
+                      <a:round/>
+                      <a:headEnd type="none" w="med" len="med"/>
+                      <a:tailEnd type="none" w="med" len="med"/>
+                    </a:lnB>
+                  </a:tcPr>
+                </a:tc>
+                <a:tc>
+                  <a:txBody>
+                    <a:bodyPr/>
+                    <a:lstStyle/>
+                    <a:p>
+                      <a:pPr algn="r" fontAlgn="b"/>
+                      <a:r>
+                        <a:rPr lang="en-US" sz="1200" b="0" i="0" u="none" strike="noStrike">
+                          <a:solidFill>
+                            <a:srgbClr val="000000"/>
+                          </a:solidFill>
+                          <a:effectLst/>
+                          <a:latin typeface="Calibri" panose="020F0502020204030204" pitchFamily="34" charset="0"/>
+                        </a:rPr>
+                        <a:t>0</a:t>
+                      </a:r>
+                    </a:p>
+                  </a:txBody>
+                  <a:tcPr marL="4025" marR="4025" marT="4025" marB="0" anchor="b">
+                    <a:lnL>
+                      <a:noFill/>
+                    </a:lnL>
+                    <a:lnR>
+                      <a:noFill/>
+                    </a:lnR>
+                    <a:lnT w="6350" cap="flat" cmpd="sng" algn="ctr">
+                      <a:solidFill>
+                        <a:srgbClr val="4472C4"/>
+                      </a:solidFill>
+                      <a:prstDash val="solid"/>
+                      <a:round/>
+                      <a:headEnd type="none" w="med" len="med"/>
+                      <a:tailEnd type="none" w="med" len="med"/>
+                    </a:lnT>
+                    <a:lnB w="6350" cap="flat" cmpd="sng" algn="ctr">
+                      <a:solidFill>
+                        <a:srgbClr val="4472C4"/>
+                      </a:solidFill>
+                      <a:prstDash val="solid"/>
+                      <a:round/>
+                      <a:headEnd type="none" w="med" len="med"/>
+                      <a:tailEnd type="none" w="med" len="med"/>
+                    </a:lnB>
+                  </a:tcPr>
+                </a:tc>
+                <a:tc>
+                  <a:txBody>
+                    <a:bodyPr/>
+                    <a:lstStyle/>
+                    <a:p>
+                      <a:pPr algn="r" fontAlgn="b"/>
+                      <a:r>
+                        <a:rPr lang="en-US" sz="1200" b="0" i="0" u="none" strike="noStrike">
+                          <a:solidFill>
+                            <a:srgbClr val="000000"/>
+                          </a:solidFill>
+                          <a:effectLst/>
+                          <a:latin typeface="Calibri" panose="020F0502020204030204" pitchFamily="34" charset="0"/>
+                        </a:rPr>
+                        <a:t>2</a:t>
+                      </a:r>
+                    </a:p>
+                  </a:txBody>
+                  <a:tcPr marL="4025" marR="4025" marT="4025" marB="0" anchor="b">
+                    <a:lnL>
+                      <a:noFill/>
+                    </a:lnL>
+                    <a:lnR>
+                      <a:noFill/>
+                    </a:lnR>
+                    <a:lnT w="6350" cap="flat" cmpd="sng" algn="ctr">
+                      <a:solidFill>
+                        <a:srgbClr val="4472C4"/>
+                      </a:solidFill>
+                      <a:prstDash val="solid"/>
+                      <a:round/>
+                      <a:headEnd type="none" w="med" len="med"/>
+                      <a:tailEnd type="none" w="med" len="med"/>
+                    </a:lnT>
+                    <a:lnB w="6350" cap="flat" cmpd="sng" algn="ctr">
+                      <a:solidFill>
+                        <a:srgbClr val="4472C4"/>
+                      </a:solidFill>
+                      <a:prstDash val="solid"/>
+                      <a:round/>
+                      <a:headEnd type="none" w="med" len="med"/>
+                      <a:tailEnd type="none" w="med" len="med"/>
+                    </a:lnB>
+                  </a:tcPr>
+                </a:tc>
+                <a:tc>
+                  <a:txBody>
+                    <a:bodyPr/>
+                    <a:lstStyle/>
+                    <a:p>
+                      <a:pPr algn="r" fontAlgn="b"/>
+                      <a:r>
+                        <a:rPr lang="en-US" sz="1200" b="0" i="0" u="none" strike="noStrike">
+                          <a:solidFill>
+                            <a:srgbClr val="000000"/>
+                          </a:solidFill>
+                          <a:effectLst/>
+                          <a:latin typeface="Calibri" panose="020F0502020204030204" pitchFamily="34" charset="0"/>
+                        </a:rPr>
+                        <a:t>2</a:t>
+                      </a:r>
+                    </a:p>
+                  </a:txBody>
+                  <a:tcPr marL="4025" marR="4025" marT="4025" marB="0" anchor="b">
+                    <a:lnL>
+                      <a:noFill/>
+                    </a:lnL>
+                    <a:lnR>
+                      <a:noFill/>
+                    </a:lnR>
+                    <a:lnT w="6350" cap="flat" cmpd="sng" algn="ctr">
+                      <a:solidFill>
+                        <a:srgbClr val="4472C4"/>
+                      </a:solidFill>
+                      <a:prstDash val="solid"/>
+                      <a:round/>
+                      <a:headEnd type="none" w="med" len="med"/>
+                      <a:tailEnd type="none" w="med" len="med"/>
+                    </a:lnT>
+                    <a:lnB w="6350" cap="flat" cmpd="sng" algn="ctr">
+                      <a:solidFill>
+                        <a:srgbClr val="4472C4"/>
+                      </a:solidFill>
+                      <a:prstDash val="solid"/>
+                      <a:round/>
+                      <a:headEnd type="none" w="med" len="med"/>
+                      <a:tailEnd type="none" w="med" len="med"/>
+                    </a:lnB>
+                  </a:tcPr>
+                </a:tc>
+                <a:tc>
+                  <a:txBody>
+                    <a:bodyPr/>
+                    <a:lstStyle/>
+                    <a:p>
+                      <a:pPr algn="r" fontAlgn="b"/>
+                      <a:r>
+                        <a:rPr lang="en-US" sz="1200" b="0" i="0" u="none" strike="noStrike">
+                          <a:solidFill>
+                            <a:srgbClr val="000000"/>
+                          </a:solidFill>
+                          <a:effectLst/>
+                          <a:latin typeface="Calibri" panose="020F0502020204030204" pitchFamily="34" charset="0"/>
+                        </a:rPr>
+                        <a:t>2</a:t>
+                      </a:r>
+                    </a:p>
+                  </a:txBody>
+                  <a:tcPr marL="4025" marR="4025" marT="4025" marB="0" anchor="b">
+                    <a:lnL>
+                      <a:noFill/>
+                    </a:lnL>
+                    <a:lnR w="6350" cap="flat" cmpd="sng" algn="ctr">
+                      <a:solidFill>
+                        <a:srgbClr val="4472C4"/>
+                      </a:solidFill>
+                      <a:prstDash val="solid"/>
+                      <a:round/>
+                      <a:headEnd type="none" w="med" len="med"/>
+                      <a:tailEnd type="none" w="med" len="med"/>
+                    </a:lnR>
+                    <a:lnT w="6350" cap="flat" cmpd="sng" algn="ctr">
+                      <a:solidFill>
+                        <a:srgbClr val="4472C4"/>
+                      </a:solidFill>
+                      <a:prstDash val="solid"/>
+                      <a:round/>
+                      <a:headEnd type="none" w="med" len="med"/>
+                      <a:tailEnd type="none" w="med" len="med"/>
+                    </a:lnT>
+                    <a:lnB w="6350" cap="flat" cmpd="sng" algn="ctr">
+                      <a:solidFill>
+                        <a:srgbClr val="4472C4"/>
+                      </a:solidFill>
+                      <a:prstDash val="solid"/>
+                      <a:round/>
+                      <a:headEnd type="none" w="med" len="med"/>
+                      <a:tailEnd type="none" w="med" len="med"/>
+                    </a:lnB>
+                  </a:tcPr>
+                </a:tc>
+                <a:extLst>
+                  <a:ext uri="{0D108BD9-81ED-4DB2-BD59-A6C34878D82A}">
+                    <a16:rowId xmlns:a16="http://schemas.microsoft.com/office/drawing/2014/main" val="697507381"/>
+                  </a:ext>
+                </a:extLst>
+              </a:tr>
+              <a:tr h="219750">
+                <a:tc>
+                  <a:txBody>
+                    <a:bodyPr/>
+                    <a:lstStyle/>
+                    <a:p>
+                      <a:pPr algn="l" fontAlgn="b"/>
+                      <a:r>
+                        <a:rPr lang="en-US" sz="1200" b="0" i="0" u="none" strike="noStrike">
+                          <a:solidFill>
+                            <a:srgbClr val="000000"/>
+                          </a:solidFill>
+                          <a:effectLst/>
+                          <a:latin typeface="Calibri" panose="020F0502020204030204" pitchFamily="34" charset="0"/>
+                        </a:rPr>
+                        <a:t>Robot 3</a:t>
+                      </a:r>
+                    </a:p>
+                  </a:txBody>
+                  <a:tcPr marL="4025" marR="4025" marT="4025" marB="0" anchor="b">
+                    <a:lnL w="6350" cap="flat" cmpd="sng" algn="ctr">
+                      <a:solidFill>
+                        <a:srgbClr val="4472C4"/>
+                      </a:solidFill>
+                      <a:prstDash val="solid"/>
+                      <a:round/>
+                      <a:headEnd type="none" w="med" len="med"/>
+                      <a:tailEnd type="none" w="med" len="med"/>
+                    </a:lnL>
+                    <a:lnR>
+                      <a:noFill/>
+                    </a:lnR>
+                    <a:lnT w="6350" cap="flat" cmpd="sng" algn="ctr">
+                      <a:solidFill>
+                        <a:srgbClr val="4472C4"/>
+                      </a:solidFill>
+                      <a:prstDash val="solid"/>
+                      <a:round/>
+                      <a:headEnd type="none" w="med" len="med"/>
+                      <a:tailEnd type="none" w="med" len="med"/>
+                    </a:lnT>
+                    <a:lnB w="6350" cap="flat" cmpd="sng" algn="ctr">
+                      <a:solidFill>
+                        <a:srgbClr val="4472C4"/>
+                      </a:solidFill>
+                      <a:prstDash val="solid"/>
+                      <a:round/>
+                      <a:headEnd type="none" w="med" len="med"/>
+                      <a:tailEnd type="none" w="med" len="med"/>
+                    </a:lnB>
+                  </a:tcPr>
+                </a:tc>
+                <a:tc>
+                  <a:txBody>
+                    <a:bodyPr/>
+                    <a:lstStyle/>
+                    <a:p>
+                      <a:pPr algn="r" fontAlgn="b"/>
+                      <a:r>
+                        <a:rPr lang="en-US" sz="1200" b="0" i="0" u="none" strike="noStrike">
+                          <a:solidFill>
+                            <a:srgbClr val="000000"/>
+                          </a:solidFill>
+                          <a:effectLst/>
+                          <a:latin typeface="Calibri" panose="020F0502020204030204" pitchFamily="34" charset="0"/>
+                        </a:rPr>
+                        <a:t>2</a:t>
+                      </a:r>
+                    </a:p>
+                  </a:txBody>
+                  <a:tcPr marL="4025" marR="4025" marT="4025" marB="0" anchor="b">
+                    <a:lnL>
+                      <a:noFill/>
+                    </a:lnL>
+                    <a:lnR>
+                      <a:noFill/>
+                    </a:lnR>
+                    <a:lnT w="6350" cap="flat" cmpd="sng" algn="ctr">
+                      <a:solidFill>
+                        <a:srgbClr val="4472C4"/>
+                      </a:solidFill>
+                      <a:prstDash val="solid"/>
+                      <a:round/>
+                      <a:headEnd type="none" w="med" len="med"/>
+                      <a:tailEnd type="none" w="med" len="med"/>
+                    </a:lnT>
+                    <a:lnB w="6350" cap="flat" cmpd="sng" algn="ctr">
+                      <a:solidFill>
+                        <a:srgbClr val="4472C4"/>
+                      </a:solidFill>
+                      <a:prstDash val="solid"/>
+                      <a:round/>
+                      <a:headEnd type="none" w="med" len="med"/>
+                      <a:tailEnd type="none" w="med" len="med"/>
+                    </a:lnB>
+                  </a:tcPr>
+                </a:tc>
+                <a:tc>
+                  <a:txBody>
+                    <a:bodyPr/>
+                    <a:lstStyle/>
+                    <a:p>
+                      <a:pPr algn="r" fontAlgn="b"/>
+                      <a:r>
+                        <a:rPr lang="en-US" sz="1200" b="0" i="0" u="none" strike="noStrike">
+                          <a:solidFill>
+                            <a:srgbClr val="000000"/>
+                          </a:solidFill>
+                          <a:effectLst/>
+                          <a:latin typeface="Calibri" panose="020F0502020204030204" pitchFamily="34" charset="0"/>
+                        </a:rPr>
+                        <a:t>2</a:t>
+                      </a:r>
+                    </a:p>
+                  </a:txBody>
+                  <a:tcPr marL="4025" marR="4025" marT="4025" marB="0" anchor="b">
+                    <a:lnL>
+                      <a:noFill/>
+                    </a:lnL>
+                    <a:lnR>
+                      <a:noFill/>
+                    </a:lnR>
+                    <a:lnT w="6350" cap="flat" cmpd="sng" algn="ctr">
+                      <a:solidFill>
+                        <a:srgbClr val="4472C4"/>
+                      </a:solidFill>
+                      <a:prstDash val="solid"/>
+                      <a:round/>
+                      <a:headEnd type="none" w="med" len="med"/>
+                      <a:tailEnd type="none" w="med" len="med"/>
+                    </a:lnT>
+                    <a:lnB w="6350" cap="flat" cmpd="sng" algn="ctr">
+                      <a:solidFill>
+                        <a:srgbClr val="4472C4"/>
+                      </a:solidFill>
+                      <a:prstDash val="solid"/>
+                      <a:round/>
+                      <a:headEnd type="none" w="med" len="med"/>
+                      <a:tailEnd type="none" w="med" len="med"/>
+                    </a:lnB>
+                  </a:tcPr>
+                </a:tc>
+                <a:tc>
+                  <a:txBody>
+                    <a:bodyPr/>
+                    <a:lstStyle/>
+                    <a:p>
+                      <a:pPr algn="r" fontAlgn="b"/>
+                      <a:r>
+                        <a:rPr lang="en-US" sz="1200" b="0" i="0" u="none" strike="noStrike">
+                          <a:solidFill>
+                            <a:srgbClr val="000000"/>
+                          </a:solidFill>
+                          <a:effectLst/>
+                          <a:latin typeface="Calibri" panose="020F0502020204030204" pitchFamily="34" charset="0"/>
+                        </a:rPr>
+                        <a:t>1</a:t>
+                      </a:r>
+                    </a:p>
+                  </a:txBody>
+                  <a:tcPr marL="4025" marR="4025" marT="4025" marB="0" anchor="b">
+                    <a:lnL>
+                      <a:noFill/>
+                    </a:lnL>
+                    <a:lnR>
+                      <a:noFill/>
+                    </a:lnR>
+                    <a:lnT w="6350" cap="flat" cmpd="sng" algn="ctr">
+                      <a:solidFill>
+                        <a:srgbClr val="4472C4"/>
+                      </a:solidFill>
+                      <a:prstDash val="solid"/>
+                      <a:round/>
+                      <a:headEnd type="none" w="med" len="med"/>
+                      <a:tailEnd type="none" w="med" len="med"/>
+                    </a:lnT>
+                    <a:lnB w="6350" cap="flat" cmpd="sng" algn="ctr">
+                      <a:solidFill>
+                        <a:srgbClr val="4472C4"/>
+                      </a:solidFill>
+                      <a:prstDash val="solid"/>
+                      <a:round/>
+                      <a:headEnd type="none" w="med" len="med"/>
+                      <a:tailEnd type="none" w="med" len="med"/>
+                    </a:lnB>
+                  </a:tcPr>
+                </a:tc>
+                <a:tc>
+                  <a:txBody>
+                    <a:bodyPr/>
+                    <a:lstStyle/>
+                    <a:p>
+                      <a:pPr algn="r" fontAlgn="b"/>
+                      <a:r>
+                        <a:rPr lang="en-US" sz="1200" b="0" i="0" u="none" strike="noStrike">
+                          <a:solidFill>
+                            <a:srgbClr val="000000"/>
+                          </a:solidFill>
+                          <a:effectLst/>
+                          <a:latin typeface="Calibri" panose="020F0502020204030204" pitchFamily="34" charset="0"/>
+                        </a:rPr>
+                        <a:t>3</a:t>
+                      </a:r>
+                    </a:p>
+                  </a:txBody>
+                  <a:tcPr marL="4025" marR="4025" marT="4025" marB="0" anchor="b">
+                    <a:lnL>
+                      <a:noFill/>
+                    </a:lnL>
+                    <a:lnR>
+                      <a:noFill/>
+                    </a:lnR>
+                    <a:lnT w="6350" cap="flat" cmpd="sng" algn="ctr">
+                      <a:solidFill>
+                        <a:srgbClr val="4472C4"/>
+                      </a:solidFill>
+                      <a:prstDash val="solid"/>
+                      <a:round/>
+                      <a:headEnd type="none" w="med" len="med"/>
+                      <a:tailEnd type="none" w="med" len="med"/>
+                    </a:lnT>
+                    <a:lnB w="6350" cap="flat" cmpd="sng" algn="ctr">
+                      <a:solidFill>
+                        <a:srgbClr val="4472C4"/>
+                      </a:solidFill>
+                      <a:prstDash val="solid"/>
+                      <a:round/>
+                      <a:headEnd type="none" w="med" len="med"/>
+                      <a:tailEnd type="none" w="med" len="med"/>
+                    </a:lnB>
+                  </a:tcPr>
+                </a:tc>
+                <a:tc>
+                  <a:txBody>
+                    <a:bodyPr/>
+                    <a:lstStyle/>
+                    <a:p>
+                      <a:pPr algn="r" fontAlgn="b"/>
+                      <a:r>
+                        <a:rPr lang="en-US" sz="1200" b="0" i="0" u="none" strike="noStrike">
+                          <a:solidFill>
+                            <a:srgbClr val="000000"/>
+                          </a:solidFill>
+                          <a:effectLst/>
+                          <a:latin typeface="Calibri" panose="020F0502020204030204" pitchFamily="34" charset="0"/>
+                        </a:rPr>
+                        <a:t>2</a:t>
+                      </a:r>
+                    </a:p>
+                  </a:txBody>
+                  <a:tcPr marL="4025" marR="4025" marT="4025" marB="0" anchor="b">
+                    <a:lnL>
+                      <a:noFill/>
+                    </a:lnL>
+                    <a:lnR>
+                      <a:noFill/>
+                    </a:lnR>
+                    <a:lnT w="6350" cap="flat" cmpd="sng" algn="ctr">
+                      <a:solidFill>
+                        <a:srgbClr val="4472C4"/>
+                      </a:solidFill>
+                      <a:prstDash val="solid"/>
+                      <a:round/>
+                      <a:headEnd type="none" w="med" len="med"/>
+                      <a:tailEnd type="none" w="med" len="med"/>
+                    </a:lnT>
+                    <a:lnB w="6350" cap="flat" cmpd="sng" algn="ctr">
+                      <a:solidFill>
+                        <a:srgbClr val="4472C4"/>
+                      </a:solidFill>
+                      <a:prstDash val="solid"/>
+                      <a:round/>
+                      <a:headEnd type="none" w="med" len="med"/>
+                      <a:tailEnd type="none" w="med" len="med"/>
+                    </a:lnB>
+                  </a:tcPr>
+                </a:tc>
+                <a:tc>
+                  <a:txBody>
+                    <a:bodyPr/>
+                    <a:lstStyle/>
+                    <a:p>
+                      <a:pPr algn="r" fontAlgn="b"/>
+                      <a:r>
+                        <a:rPr lang="en-US" sz="1200" b="0" i="0" u="none" strike="noStrike">
+                          <a:solidFill>
+                            <a:srgbClr val="000000"/>
+                          </a:solidFill>
+                          <a:effectLst/>
+                          <a:latin typeface="Calibri" panose="020F0502020204030204" pitchFamily="34" charset="0"/>
+                        </a:rPr>
+                        <a:t>3</a:t>
+                      </a:r>
+                    </a:p>
+                  </a:txBody>
+                  <a:tcPr marL="4025" marR="4025" marT="4025" marB="0" anchor="b">
+                    <a:lnL>
+                      <a:noFill/>
+                    </a:lnL>
+                    <a:lnR w="6350" cap="flat" cmpd="sng" algn="ctr">
+                      <a:solidFill>
+                        <a:srgbClr val="4472C4"/>
+                      </a:solidFill>
+                      <a:prstDash val="solid"/>
+                      <a:round/>
+                      <a:headEnd type="none" w="med" len="med"/>
+                      <a:tailEnd type="none" w="med" len="med"/>
+                    </a:lnR>
+                    <a:lnT w="6350" cap="flat" cmpd="sng" algn="ctr">
+                      <a:solidFill>
+                        <a:srgbClr val="4472C4"/>
+                      </a:solidFill>
+                      <a:prstDash val="solid"/>
+                      <a:round/>
+                      <a:headEnd type="none" w="med" len="med"/>
+                      <a:tailEnd type="none" w="med" len="med"/>
+                    </a:lnT>
+                    <a:lnB w="6350" cap="flat" cmpd="sng" algn="ctr">
+                      <a:solidFill>
+                        <a:srgbClr val="4472C4"/>
+                      </a:solidFill>
+                      <a:prstDash val="solid"/>
+                      <a:round/>
+                      <a:headEnd type="none" w="med" len="med"/>
+                      <a:tailEnd type="none" w="med" len="med"/>
+                    </a:lnB>
+                  </a:tcPr>
+                </a:tc>
+                <a:extLst>
+                  <a:ext uri="{0D108BD9-81ED-4DB2-BD59-A6C34878D82A}">
+                    <a16:rowId xmlns:a16="http://schemas.microsoft.com/office/drawing/2014/main" val="2024049368"/>
+                  </a:ext>
+                </a:extLst>
+              </a:tr>
+              <a:tr h="219750">
+                <a:tc>
+                  <a:txBody>
+                    <a:bodyPr/>
+                    <a:lstStyle/>
+                    <a:p>
+                      <a:pPr algn="l" fontAlgn="b"/>
+                      <a:r>
+                        <a:rPr lang="en-US" sz="1200" b="0" i="0" u="none" strike="noStrike">
+                          <a:solidFill>
+                            <a:srgbClr val="000000"/>
+                          </a:solidFill>
+                          <a:effectLst/>
+                          <a:latin typeface="Calibri" panose="020F0502020204030204" pitchFamily="34" charset="0"/>
+                        </a:rPr>
+                        <a:t>Robot 4</a:t>
+                      </a:r>
+                    </a:p>
+                  </a:txBody>
+                  <a:tcPr marL="4025" marR="4025" marT="4025" marB="0" anchor="b">
+                    <a:lnL w="6350" cap="flat" cmpd="sng" algn="ctr">
+                      <a:solidFill>
+                        <a:srgbClr val="4472C4"/>
+                      </a:solidFill>
+                      <a:prstDash val="solid"/>
+                      <a:round/>
+                      <a:headEnd type="none" w="med" len="med"/>
+                      <a:tailEnd type="none" w="med" len="med"/>
+                    </a:lnL>
+                    <a:lnR>
+                      <a:noFill/>
+                    </a:lnR>
+                    <a:lnT w="6350" cap="flat" cmpd="sng" algn="ctr">
+                      <a:solidFill>
+                        <a:srgbClr val="4472C4"/>
+                      </a:solidFill>
+                      <a:prstDash val="solid"/>
+                      <a:round/>
+                      <a:headEnd type="none" w="med" len="med"/>
+                      <a:tailEnd type="none" w="med" len="med"/>
+                    </a:lnT>
+                    <a:lnB w="6350" cap="flat" cmpd="sng" algn="ctr">
+                      <a:solidFill>
+                        <a:srgbClr val="4472C4"/>
+                      </a:solidFill>
+                      <a:prstDash val="solid"/>
+                      <a:round/>
+                      <a:headEnd type="none" w="med" len="med"/>
+                      <a:tailEnd type="none" w="med" len="med"/>
+                    </a:lnB>
+                  </a:tcPr>
+                </a:tc>
+                <a:tc>
+                  <a:txBody>
+                    <a:bodyPr/>
+                    <a:lstStyle/>
+                    <a:p>
+                      <a:pPr algn="r" fontAlgn="b"/>
+                      <a:r>
+                        <a:rPr lang="en-US" sz="1200" b="0" i="0" u="none" strike="noStrike">
+                          <a:solidFill>
+                            <a:srgbClr val="000000"/>
+                          </a:solidFill>
+                          <a:effectLst/>
+                          <a:latin typeface="Calibri" panose="020F0502020204030204" pitchFamily="34" charset="0"/>
+                        </a:rPr>
+                        <a:t>2</a:t>
+                      </a:r>
+                    </a:p>
+                  </a:txBody>
+                  <a:tcPr marL="4025" marR="4025" marT="4025" marB="0" anchor="b">
+                    <a:lnL>
+                      <a:noFill/>
+                    </a:lnL>
+                    <a:lnR>
+                      <a:noFill/>
+                    </a:lnR>
+                    <a:lnT w="6350" cap="flat" cmpd="sng" algn="ctr">
+                      <a:solidFill>
+                        <a:srgbClr val="4472C4"/>
+                      </a:solidFill>
+                      <a:prstDash val="solid"/>
+                      <a:round/>
+                      <a:headEnd type="none" w="med" len="med"/>
+                      <a:tailEnd type="none" w="med" len="med"/>
+                    </a:lnT>
+                    <a:lnB w="6350" cap="flat" cmpd="sng" algn="ctr">
+                      <a:solidFill>
+                        <a:srgbClr val="4472C4"/>
+                      </a:solidFill>
+                      <a:prstDash val="solid"/>
+                      <a:round/>
+                      <a:headEnd type="none" w="med" len="med"/>
+                      <a:tailEnd type="none" w="med" len="med"/>
+                    </a:lnB>
+                  </a:tcPr>
+                </a:tc>
+                <a:tc>
+                  <a:txBody>
+                    <a:bodyPr/>
+                    <a:lstStyle/>
+                    <a:p>
+                      <a:pPr algn="r" fontAlgn="b"/>
+                      <a:r>
+                        <a:rPr lang="en-US" sz="1200" b="0" i="0" u="none" strike="noStrike">
+                          <a:solidFill>
+                            <a:srgbClr val="000000"/>
+                          </a:solidFill>
+                          <a:effectLst/>
+                          <a:latin typeface="Calibri" panose="020F0502020204030204" pitchFamily="34" charset="0"/>
+                        </a:rPr>
+                        <a:t>2</a:t>
+                      </a:r>
+                    </a:p>
+                  </a:txBody>
+                  <a:tcPr marL="4025" marR="4025" marT="4025" marB="0" anchor="b">
+                    <a:lnL>
+                      <a:noFill/>
+                    </a:lnL>
+                    <a:lnR>
+                      <a:noFill/>
+                    </a:lnR>
+                    <a:lnT w="6350" cap="flat" cmpd="sng" algn="ctr">
+                      <a:solidFill>
+                        <a:srgbClr val="4472C4"/>
+                      </a:solidFill>
+                      <a:prstDash val="solid"/>
+                      <a:round/>
+                      <a:headEnd type="none" w="med" len="med"/>
+                      <a:tailEnd type="none" w="med" len="med"/>
+                    </a:lnT>
+                    <a:lnB w="6350" cap="flat" cmpd="sng" algn="ctr">
+                      <a:solidFill>
+                        <a:srgbClr val="4472C4"/>
+                      </a:solidFill>
+                      <a:prstDash val="solid"/>
+                      <a:round/>
+                      <a:headEnd type="none" w="med" len="med"/>
+                      <a:tailEnd type="none" w="med" len="med"/>
+                    </a:lnB>
+                  </a:tcPr>
+                </a:tc>
+                <a:tc>
+                  <a:txBody>
+                    <a:bodyPr/>
+                    <a:lstStyle/>
+                    <a:p>
+                      <a:pPr algn="r" fontAlgn="b"/>
+                      <a:r>
+                        <a:rPr lang="en-US" sz="1200" b="0" i="0" u="none" strike="noStrike">
+                          <a:solidFill>
+                            <a:srgbClr val="000000"/>
+                          </a:solidFill>
+                          <a:effectLst/>
+                          <a:latin typeface="Calibri" panose="020F0502020204030204" pitchFamily="34" charset="0"/>
+                        </a:rPr>
+                        <a:t>2</a:t>
+                      </a:r>
+                    </a:p>
+                  </a:txBody>
+                  <a:tcPr marL="4025" marR="4025" marT="4025" marB="0" anchor="b">
+                    <a:lnL>
+                      <a:noFill/>
+                    </a:lnL>
+                    <a:lnR>
+                      <a:noFill/>
+                    </a:lnR>
+                    <a:lnT w="6350" cap="flat" cmpd="sng" algn="ctr">
+                      <a:solidFill>
+                        <a:srgbClr val="4472C4"/>
+                      </a:solidFill>
+                      <a:prstDash val="solid"/>
+                      <a:round/>
+                      <a:headEnd type="none" w="med" len="med"/>
+                      <a:tailEnd type="none" w="med" len="med"/>
+                    </a:lnT>
+                    <a:lnB w="6350" cap="flat" cmpd="sng" algn="ctr">
+                      <a:solidFill>
+                        <a:srgbClr val="4472C4"/>
+                      </a:solidFill>
+                      <a:prstDash val="solid"/>
+                      <a:round/>
+                      <a:headEnd type="none" w="med" len="med"/>
+                      <a:tailEnd type="none" w="med" len="med"/>
+                    </a:lnB>
+                  </a:tcPr>
+                </a:tc>
+                <a:tc>
+                  <a:txBody>
+                    <a:bodyPr/>
+                    <a:lstStyle/>
+                    <a:p>
+                      <a:pPr algn="r" fontAlgn="b"/>
+                      <a:r>
+                        <a:rPr lang="en-US" sz="1200" b="0" i="0" u="none" strike="noStrike">
+                          <a:solidFill>
+                            <a:srgbClr val="000000"/>
+                          </a:solidFill>
+                          <a:effectLst/>
+                          <a:latin typeface="Calibri" panose="020F0502020204030204" pitchFamily="34" charset="0"/>
+                        </a:rPr>
+                        <a:t>3</a:t>
+                      </a:r>
+                    </a:p>
+                  </a:txBody>
+                  <a:tcPr marL="4025" marR="4025" marT="4025" marB="0" anchor="b">
+                    <a:lnL>
+                      <a:noFill/>
+                    </a:lnL>
+                    <a:lnR>
+                      <a:noFill/>
+                    </a:lnR>
+                    <a:lnT w="6350" cap="flat" cmpd="sng" algn="ctr">
+                      <a:solidFill>
+                        <a:srgbClr val="4472C4"/>
+                      </a:solidFill>
+                      <a:prstDash val="solid"/>
+                      <a:round/>
+                      <a:headEnd type="none" w="med" len="med"/>
+                      <a:tailEnd type="none" w="med" len="med"/>
+                    </a:lnT>
+                    <a:lnB w="6350" cap="flat" cmpd="sng" algn="ctr">
+                      <a:solidFill>
+                        <a:srgbClr val="4472C4"/>
+                      </a:solidFill>
+                      <a:prstDash val="solid"/>
+                      <a:round/>
+                      <a:headEnd type="none" w="med" len="med"/>
+                      <a:tailEnd type="none" w="med" len="med"/>
+                    </a:lnB>
+                  </a:tcPr>
+                </a:tc>
+                <a:tc>
+                  <a:txBody>
+                    <a:bodyPr/>
+                    <a:lstStyle/>
+                    <a:p>
+                      <a:pPr algn="r" fontAlgn="b"/>
+                      <a:r>
+                        <a:rPr lang="en-US" sz="1200" b="0" i="0" u="none" strike="noStrike">
+                          <a:solidFill>
+                            <a:srgbClr val="000000"/>
+                          </a:solidFill>
+                          <a:effectLst/>
+                          <a:latin typeface="Calibri" panose="020F0502020204030204" pitchFamily="34" charset="0"/>
+                        </a:rPr>
+                        <a:t>3</a:t>
+                      </a:r>
+                    </a:p>
+                  </a:txBody>
+                  <a:tcPr marL="4025" marR="4025" marT="4025" marB="0" anchor="b">
+                    <a:lnL>
+                      <a:noFill/>
+                    </a:lnL>
+                    <a:lnR>
+                      <a:noFill/>
+                    </a:lnR>
+                    <a:lnT w="6350" cap="flat" cmpd="sng" algn="ctr">
+                      <a:solidFill>
+                        <a:srgbClr val="4472C4"/>
+                      </a:solidFill>
+                      <a:prstDash val="solid"/>
+                      <a:round/>
+                      <a:headEnd type="none" w="med" len="med"/>
+                      <a:tailEnd type="none" w="med" len="med"/>
+                    </a:lnT>
+                    <a:lnB w="6350" cap="flat" cmpd="sng" algn="ctr">
+                      <a:solidFill>
+                        <a:srgbClr val="4472C4"/>
+                      </a:solidFill>
+                      <a:prstDash val="solid"/>
+                      <a:round/>
+                      <a:headEnd type="none" w="med" len="med"/>
+                      <a:tailEnd type="none" w="med" len="med"/>
+                    </a:lnB>
+                  </a:tcPr>
+                </a:tc>
+                <a:tc>
+                  <a:txBody>
+                    <a:bodyPr/>
+                    <a:lstStyle/>
+                    <a:p>
+                      <a:pPr algn="r" fontAlgn="b"/>
+                      <a:r>
+                        <a:rPr lang="en-US" sz="1200" b="0" i="0" u="none" strike="noStrike">
+                          <a:solidFill>
+                            <a:srgbClr val="000000"/>
+                          </a:solidFill>
+                          <a:effectLst/>
+                          <a:latin typeface="Calibri" panose="020F0502020204030204" pitchFamily="34" charset="0"/>
+                        </a:rPr>
+                        <a:t>4</a:t>
+                      </a:r>
+                    </a:p>
+                  </a:txBody>
+                  <a:tcPr marL="4025" marR="4025" marT="4025" marB="0" anchor="b">
+                    <a:lnL>
+                      <a:noFill/>
+                    </a:lnL>
+                    <a:lnR w="6350" cap="flat" cmpd="sng" algn="ctr">
+                      <a:solidFill>
+                        <a:srgbClr val="4472C4"/>
+                      </a:solidFill>
+                      <a:prstDash val="solid"/>
+                      <a:round/>
+                      <a:headEnd type="none" w="med" len="med"/>
+                      <a:tailEnd type="none" w="med" len="med"/>
+                    </a:lnR>
+                    <a:lnT w="6350" cap="flat" cmpd="sng" algn="ctr">
+                      <a:solidFill>
+                        <a:srgbClr val="4472C4"/>
+                      </a:solidFill>
+                      <a:prstDash val="solid"/>
+                      <a:round/>
+                      <a:headEnd type="none" w="med" len="med"/>
+                      <a:tailEnd type="none" w="med" len="med"/>
+                    </a:lnT>
+                    <a:lnB w="6350" cap="flat" cmpd="sng" algn="ctr">
+                      <a:solidFill>
+                        <a:srgbClr val="4472C4"/>
+                      </a:solidFill>
+                      <a:prstDash val="solid"/>
+                      <a:round/>
+                      <a:headEnd type="none" w="med" len="med"/>
+                      <a:tailEnd type="none" w="med" len="med"/>
+                    </a:lnB>
+                  </a:tcPr>
+                </a:tc>
+                <a:extLst>
+                  <a:ext uri="{0D108BD9-81ED-4DB2-BD59-A6C34878D82A}">
+                    <a16:rowId xmlns:a16="http://schemas.microsoft.com/office/drawing/2014/main" val="1716110856"/>
+                  </a:ext>
+                </a:extLst>
+              </a:tr>
+              <a:tr h="219750">
+                <a:tc>
+                  <a:txBody>
+                    <a:bodyPr/>
+                    <a:lstStyle/>
+                    <a:p>
+                      <a:pPr algn="l" fontAlgn="b"/>
+                      <a:r>
+                        <a:rPr lang="en-US" sz="1200" b="0" i="0" u="none" strike="noStrike">
+                          <a:solidFill>
+                            <a:srgbClr val="000000"/>
+                          </a:solidFill>
+                          <a:effectLst/>
+                          <a:latin typeface="Calibri" panose="020F0502020204030204" pitchFamily="34" charset="0"/>
+                        </a:rPr>
+                        <a:t>Robot 5</a:t>
+                      </a:r>
+                    </a:p>
+                  </a:txBody>
+                  <a:tcPr marL="4025" marR="4025" marT="4025" marB="0" anchor="b">
+                    <a:lnL w="6350" cap="flat" cmpd="sng" algn="ctr">
+                      <a:solidFill>
+                        <a:srgbClr val="4472C4"/>
+                      </a:solidFill>
+                      <a:prstDash val="solid"/>
+                      <a:round/>
+                      <a:headEnd type="none" w="med" len="med"/>
+                      <a:tailEnd type="none" w="med" len="med"/>
+                    </a:lnL>
+                    <a:lnR>
+                      <a:noFill/>
+                    </a:lnR>
+                    <a:lnT w="6350" cap="flat" cmpd="sng" algn="ctr">
+                      <a:solidFill>
+                        <a:srgbClr val="4472C4"/>
+                      </a:solidFill>
+                      <a:prstDash val="solid"/>
+                      <a:round/>
+                      <a:headEnd type="none" w="med" len="med"/>
+                      <a:tailEnd type="none" w="med" len="med"/>
+                    </a:lnT>
+                    <a:lnB w="6350" cap="flat" cmpd="sng" algn="ctr">
+                      <a:solidFill>
+                        <a:srgbClr val="4472C4"/>
+                      </a:solidFill>
+                      <a:prstDash val="solid"/>
+                      <a:round/>
+                      <a:headEnd type="none" w="med" len="med"/>
+                      <a:tailEnd type="none" w="med" len="med"/>
+                    </a:lnB>
+                  </a:tcPr>
+                </a:tc>
+                <a:tc>
+                  <a:txBody>
+                    <a:bodyPr/>
+                    <a:lstStyle/>
+                    <a:p>
+                      <a:pPr algn="r" fontAlgn="b"/>
+                      <a:r>
+                        <a:rPr lang="en-US" sz="1200" b="0" i="0" u="none" strike="noStrike">
+                          <a:solidFill>
+                            <a:srgbClr val="000000"/>
+                          </a:solidFill>
+                          <a:effectLst/>
+                          <a:latin typeface="Calibri" panose="020F0502020204030204" pitchFamily="34" charset="0"/>
+                        </a:rPr>
+                        <a:t>4</a:t>
+                      </a:r>
+                    </a:p>
+                  </a:txBody>
+                  <a:tcPr marL="4025" marR="4025" marT="4025" marB="0" anchor="b">
+                    <a:lnL>
+                      <a:noFill/>
+                    </a:lnL>
+                    <a:lnR>
+                      <a:noFill/>
+                    </a:lnR>
+                    <a:lnT w="6350" cap="flat" cmpd="sng" algn="ctr">
+                      <a:solidFill>
+                        <a:srgbClr val="4472C4"/>
+                      </a:solidFill>
+                      <a:prstDash val="solid"/>
+                      <a:round/>
+                      <a:headEnd type="none" w="med" len="med"/>
+                      <a:tailEnd type="none" w="med" len="med"/>
+                    </a:lnT>
+                    <a:lnB w="6350" cap="flat" cmpd="sng" algn="ctr">
+                      <a:solidFill>
+                        <a:srgbClr val="4472C4"/>
+                      </a:solidFill>
+                      <a:prstDash val="solid"/>
+                      <a:round/>
+                      <a:headEnd type="none" w="med" len="med"/>
+                      <a:tailEnd type="none" w="med" len="med"/>
+                    </a:lnB>
+                  </a:tcPr>
+                </a:tc>
+                <a:tc>
+                  <a:txBody>
+                    <a:bodyPr/>
+                    <a:lstStyle/>
+                    <a:p>
+                      <a:pPr algn="r" fontAlgn="b"/>
+                      <a:r>
+                        <a:rPr lang="en-US" sz="1200" b="0" i="0" u="none" strike="noStrike">
+                          <a:solidFill>
+                            <a:srgbClr val="000000"/>
+                          </a:solidFill>
+                          <a:effectLst/>
+                          <a:latin typeface="Calibri" panose="020F0502020204030204" pitchFamily="34" charset="0"/>
+                        </a:rPr>
+                        <a:t>4</a:t>
+                      </a:r>
+                    </a:p>
+                  </a:txBody>
+                  <a:tcPr marL="4025" marR="4025" marT="4025" marB="0" anchor="b">
+                    <a:lnL>
+                      <a:noFill/>
+                    </a:lnL>
+                    <a:lnR>
+                      <a:noFill/>
+                    </a:lnR>
+                    <a:lnT w="6350" cap="flat" cmpd="sng" algn="ctr">
+                      <a:solidFill>
+                        <a:srgbClr val="4472C4"/>
+                      </a:solidFill>
+                      <a:prstDash val="solid"/>
+                      <a:round/>
+                      <a:headEnd type="none" w="med" len="med"/>
+                      <a:tailEnd type="none" w="med" len="med"/>
+                    </a:lnT>
+                    <a:lnB w="6350" cap="flat" cmpd="sng" algn="ctr">
+                      <a:solidFill>
+                        <a:srgbClr val="4472C4"/>
+                      </a:solidFill>
+                      <a:prstDash val="solid"/>
+                      <a:round/>
+                      <a:headEnd type="none" w="med" len="med"/>
+                      <a:tailEnd type="none" w="med" len="med"/>
+                    </a:lnB>
+                  </a:tcPr>
+                </a:tc>
+                <a:tc>
+                  <a:txBody>
+                    <a:bodyPr/>
+                    <a:lstStyle/>
+                    <a:p>
+                      <a:pPr algn="r" fontAlgn="b"/>
+                      <a:r>
+                        <a:rPr lang="en-US" sz="1200" b="0" i="0" u="none" strike="noStrike">
+                          <a:solidFill>
+                            <a:srgbClr val="000000"/>
+                          </a:solidFill>
+                          <a:effectLst/>
+                          <a:latin typeface="Calibri" panose="020F0502020204030204" pitchFamily="34" charset="0"/>
+                        </a:rPr>
+                        <a:t>4</a:t>
+                      </a:r>
+                    </a:p>
+                  </a:txBody>
+                  <a:tcPr marL="4025" marR="4025" marT="4025" marB="0" anchor="b">
+                    <a:lnL>
+                      <a:noFill/>
+                    </a:lnL>
+                    <a:lnR>
+                      <a:noFill/>
+                    </a:lnR>
+                    <a:lnT w="6350" cap="flat" cmpd="sng" algn="ctr">
+                      <a:solidFill>
+                        <a:srgbClr val="4472C4"/>
+                      </a:solidFill>
+                      <a:prstDash val="solid"/>
+                      <a:round/>
+                      <a:headEnd type="none" w="med" len="med"/>
+                      <a:tailEnd type="none" w="med" len="med"/>
+                    </a:lnT>
+                    <a:lnB w="6350" cap="flat" cmpd="sng" algn="ctr">
+                      <a:solidFill>
+                        <a:srgbClr val="4472C4"/>
+                      </a:solidFill>
+                      <a:prstDash val="solid"/>
+                      <a:round/>
+                      <a:headEnd type="none" w="med" len="med"/>
+                      <a:tailEnd type="none" w="med" len="med"/>
+                    </a:lnB>
+                  </a:tcPr>
+                </a:tc>
+                <a:tc>
+                  <a:txBody>
+                    <a:bodyPr/>
+                    <a:lstStyle/>
+                    <a:p>
+                      <a:pPr algn="r" fontAlgn="b"/>
+                      <a:r>
+                        <a:rPr lang="en-US" sz="1200" b="0" i="0" u="none" strike="noStrike">
+                          <a:solidFill>
+                            <a:srgbClr val="000000"/>
+                          </a:solidFill>
+                          <a:effectLst/>
+                          <a:latin typeface="Calibri" panose="020F0502020204030204" pitchFamily="34" charset="0"/>
+                        </a:rPr>
+                        <a:t>5</a:t>
+                      </a:r>
+                    </a:p>
+                  </a:txBody>
+                  <a:tcPr marL="4025" marR="4025" marT="4025" marB="0" anchor="b">
+                    <a:lnL>
+                      <a:noFill/>
+                    </a:lnL>
+                    <a:lnR>
+                      <a:noFill/>
+                    </a:lnR>
+                    <a:lnT w="6350" cap="flat" cmpd="sng" algn="ctr">
+                      <a:solidFill>
+                        <a:srgbClr val="4472C4"/>
+                      </a:solidFill>
+                      <a:prstDash val="solid"/>
+                      <a:round/>
+                      <a:headEnd type="none" w="med" len="med"/>
+                      <a:tailEnd type="none" w="med" len="med"/>
+                    </a:lnT>
+                    <a:lnB w="6350" cap="flat" cmpd="sng" algn="ctr">
+                      <a:solidFill>
+                        <a:srgbClr val="4472C4"/>
+                      </a:solidFill>
+                      <a:prstDash val="solid"/>
+                      <a:round/>
+                      <a:headEnd type="none" w="med" len="med"/>
+                      <a:tailEnd type="none" w="med" len="med"/>
+                    </a:lnB>
+                  </a:tcPr>
+                </a:tc>
+                <a:tc>
+                  <a:txBody>
+                    <a:bodyPr/>
+                    <a:lstStyle/>
+                    <a:p>
+                      <a:pPr algn="r" fontAlgn="b"/>
+                      <a:r>
+                        <a:rPr lang="en-US" sz="1200" b="0" i="0" u="none" strike="noStrike">
+                          <a:solidFill>
+                            <a:srgbClr val="000000"/>
+                          </a:solidFill>
+                          <a:effectLst/>
+                          <a:latin typeface="Calibri" panose="020F0502020204030204" pitchFamily="34" charset="0"/>
+                        </a:rPr>
+                        <a:t>3</a:t>
+                      </a:r>
+                    </a:p>
+                  </a:txBody>
+                  <a:tcPr marL="4025" marR="4025" marT="4025" marB="0" anchor="b">
+                    <a:lnL>
+                      <a:noFill/>
+                    </a:lnL>
+                    <a:lnR>
+                      <a:noFill/>
+                    </a:lnR>
+                    <a:lnT w="6350" cap="flat" cmpd="sng" algn="ctr">
+                      <a:solidFill>
+                        <a:srgbClr val="4472C4"/>
+                      </a:solidFill>
+                      <a:prstDash val="solid"/>
+                      <a:round/>
+                      <a:headEnd type="none" w="med" len="med"/>
+                      <a:tailEnd type="none" w="med" len="med"/>
+                    </a:lnT>
+                    <a:lnB w="6350" cap="flat" cmpd="sng" algn="ctr">
+                      <a:solidFill>
+                        <a:srgbClr val="4472C4"/>
+                      </a:solidFill>
+                      <a:prstDash val="solid"/>
+                      <a:round/>
+                      <a:headEnd type="none" w="med" len="med"/>
+                      <a:tailEnd type="none" w="med" len="med"/>
+                    </a:lnB>
+                  </a:tcPr>
+                </a:tc>
+                <a:tc>
+                  <a:txBody>
+                    <a:bodyPr/>
+                    <a:lstStyle/>
+                    <a:p>
+                      <a:pPr algn="r" fontAlgn="b"/>
+                      <a:r>
+                        <a:rPr lang="en-US" sz="1200" b="0" i="0" u="none" strike="noStrike">
+                          <a:solidFill>
+                            <a:srgbClr val="000000"/>
+                          </a:solidFill>
+                          <a:effectLst/>
+                          <a:latin typeface="Calibri" panose="020F0502020204030204" pitchFamily="34" charset="0"/>
+                        </a:rPr>
+                        <a:t>3</a:t>
+                      </a:r>
+                    </a:p>
+                  </a:txBody>
+                  <a:tcPr marL="4025" marR="4025" marT="4025" marB="0" anchor="b">
+                    <a:lnL>
+                      <a:noFill/>
+                    </a:lnL>
+                    <a:lnR w="6350" cap="flat" cmpd="sng" algn="ctr">
+                      <a:solidFill>
+                        <a:srgbClr val="4472C4"/>
+                      </a:solidFill>
+                      <a:prstDash val="solid"/>
+                      <a:round/>
+                      <a:headEnd type="none" w="med" len="med"/>
+                      <a:tailEnd type="none" w="med" len="med"/>
+                    </a:lnR>
+                    <a:lnT w="6350" cap="flat" cmpd="sng" algn="ctr">
+                      <a:solidFill>
+                        <a:srgbClr val="4472C4"/>
+                      </a:solidFill>
+                      <a:prstDash val="solid"/>
+                      <a:round/>
+                      <a:headEnd type="none" w="med" len="med"/>
+                      <a:tailEnd type="none" w="med" len="med"/>
+                    </a:lnT>
+                    <a:lnB w="6350" cap="flat" cmpd="sng" algn="ctr">
+                      <a:solidFill>
+                        <a:srgbClr val="4472C4"/>
+                      </a:solidFill>
+                      <a:prstDash val="solid"/>
+                      <a:round/>
+                      <a:headEnd type="none" w="med" len="med"/>
+                      <a:tailEnd type="none" w="med" len="med"/>
+                    </a:lnB>
+                  </a:tcPr>
+                </a:tc>
+                <a:extLst>
+                  <a:ext uri="{0D108BD9-81ED-4DB2-BD59-A6C34878D82A}">
+                    <a16:rowId xmlns:a16="http://schemas.microsoft.com/office/drawing/2014/main" val="1616917092"/>
+                  </a:ext>
+                </a:extLst>
+              </a:tr>
+              <a:tr h="219750">
+                <a:tc>
+                  <a:txBody>
+                    <a:bodyPr/>
+                    <a:lstStyle/>
+                    <a:p>
+                      <a:pPr algn="l" fontAlgn="b"/>
+                      <a:r>
+                        <a:rPr lang="en-US" sz="1200" b="0" i="0" u="none" strike="noStrike">
+                          <a:solidFill>
+                            <a:srgbClr val="000000"/>
+                          </a:solidFill>
+                          <a:effectLst/>
+                          <a:latin typeface="Calibri" panose="020F0502020204030204" pitchFamily="34" charset="0"/>
+                        </a:rPr>
+                        <a:t>Profit</a:t>
+                      </a:r>
+                    </a:p>
+                  </a:txBody>
+                  <a:tcPr marL="4025" marR="4025" marT="4025" marB="0" anchor="b">
+                    <a:lnL w="6350" cap="flat" cmpd="sng" algn="ctr">
+                      <a:solidFill>
+                        <a:srgbClr val="4472C4"/>
+                      </a:solidFill>
+                      <a:prstDash val="solid"/>
+                      <a:round/>
+                      <a:headEnd type="none" w="med" len="med"/>
+                      <a:tailEnd type="none" w="med" len="med"/>
+                    </a:lnL>
+                    <a:lnR>
+                      <a:noFill/>
+                    </a:lnR>
+                    <a:lnT w="6350" cap="flat" cmpd="sng" algn="ctr">
+                      <a:solidFill>
+                        <a:srgbClr val="4472C4"/>
+                      </a:solidFill>
+                      <a:prstDash val="solid"/>
+                      <a:round/>
+                      <a:headEnd type="none" w="med" len="med"/>
+                      <a:tailEnd type="none" w="med" len="med"/>
+                    </a:lnT>
+                    <a:lnB w="6350" cap="flat" cmpd="sng" algn="ctr">
+                      <a:solidFill>
+                        <a:srgbClr val="4472C4"/>
+                      </a:solidFill>
+                      <a:prstDash val="solid"/>
+                      <a:round/>
+                      <a:headEnd type="none" w="med" len="med"/>
+                      <a:tailEnd type="none" w="med" len="med"/>
+                    </a:lnB>
+                  </a:tcPr>
+                </a:tc>
+                <a:tc>
+                  <a:txBody>
+                    <a:bodyPr/>
+                    <a:lstStyle/>
+                    <a:p>
+                      <a:pPr algn="r" fontAlgn="b"/>
+                      <a:r>
+                        <a:rPr lang="en-US" sz="1200" b="0" i="0" u="none" strike="noStrike">
+                          <a:solidFill>
+                            <a:srgbClr val="000000"/>
+                          </a:solidFill>
+                          <a:effectLst/>
+                          <a:latin typeface="Calibri" panose="020F0502020204030204" pitchFamily="34" charset="0"/>
+                        </a:rPr>
+                        <a:t>100</a:t>
+                      </a:r>
+                    </a:p>
+                  </a:txBody>
+                  <a:tcPr marL="4025" marR="4025" marT="4025" marB="0" anchor="b">
+                    <a:lnL>
+                      <a:noFill/>
+                    </a:lnL>
+                    <a:lnR>
+                      <a:noFill/>
+                    </a:lnR>
+                    <a:lnT w="6350" cap="flat" cmpd="sng" algn="ctr">
+                      <a:solidFill>
+                        <a:srgbClr val="4472C4"/>
+                      </a:solidFill>
+                      <a:prstDash val="solid"/>
+                      <a:round/>
+                      <a:headEnd type="none" w="med" len="med"/>
+                      <a:tailEnd type="none" w="med" len="med"/>
+                    </a:lnT>
+                    <a:lnB w="6350" cap="flat" cmpd="sng" algn="ctr">
+                      <a:solidFill>
+                        <a:srgbClr val="4472C4"/>
+                      </a:solidFill>
+                      <a:prstDash val="solid"/>
+                      <a:round/>
+                      <a:headEnd type="none" w="med" len="med"/>
+                      <a:tailEnd type="none" w="med" len="med"/>
+                    </a:lnB>
+                  </a:tcPr>
+                </a:tc>
+                <a:tc>
+                  <a:txBody>
+                    <a:bodyPr/>
+                    <a:lstStyle/>
+                    <a:p>
+                      <a:pPr algn="r" fontAlgn="b"/>
+                      <a:r>
+                        <a:rPr lang="en-US" sz="1200" b="0" i="0" u="none" strike="noStrike">
+                          <a:solidFill>
+                            <a:srgbClr val="000000"/>
+                          </a:solidFill>
+                          <a:effectLst/>
+                          <a:latin typeface="Calibri" panose="020F0502020204030204" pitchFamily="34" charset="0"/>
+                        </a:rPr>
+                        <a:t>97</a:t>
+                      </a:r>
+                    </a:p>
+                  </a:txBody>
+                  <a:tcPr marL="4025" marR="4025" marT="4025" marB="0" anchor="b">
+                    <a:lnL>
+                      <a:noFill/>
+                    </a:lnL>
+                    <a:lnR>
+                      <a:noFill/>
+                    </a:lnR>
+                    <a:lnT w="6350" cap="flat" cmpd="sng" algn="ctr">
+                      <a:solidFill>
+                        <a:srgbClr val="4472C4"/>
+                      </a:solidFill>
+                      <a:prstDash val="solid"/>
+                      <a:round/>
+                      <a:headEnd type="none" w="med" len="med"/>
+                      <a:tailEnd type="none" w="med" len="med"/>
+                    </a:lnT>
+                    <a:lnB w="6350" cap="flat" cmpd="sng" algn="ctr">
+                      <a:solidFill>
+                        <a:srgbClr val="4472C4"/>
+                      </a:solidFill>
+                      <a:prstDash val="solid"/>
+                      <a:round/>
+                      <a:headEnd type="none" w="med" len="med"/>
+                      <a:tailEnd type="none" w="med" len="med"/>
+                    </a:lnB>
+                  </a:tcPr>
+                </a:tc>
+                <a:tc>
+                  <a:txBody>
+                    <a:bodyPr/>
+                    <a:lstStyle/>
+                    <a:p>
+                      <a:pPr algn="r" fontAlgn="b"/>
+                      <a:r>
+                        <a:rPr lang="en-US" sz="1200" b="0" i="0" u="none" strike="noStrike">
+                          <a:solidFill>
+                            <a:srgbClr val="000000"/>
+                          </a:solidFill>
+                          <a:effectLst/>
+                          <a:latin typeface="Calibri" panose="020F0502020204030204" pitchFamily="34" charset="0"/>
+                        </a:rPr>
+                        <a:t>95</a:t>
+                      </a:r>
+                    </a:p>
+                  </a:txBody>
+                  <a:tcPr marL="4025" marR="4025" marT="4025" marB="0" anchor="b">
+                    <a:lnL>
+                      <a:noFill/>
+                    </a:lnL>
+                    <a:lnR>
+                      <a:noFill/>
+                    </a:lnR>
+                    <a:lnT w="6350" cap="flat" cmpd="sng" algn="ctr">
+                      <a:solidFill>
+                        <a:srgbClr val="4472C4"/>
+                      </a:solidFill>
+                      <a:prstDash val="solid"/>
+                      <a:round/>
+                      <a:headEnd type="none" w="med" len="med"/>
+                      <a:tailEnd type="none" w="med" len="med"/>
+                    </a:lnT>
+                    <a:lnB w="6350" cap="flat" cmpd="sng" algn="ctr">
+                      <a:solidFill>
+                        <a:srgbClr val="4472C4"/>
+                      </a:solidFill>
+                      <a:prstDash val="solid"/>
+                      <a:round/>
+                      <a:headEnd type="none" w="med" len="med"/>
+                      <a:tailEnd type="none" w="med" len="med"/>
+                    </a:lnB>
+                  </a:tcPr>
+                </a:tc>
+                <a:tc>
+                  <a:txBody>
+                    <a:bodyPr/>
+                    <a:lstStyle/>
+                    <a:p>
+                      <a:pPr algn="r" fontAlgn="b"/>
+                      <a:r>
+                        <a:rPr lang="en-US" sz="1200" b="0" i="0" u="none" strike="noStrike">
+                          <a:solidFill>
+                            <a:srgbClr val="000000"/>
+                          </a:solidFill>
+                          <a:effectLst/>
+                          <a:latin typeface="Calibri" panose="020F0502020204030204" pitchFamily="34" charset="0"/>
+                        </a:rPr>
+                        <a:t>87</a:t>
+                      </a:r>
+                    </a:p>
+                  </a:txBody>
+                  <a:tcPr marL="4025" marR="4025" marT="4025" marB="0" anchor="b">
+                    <a:lnL>
+                      <a:noFill/>
+                    </a:lnL>
+                    <a:lnR>
+                      <a:noFill/>
+                    </a:lnR>
+                    <a:lnT w="6350" cap="flat" cmpd="sng" algn="ctr">
+                      <a:solidFill>
+                        <a:srgbClr val="4472C4"/>
+                      </a:solidFill>
+                      <a:prstDash val="solid"/>
+                      <a:round/>
+                      <a:headEnd type="none" w="med" len="med"/>
+                      <a:tailEnd type="none" w="med" len="med"/>
+                    </a:lnT>
+                    <a:lnB w="6350" cap="flat" cmpd="sng" algn="ctr">
+                      <a:solidFill>
+                        <a:srgbClr val="4472C4"/>
+                      </a:solidFill>
+                      <a:prstDash val="solid"/>
+                      <a:round/>
+                      <a:headEnd type="none" w="med" len="med"/>
+                      <a:tailEnd type="none" w="med" len="med"/>
+                    </a:lnB>
+                  </a:tcPr>
+                </a:tc>
+                <a:tc>
+                  <a:txBody>
+                    <a:bodyPr/>
+                    <a:lstStyle/>
+                    <a:p>
+                      <a:pPr algn="r" fontAlgn="b"/>
+                      <a:r>
+                        <a:rPr lang="en-US" sz="1200" b="0" i="0" u="none" strike="noStrike">
+                          <a:solidFill>
+                            <a:srgbClr val="000000"/>
+                          </a:solidFill>
+                          <a:effectLst/>
+                          <a:latin typeface="Calibri" panose="020F0502020204030204" pitchFamily="34" charset="0"/>
+                        </a:rPr>
+                        <a:t>95</a:t>
+                      </a:r>
+                    </a:p>
+                  </a:txBody>
+                  <a:tcPr marL="4025" marR="4025" marT="4025" marB="0" anchor="b">
+                    <a:lnL>
+                      <a:noFill/>
+                    </a:lnL>
+                    <a:lnR>
+                      <a:noFill/>
+                    </a:lnR>
+                    <a:lnT w="6350" cap="flat" cmpd="sng" algn="ctr">
+                      <a:solidFill>
+                        <a:srgbClr val="4472C4"/>
+                      </a:solidFill>
+                      <a:prstDash val="solid"/>
+                      <a:round/>
+                      <a:headEnd type="none" w="med" len="med"/>
+                      <a:tailEnd type="none" w="med" len="med"/>
+                    </a:lnT>
+                    <a:lnB w="6350" cap="flat" cmpd="sng" algn="ctr">
+                      <a:solidFill>
+                        <a:srgbClr val="4472C4"/>
+                      </a:solidFill>
+                      <a:prstDash val="solid"/>
+                      <a:round/>
+                      <a:headEnd type="none" w="med" len="med"/>
+                      <a:tailEnd type="none" w="med" len="med"/>
+                    </a:lnB>
+                  </a:tcPr>
+                </a:tc>
+                <a:tc>
+                  <a:txBody>
+                    <a:bodyPr/>
+                    <a:lstStyle/>
+                    <a:p>
+                      <a:pPr algn="r" fontAlgn="b"/>
+                      <a:r>
+                        <a:rPr lang="en-US" sz="1200" b="0" i="0" u="none" strike="noStrike">
+                          <a:solidFill>
+                            <a:srgbClr val="000000"/>
+                          </a:solidFill>
+                          <a:effectLst/>
+                          <a:latin typeface="Calibri" panose="020F0502020204030204" pitchFamily="34" charset="0"/>
+                        </a:rPr>
+                        <a:t>100</a:t>
+                      </a:r>
+                    </a:p>
+                  </a:txBody>
+                  <a:tcPr marL="4025" marR="4025" marT="4025" marB="0" anchor="b">
+                    <a:lnL>
+                      <a:noFill/>
+                    </a:lnL>
+                    <a:lnR w="6350" cap="flat" cmpd="sng" algn="ctr">
+                      <a:solidFill>
+                        <a:srgbClr val="4472C4"/>
+                      </a:solidFill>
+                      <a:prstDash val="solid"/>
+                      <a:round/>
+                      <a:headEnd type="none" w="med" len="med"/>
+                      <a:tailEnd type="none" w="med" len="med"/>
+                    </a:lnR>
+                    <a:lnT w="6350" cap="flat" cmpd="sng" algn="ctr">
+                      <a:solidFill>
+                        <a:srgbClr val="4472C4"/>
+                      </a:solidFill>
+                      <a:prstDash val="solid"/>
+                      <a:round/>
+                      <a:headEnd type="none" w="med" len="med"/>
+                      <a:tailEnd type="none" w="med" len="med"/>
+                    </a:lnT>
+                    <a:lnB w="6350" cap="flat" cmpd="sng" algn="ctr">
+                      <a:solidFill>
+                        <a:srgbClr val="4472C4"/>
+                      </a:solidFill>
+                      <a:prstDash val="solid"/>
+                      <a:round/>
+                      <a:headEnd type="none" w="med" len="med"/>
+                      <a:tailEnd type="none" w="med" len="med"/>
+                    </a:lnB>
+                  </a:tcPr>
+                </a:tc>
+                <a:extLst>
+                  <a:ext uri="{0D108BD9-81ED-4DB2-BD59-A6C34878D82A}">
+                    <a16:rowId xmlns:a16="http://schemas.microsoft.com/office/drawing/2014/main" val="2486022395"/>
+                  </a:ext>
+                </a:extLst>
+              </a:tr>
+            </a:tbl>
+          </a:graphicData>
+        </a:graphic>
+      </p:graphicFrame>
     </p:spTree>
     <p:extLst>
       <p:ext uri="{BB962C8B-B14F-4D97-AF65-F5344CB8AC3E}">
-        <p14:creationId xmlns:p14="http://schemas.microsoft.com/office/powerpoint/2010/main" val="730085099"/>
+        <p14:creationId xmlns:p14="http://schemas.microsoft.com/office/powerpoint/2010/main" val="1527709571"/>
       </p:ext>
     </p:extLst>
   </p:cSld>
@@ -12865,6 +17045,14 @@
 <file path=ppt/slides/slide6.xml><?xml version="1.0" encoding="utf-8"?>
 <p:sld xmlns:a="http://schemas.openxmlformats.org/drawingml/2006/main" xmlns:r="http://schemas.openxmlformats.org/officeDocument/2006/relationships" xmlns:p="http://schemas.openxmlformats.org/presentationml/2006/main">
   <p:cSld>
+    <p:bg>
+      <p:bgPr>
+        <a:solidFill>
+          <a:schemeClr val="bg1"/>
+        </a:solidFill>
+        <a:effectLst/>
+      </p:bgPr>
+    </p:bg>
     <p:spTree>
       <p:nvGrpSpPr>
         <p:cNvPr id="1" name=""/>
@@ -12884,7 +17072,7 @@
           <p:cNvPr id="2" name="Title 1">
             <a:extLst>
               <a:ext uri="{FF2B5EF4-FFF2-40B4-BE49-F238E27FC236}">
-                <a16:creationId xmlns:a16="http://schemas.microsoft.com/office/drawing/2014/main" id="{E2B9AFD3-9E5F-46B4-97E6-195332A04CD0}"/>
+                <a16:creationId xmlns:a16="http://schemas.microsoft.com/office/drawing/2014/main" id="{D9FEEA31-EE3E-451E-9EB6-DBFD284AFC2B}"/>
               </a:ext>
             </a:extLst>
           </p:cNvPr>
@@ -12895,14 +17083,21 @@
             <p:ph type="title"/>
           </p:nvPr>
         </p:nvSpPr>
-        <p:spPr/>
+        <p:spPr>
+          <a:xfrm>
+            <a:off x="1154954" y="973669"/>
+            <a:ext cx="8825659" cy="706964"/>
+          </a:xfrm>
+        </p:spPr>
         <p:txBody>
-          <a:bodyPr/>
+          <a:bodyPr>
+            <a:normAutofit/>
+          </a:bodyPr>
           <a:lstStyle/>
           <a:p>
             <a:r>
               <a:rPr lang="en-US" dirty="0"/>
-              <a:t>Scenario 3: Transportation</a:t>
+              <a:t>Configuration Optimization</a:t>
             </a:r>
           </a:p>
         </p:txBody>
@@ -12912,7 +17107,7 @@
           <p:cNvPr id="3" name="Content Placeholder 2">
             <a:extLst>
               <a:ext uri="{FF2B5EF4-FFF2-40B4-BE49-F238E27FC236}">
-                <a16:creationId xmlns:a16="http://schemas.microsoft.com/office/drawing/2014/main" id="{F38165BC-019A-4845-82FD-4934C4992C47}"/>
+                <a16:creationId xmlns:a16="http://schemas.microsoft.com/office/drawing/2014/main" id="{B645E6EB-33B1-4BD6-ADB4-9405068626D5}"/>
               </a:ext>
             </a:extLst>
           </p:cNvPr>
@@ -12923,19 +17118,74 @@
             <p:ph idx="1"/>
           </p:nvPr>
         </p:nvSpPr>
-        <p:spPr/>
+        <p:spPr>
+          <a:xfrm>
+            <a:off x="1154955" y="2603500"/>
+            <a:ext cx="3481054" cy="3416300"/>
+          </a:xfrm>
+        </p:spPr>
         <p:txBody>
-          <a:bodyPr/>
+          <a:bodyPr anchor="ctr">
+            <a:normAutofit/>
+          </a:bodyPr>
           <a:lstStyle/>
           <a:p>
-            <a:endParaRPr lang="en-US"/>
+            <a:r>
+              <a:rPr lang="en-US" sz="1600"/>
+              <a:t>Based on our investment and our target market, we can figure out what the most profitable robot configuration would be</a:t>
+            </a:r>
+          </a:p>
+          <a:p>
+            <a:r>
+              <a:rPr lang="en-US" sz="1600"/>
+              <a:t>Using this information we can decide which type of location or neighborhoods to focus our marketing on</a:t>
+            </a:r>
           </a:p>
         </p:txBody>
       </p:sp>
+      <p:pic>
+        <p:nvPicPr>
+          <p:cNvPr id="4" name="Picture 3" descr="A close up of a logo&#10;&#10;Description automatically generated">
+            <a:extLst>
+              <a:ext uri="{FF2B5EF4-FFF2-40B4-BE49-F238E27FC236}">
+                <a16:creationId xmlns:a16="http://schemas.microsoft.com/office/drawing/2014/main" id="{A48C6A1E-8162-409A-9B51-A9F0B38BF646}"/>
+              </a:ext>
+            </a:extLst>
+          </p:cNvPr>
+          <p:cNvPicPr>
+            <a:picLocks noChangeAspect="1"/>
+          </p:cNvPicPr>
+          <p:nvPr/>
+        </p:nvPicPr>
+        <p:blipFill>
+          <a:blip r:embed="rId2"/>
+          <a:stretch>
+            <a:fillRect/>
+          </a:stretch>
+        </p:blipFill>
+        <p:spPr>
+          <a:xfrm>
+            <a:off x="4984956" y="3293331"/>
+            <a:ext cx="6158802" cy="2032403"/>
+          </a:xfrm>
+          <a:prstGeom prst="roundRect">
+            <a:avLst>
+              <a:gd name="adj" fmla="val 1858"/>
+            </a:avLst>
+          </a:prstGeom>
+          <a:effectLst>
+            <a:outerShdw blurRad="50800" dist="50800" dir="5400000" algn="tl" rotWithShape="0">
+              <a:srgbClr val="000000">
+                <a:alpha val="43000"/>
+              </a:srgbClr>
+            </a:outerShdw>
+          </a:effectLst>
+        </p:spPr>
+      </p:pic>
     </p:spTree>
     <p:extLst>
       <p:ext uri="{BB962C8B-B14F-4D97-AF65-F5344CB8AC3E}">
-        <p14:creationId xmlns:p14="http://schemas.microsoft.com/office/powerpoint/2010/main" val="2863040251"/>
+        <p14:creationId xmlns:p14="http://schemas.microsoft.com/office/powerpoint/2010/main" val="434438059"/>
       </p:ext>
     </p:extLst>
   </p:cSld>
@@ -12967,7 +17217,7 @@
           <p:cNvPr id="2" name="Title 1">
             <a:extLst>
               <a:ext uri="{FF2B5EF4-FFF2-40B4-BE49-F238E27FC236}">
-                <a16:creationId xmlns:a16="http://schemas.microsoft.com/office/drawing/2014/main" id="{9D41D803-B32E-4C5A-880A-5D130938D8C2}"/>
+                <a16:creationId xmlns:a16="http://schemas.microsoft.com/office/drawing/2014/main" id="{DB31CFBA-88DE-42F3-A528-B1858274DD78}"/>
               </a:ext>
             </a:extLst>
           </p:cNvPr>
@@ -12985,7 +17235,7 @@
           <a:p>
             <a:r>
               <a:rPr lang="en-US" dirty="0"/>
-              <a:t>Conclusion</a:t>
+              <a:t>Configuration Optimization Results</a:t>
             </a:r>
           </a:p>
         </p:txBody>
@@ -12995,7 +17245,287 @@
           <p:cNvPr id="3" name="Content Placeholder 2">
             <a:extLst>
               <a:ext uri="{FF2B5EF4-FFF2-40B4-BE49-F238E27FC236}">
-                <a16:creationId xmlns:a16="http://schemas.microsoft.com/office/drawing/2014/main" id="{25CAC92C-9621-4F37-BA74-5D6EC41CDF73}"/>
+                <a16:creationId xmlns:a16="http://schemas.microsoft.com/office/drawing/2014/main" id="{C5B813ED-3351-455B-BE70-E439984425DF}"/>
+              </a:ext>
+            </a:extLst>
+          </p:cNvPr>
+          <p:cNvSpPr>
+            <a:spLocks noGrp="1"/>
+          </p:cNvSpPr>
+          <p:nvPr>
+            <p:ph idx="1"/>
+          </p:nvPr>
+        </p:nvSpPr>
+        <p:spPr>
+          <a:xfrm>
+            <a:off x="1154954" y="2603500"/>
+            <a:ext cx="8825659" cy="940978"/>
+          </a:xfrm>
+        </p:spPr>
+        <p:txBody>
+          <a:bodyPr/>
+          <a:lstStyle/>
+          <a:p>
+            <a:r>
+              <a:rPr lang="en-US" dirty="0"/>
+              <a:t>Based on our results Package 5 seems to be the most profitable</a:t>
+            </a:r>
+          </a:p>
+          <a:p>
+            <a:r>
+              <a:rPr lang="en-US" dirty="0"/>
+              <a:t>We can’t clean .83 or .667 locations, so our model still needs work…</a:t>
+            </a:r>
+          </a:p>
+        </p:txBody>
+      </p:sp>
+      <p:pic>
+        <p:nvPicPr>
+          <p:cNvPr id="4" name="Picture 3">
+            <a:extLst>
+              <a:ext uri="{FF2B5EF4-FFF2-40B4-BE49-F238E27FC236}">
+                <a16:creationId xmlns:a16="http://schemas.microsoft.com/office/drawing/2014/main" id="{4BAEBCDD-7998-4449-84FA-EBD1619C7891}"/>
+              </a:ext>
+            </a:extLst>
+          </p:cNvPr>
+          <p:cNvPicPr>
+            <a:picLocks noChangeAspect="1"/>
+          </p:cNvPicPr>
+          <p:nvPr/>
+        </p:nvPicPr>
+        <p:blipFill>
+          <a:blip r:embed="rId2"/>
+          <a:stretch>
+            <a:fillRect/>
+          </a:stretch>
+        </p:blipFill>
+        <p:spPr>
+          <a:xfrm>
+            <a:off x="1154954" y="3667027"/>
+            <a:ext cx="8350577" cy="1986629"/>
+          </a:xfrm>
+          <a:prstGeom prst="rect">
+            <a:avLst/>
+          </a:prstGeom>
+        </p:spPr>
+      </p:pic>
+    </p:spTree>
+    <p:extLst>
+      <p:ext uri="{BB962C8B-B14F-4D97-AF65-F5344CB8AC3E}">
+        <p14:creationId xmlns:p14="http://schemas.microsoft.com/office/powerpoint/2010/main" val="1996576749"/>
+      </p:ext>
+    </p:extLst>
+  </p:cSld>
+  <p:clrMapOvr>
+    <a:masterClrMapping/>
+  </p:clrMapOvr>
+</p:sld>
+</file>
+
+<file path=ppt/slides/slide8.xml><?xml version="1.0" encoding="utf-8"?>
+<p:sld xmlns:a="http://schemas.openxmlformats.org/drawingml/2006/main" xmlns:r="http://schemas.openxmlformats.org/officeDocument/2006/relationships" xmlns:p="http://schemas.openxmlformats.org/presentationml/2006/main">
+  <p:cSld>
+    <p:bg>
+      <p:bgPr>
+        <a:solidFill>
+          <a:schemeClr val="bg1"/>
+        </a:solidFill>
+        <a:effectLst/>
+      </p:bgPr>
+    </p:bg>
+    <p:spTree>
+      <p:nvGrpSpPr>
+        <p:cNvPr id="1" name=""/>
+        <p:cNvGrpSpPr/>
+        <p:nvPr/>
+      </p:nvGrpSpPr>
+      <p:grpSpPr>
+        <a:xfrm>
+          <a:off x="0" y="0"/>
+          <a:ext cx="0" cy="0"/>
+          <a:chOff x="0" y="0"/>
+          <a:chExt cx="0" cy="0"/>
+        </a:xfrm>
+      </p:grpSpPr>
+      <p:sp>
+        <p:nvSpPr>
+          <p:cNvPr id="2" name="Title 1">
+            <a:extLst>
+              <a:ext uri="{FF2B5EF4-FFF2-40B4-BE49-F238E27FC236}">
+                <a16:creationId xmlns:a16="http://schemas.microsoft.com/office/drawing/2014/main" id="{AFA7C6E2-8377-4C42-ACE2-73B75140F4F9}"/>
+              </a:ext>
+            </a:extLst>
+          </p:cNvPr>
+          <p:cNvSpPr>
+            <a:spLocks noGrp="1"/>
+          </p:cNvSpPr>
+          <p:nvPr>
+            <p:ph type="title"/>
+          </p:nvPr>
+        </p:nvSpPr>
+        <p:spPr>
+          <a:xfrm>
+            <a:off x="1154954" y="973669"/>
+            <a:ext cx="8825659" cy="706964"/>
+          </a:xfrm>
+        </p:spPr>
+        <p:txBody>
+          <a:bodyPr>
+            <a:normAutofit/>
+          </a:bodyPr>
+          <a:lstStyle/>
+          <a:p>
+            <a:r>
+              <a:rPr lang="en-US" dirty="0"/>
+              <a:t>Scenario 2: Future Investment</a:t>
+            </a:r>
+          </a:p>
+        </p:txBody>
+      </p:sp>
+      <p:sp>
+        <p:nvSpPr>
+          <p:cNvPr id="3" name="Content Placeholder 2">
+            <a:extLst>
+              <a:ext uri="{FF2B5EF4-FFF2-40B4-BE49-F238E27FC236}">
+                <a16:creationId xmlns:a16="http://schemas.microsoft.com/office/drawing/2014/main" id="{44E89FDA-7E2C-4AED-A4E9-8D6CE4D27CC2}"/>
+              </a:ext>
+            </a:extLst>
+          </p:cNvPr>
+          <p:cNvSpPr>
+            <a:spLocks noGrp="1"/>
+          </p:cNvSpPr>
+          <p:nvPr>
+            <p:ph idx="1"/>
+          </p:nvPr>
+        </p:nvSpPr>
+        <p:spPr>
+          <a:xfrm>
+            <a:off x="1154954" y="2603500"/>
+            <a:ext cx="5211979" cy="3416300"/>
+          </a:xfrm>
+        </p:spPr>
+        <p:txBody>
+          <a:bodyPr anchor="ctr">
+            <a:normAutofit/>
+          </a:bodyPr>
+          <a:lstStyle/>
+          <a:p>
+            <a:r>
+              <a:rPr lang="en-US" dirty="0"/>
+              <a:t>The next thing we want to figure out is where to invest to optimize our business.</a:t>
+            </a:r>
+          </a:p>
+          <a:p>
+            <a:r>
+              <a:rPr lang="en-US" dirty="0"/>
+              <a:t>Using sensitivity analysis, we can determine what robots to invest in to maximize profitability </a:t>
+            </a:r>
+          </a:p>
+        </p:txBody>
+      </p:sp>
+      <p:pic>
+        <p:nvPicPr>
+          <p:cNvPr id="4" name="Picture 3">
+            <a:extLst>
+              <a:ext uri="{FF2B5EF4-FFF2-40B4-BE49-F238E27FC236}">
+                <a16:creationId xmlns:a16="http://schemas.microsoft.com/office/drawing/2014/main" id="{716A9E2E-2A34-4F86-80BC-F248C64AB4EE}"/>
+              </a:ext>
+            </a:extLst>
+          </p:cNvPr>
+          <p:cNvPicPr>
+            <a:picLocks noChangeAspect="1"/>
+          </p:cNvPicPr>
+          <p:nvPr/>
+        </p:nvPicPr>
+        <p:blipFill>
+          <a:blip r:embed="rId2"/>
+          <a:stretch>
+            <a:fillRect/>
+          </a:stretch>
+        </p:blipFill>
+        <p:spPr>
+          <a:xfrm>
+            <a:off x="7655252" y="2775951"/>
+            <a:ext cx="2631985" cy="3067163"/>
+          </a:xfrm>
+          <a:prstGeom prst="roundRect">
+            <a:avLst>
+              <a:gd name="adj" fmla="val 1858"/>
+            </a:avLst>
+          </a:prstGeom>
+          <a:effectLst>
+            <a:outerShdw blurRad="50800" dist="50800" dir="5400000" algn="tl" rotWithShape="0">
+              <a:srgbClr val="000000">
+                <a:alpha val="43000"/>
+              </a:srgbClr>
+            </a:outerShdw>
+          </a:effectLst>
+        </p:spPr>
+      </p:pic>
+    </p:spTree>
+    <p:extLst>
+      <p:ext uri="{BB962C8B-B14F-4D97-AF65-F5344CB8AC3E}">
+        <p14:creationId xmlns:p14="http://schemas.microsoft.com/office/powerpoint/2010/main" val="730085099"/>
+      </p:ext>
+    </p:extLst>
+  </p:cSld>
+  <p:clrMapOvr>
+    <a:masterClrMapping/>
+  </p:clrMapOvr>
+</p:sld>
+</file>
+
+<file path=ppt/slides/slide9.xml><?xml version="1.0" encoding="utf-8"?>
+<p:sld xmlns:a="http://schemas.openxmlformats.org/drawingml/2006/main" xmlns:r="http://schemas.openxmlformats.org/officeDocument/2006/relationships" xmlns:p="http://schemas.openxmlformats.org/presentationml/2006/main">
+  <p:cSld>
+    <p:spTree>
+      <p:nvGrpSpPr>
+        <p:cNvPr id="1" name=""/>
+        <p:cNvGrpSpPr/>
+        <p:nvPr/>
+      </p:nvGrpSpPr>
+      <p:grpSpPr>
+        <a:xfrm>
+          <a:off x="0" y="0"/>
+          <a:ext cx="0" cy="0"/>
+          <a:chOff x="0" y="0"/>
+          <a:chExt cx="0" cy="0"/>
+        </a:xfrm>
+      </p:grpSpPr>
+      <p:sp>
+        <p:nvSpPr>
+          <p:cNvPr id="2" name="Title 1">
+            <a:extLst>
+              <a:ext uri="{FF2B5EF4-FFF2-40B4-BE49-F238E27FC236}">
+                <a16:creationId xmlns:a16="http://schemas.microsoft.com/office/drawing/2014/main" id="{5B89BC5C-D662-4425-BADA-4721750A27A4}"/>
+              </a:ext>
+            </a:extLst>
+          </p:cNvPr>
+          <p:cNvSpPr>
+            <a:spLocks noGrp="1"/>
+          </p:cNvSpPr>
+          <p:nvPr>
+            <p:ph type="title"/>
+          </p:nvPr>
+        </p:nvSpPr>
+        <p:spPr/>
+        <p:txBody>
+          <a:bodyPr/>
+          <a:lstStyle/>
+          <a:p>
+            <a:r>
+              <a:rPr lang="en-US" dirty="0"/>
+              <a:t>Updated Results</a:t>
+            </a:r>
+          </a:p>
+        </p:txBody>
+      </p:sp>
+      <p:sp>
+        <p:nvSpPr>
+          <p:cNvPr id="3" name="Content Placeholder 2">
+            <a:extLst>
+              <a:ext uri="{FF2B5EF4-FFF2-40B4-BE49-F238E27FC236}">
+                <a16:creationId xmlns:a16="http://schemas.microsoft.com/office/drawing/2014/main" id="{FD5DFAC5-053E-4D56-B2A4-3A571A0DCC3E}"/>
               </a:ext>
             </a:extLst>
           </p:cNvPr>
@@ -13011,14 +17541,17 @@
           <a:bodyPr/>
           <a:lstStyle/>
           <a:p>
-            <a:endParaRPr lang="en-US"/>
+            <a:r>
+              <a:rPr lang="en-US" dirty="0"/>
+              <a:t>If we estimate what our optimal configuration would look like by adding the shadow resources to our model, we can figure out ideal projected results.</a:t>
+            </a:r>
           </a:p>
         </p:txBody>
       </p:sp>
     </p:spTree>
     <p:extLst>
       <p:ext uri="{BB962C8B-B14F-4D97-AF65-F5344CB8AC3E}">
-        <p14:creationId xmlns:p14="http://schemas.microsoft.com/office/powerpoint/2010/main" val="1497315000"/>
+        <p14:creationId xmlns:p14="http://schemas.microsoft.com/office/powerpoint/2010/main" val="1141507277"/>
       </p:ext>
     </p:extLst>
   </p:cSld>
@@ -13292,4 +17825,299 @@
     </a:ext>
   </a:extLst>
 </a:theme>
+</file>
+
+<file path=ppt/theme/theme2.xml><?xml version="1.0" encoding="utf-8"?>
+<a:theme xmlns:a="http://schemas.openxmlformats.org/drawingml/2006/main" name="Office Theme">
+  <a:themeElements>
+    <a:clrScheme name="Office">
+      <a:dk1>
+        <a:sysClr val="windowText" lastClr="000000"/>
+      </a:dk1>
+      <a:lt1>
+        <a:sysClr val="window" lastClr="FFFFFF"/>
+      </a:lt1>
+      <a:dk2>
+        <a:srgbClr val="44546A"/>
+      </a:dk2>
+      <a:lt2>
+        <a:srgbClr val="E7E6E6"/>
+      </a:lt2>
+      <a:accent1>
+        <a:srgbClr val="4472C4"/>
+      </a:accent1>
+      <a:accent2>
+        <a:srgbClr val="ED7D31"/>
+      </a:accent2>
+      <a:accent3>
+        <a:srgbClr val="A5A5A5"/>
+      </a:accent3>
+      <a:accent4>
+        <a:srgbClr val="FFC000"/>
+      </a:accent4>
+      <a:accent5>
+        <a:srgbClr val="5B9BD5"/>
+      </a:accent5>
+      <a:accent6>
+        <a:srgbClr val="70AD47"/>
+      </a:accent6>
+      <a:hlink>
+        <a:srgbClr val="0563C1"/>
+      </a:hlink>
+      <a:folHlink>
+        <a:srgbClr val="954F72"/>
+      </a:folHlink>
+    </a:clrScheme>
+    <a:fontScheme name="Office">
+      <a:majorFont>
+        <a:latin typeface="Calibri Light" panose="020F0302020204030204"/>
+        <a:ea typeface=""/>
+        <a:cs typeface=""/>
+        <a:font script="Jpan" typeface="游ゴシック Light"/>
+        <a:font script="Hang" typeface="맑은 고딕"/>
+        <a:font script="Hans" typeface="等线 Light"/>
+        <a:font script="Hant" typeface="新細明體"/>
+        <a:font script="Arab" typeface="Times New Roman"/>
+        <a:font script="Hebr" typeface="Times New Roman"/>
+        <a:font script="Thai" typeface="Angsana New"/>
+        <a:font script="Ethi" typeface="Nyala"/>
+        <a:font script="Beng" typeface="Vrinda"/>
+        <a:font script="Gujr" typeface="Shruti"/>
+        <a:font script="Khmr" typeface="MoolBoran"/>
+        <a:font script="Knda" typeface="Tunga"/>
+        <a:font script="Guru" typeface="Raavi"/>
+        <a:font script="Cans" typeface="Euphemia"/>
+        <a:font script="Cher" typeface="Plantagenet Cherokee"/>
+        <a:font script="Yiii" typeface="Microsoft Yi Baiti"/>
+        <a:font script="Tibt" typeface="Microsoft Himalaya"/>
+        <a:font script="Thaa" typeface="MV Boli"/>
+        <a:font script="Deva" typeface="Mangal"/>
+        <a:font script="Telu" typeface="Gautami"/>
+        <a:font script="Taml" typeface="Latha"/>
+        <a:font script="Syrc" typeface="Estrangelo Edessa"/>
+        <a:font script="Orya" typeface="Kalinga"/>
+        <a:font script="Mlym" typeface="Kartika"/>
+        <a:font script="Laoo" typeface="DokChampa"/>
+        <a:font script="Sinh" typeface="Iskoola Pota"/>
+        <a:font script="Mong" typeface="Mongolian Baiti"/>
+        <a:font script="Viet" typeface="Times New Roman"/>
+        <a:font script="Uigh" typeface="Microsoft Uighur"/>
+        <a:font script="Geor" typeface="Sylfaen"/>
+        <a:font script="Armn" typeface="Arial"/>
+        <a:font script="Bugi" typeface="Leelawadee UI"/>
+        <a:font script="Bopo" typeface="Microsoft JhengHei"/>
+        <a:font script="Java" typeface="Javanese Text"/>
+        <a:font script="Lisu" typeface="Segoe UI"/>
+        <a:font script="Mymr" typeface="Myanmar Text"/>
+        <a:font script="Nkoo" typeface="Ebrima"/>
+        <a:font script="Olck" typeface="Nirmala UI"/>
+        <a:font script="Osma" typeface="Ebrima"/>
+        <a:font script="Phag" typeface="Phagspa"/>
+        <a:font script="Syrn" typeface="Estrangelo Edessa"/>
+        <a:font script="Syrj" typeface="Estrangelo Edessa"/>
+        <a:font script="Syre" typeface="Estrangelo Edessa"/>
+        <a:font script="Sora" typeface="Nirmala UI"/>
+        <a:font script="Tale" typeface="Microsoft Tai Le"/>
+        <a:font script="Talu" typeface="Microsoft New Tai Lue"/>
+        <a:font script="Tfng" typeface="Ebrima"/>
+      </a:majorFont>
+      <a:minorFont>
+        <a:latin typeface="Calibri" panose="020F0502020204030204"/>
+        <a:ea typeface=""/>
+        <a:cs typeface=""/>
+        <a:font script="Jpan" typeface="游ゴシック"/>
+        <a:font script="Hang" typeface="맑은 고딕"/>
+        <a:font script="Hans" typeface="等线"/>
+        <a:font script="Hant" typeface="新細明體"/>
+        <a:font script="Arab" typeface="Arial"/>
+        <a:font script="Hebr" typeface="Arial"/>
+        <a:font script="Thai" typeface="Cordia New"/>
+        <a:font script="Ethi" typeface="Nyala"/>
+        <a:font script="Beng" typeface="Vrinda"/>
+        <a:font script="Gujr" typeface="Shruti"/>
+        <a:font script="Khmr" typeface="DaunPenh"/>
+        <a:font script="Knda" typeface="Tunga"/>
+        <a:font script="Guru" typeface="Raavi"/>
+        <a:font script="Cans" typeface="Euphemia"/>
+        <a:font script="Cher" typeface="Plantagenet Cherokee"/>
+        <a:font script="Yiii" typeface="Microsoft Yi Baiti"/>
+        <a:font script="Tibt" typeface="Microsoft Himalaya"/>
+        <a:font script="Thaa" typeface="MV Boli"/>
+        <a:font script="Deva" typeface="Mangal"/>
+        <a:font script="Telu" typeface="Gautami"/>
+        <a:font script="Taml" typeface="Latha"/>
+        <a:font script="Syrc" typeface="Estrangelo Edessa"/>
+        <a:font script="Orya" typeface="Kalinga"/>
+        <a:font script="Mlym" typeface="Kartika"/>
+        <a:font script="Laoo" typeface="DokChampa"/>
+        <a:font script="Sinh" typeface="Iskoola Pota"/>
+        <a:font script="Mong" typeface="Mongolian Baiti"/>
+        <a:font script="Viet" typeface="Arial"/>
+        <a:font script="Uigh" typeface="Microsoft Uighur"/>
+        <a:font script="Geor" typeface="Sylfaen"/>
+        <a:font script="Armn" typeface="Arial"/>
+        <a:font script="Bugi" typeface="Leelawadee UI"/>
+        <a:font script="Bopo" typeface="Microsoft JhengHei"/>
+        <a:font script="Java" typeface="Javanese Text"/>
+        <a:font script="Lisu" typeface="Segoe UI"/>
+        <a:font script="Mymr" typeface="Myanmar Text"/>
+        <a:font script="Nkoo" typeface="Ebrima"/>
+        <a:font script="Olck" typeface="Nirmala UI"/>
+        <a:font script="Osma" typeface="Ebrima"/>
+        <a:font script="Phag" typeface="Phagspa"/>
+        <a:font script="Syrn" typeface="Estrangelo Edessa"/>
+        <a:font script="Syrj" typeface="Estrangelo Edessa"/>
+        <a:font script="Syre" typeface="Estrangelo Edessa"/>
+        <a:font script="Sora" typeface="Nirmala UI"/>
+        <a:font script="Tale" typeface="Microsoft Tai Le"/>
+        <a:font script="Talu" typeface="Microsoft New Tai Lue"/>
+        <a:font script="Tfng" typeface="Ebrima"/>
+      </a:minorFont>
+    </a:fontScheme>
+    <a:fmtScheme name="Office">
+      <a:fillStyleLst>
+        <a:solidFill>
+          <a:schemeClr val="phClr"/>
+        </a:solidFill>
+        <a:gradFill rotWithShape="1">
+          <a:gsLst>
+            <a:gs pos="0">
+              <a:schemeClr val="phClr">
+                <a:lumMod val="110000"/>
+                <a:satMod val="105000"/>
+                <a:tint val="67000"/>
+              </a:schemeClr>
+            </a:gs>
+            <a:gs pos="50000">
+              <a:schemeClr val="phClr">
+                <a:lumMod val="105000"/>
+                <a:satMod val="103000"/>
+                <a:tint val="73000"/>
+              </a:schemeClr>
+            </a:gs>
+            <a:gs pos="100000">
+              <a:schemeClr val="phClr">
+                <a:lumMod val="105000"/>
+                <a:satMod val="109000"/>
+                <a:tint val="81000"/>
+              </a:schemeClr>
+            </a:gs>
+          </a:gsLst>
+          <a:lin ang="5400000" scaled="0"/>
+        </a:gradFill>
+        <a:gradFill rotWithShape="1">
+          <a:gsLst>
+            <a:gs pos="0">
+              <a:schemeClr val="phClr">
+                <a:satMod val="103000"/>
+                <a:lumMod val="102000"/>
+                <a:tint val="94000"/>
+              </a:schemeClr>
+            </a:gs>
+            <a:gs pos="50000">
+              <a:schemeClr val="phClr">
+                <a:satMod val="110000"/>
+                <a:lumMod val="100000"/>
+                <a:shade val="100000"/>
+              </a:schemeClr>
+            </a:gs>
+            <a:gs pos="100000">
+              <a:schemeClr val="phClr">
+                <a:lumMod val="99000"/>
+                <a:satMod val="120000"/>
+                <a:shade val="78000"/>
+              </a:schemeClr>
+            </a:gs>
+          </a:gsLst>
+          <a:lin ang="5400000" scaled="0"/>
+        </a:gradFill>
+      </a:fillStyleLst>
+      <a:lnStyleLst>
+        <a:ln w="6350" cap="flat" cmpd="sng" algn="ctr">
+          <a:solidFill>
+            <a:schemeClr val="phClr"/>
+          </a:solidFill>
+          <a:prstDash val="solid"/>
+          <a:miter lim="800000"/>
+        </a:ln>
+        <a:ln w="12700" cap="flat" cmpd="sng" algn="ctr">
+          <a:solidFill>
+            <a:schemeClr val="phClr"/>
+          </a:solidFill>
+          <a:prstDash val="solid"/>
+          <a:miter lim="800000"/>
+        </a:ln>
+        <a:ln w="19050" cap="flat" cmpd="sng" algn="ctr">
+          <a:solidFill>
+            <a:schemeClr val="phClr"/>
+          </a:solidFill>
+          <a:prstDash val="solid"/>
+          <a:miter lim="800000"/>
+        </a:ln>
+      </a:lnStyleLst>
+      <a:effectStyleLst>
+        <a:effectStyle>
+          <a:effectLst/>
+        </a:effectStyle>
+        <a:effectStyle>
+          <a:effectLst/>
+        </a:effectStyle>
+        <a:effectStyle>
+          <a:effectLst>
+            <a:outerShdw blurRad="57150" dist="19050" dir="5400000" algn="ctr" rotWithShape="0">
+              <a:srgbClr val="000000">
+                <a:alpha val="63000"/>
+              </a:srgbClr>
+            </a:outerShdw>
+          </a:effectLst>
+        </a:effectStyle>
+      </a:effectStyleLst>
+      <a:bgFillStyleLst>
+        <a:solidFill>
+          <a:schemeClr val="phClr"/>
+        </a:solidFill>
+        <a:solidFill>
+          <a:schemeClr val="phClr">
+            <a:tint val="95000"/>
+            <a:satMod val="170000"/>
+          </a:schemeClr>
+        </a:solidFill>
+        <a:gradFill rotWithShape="1">
+          <a:gsLst>
+            <a:gs pos="0">
+              <a:schemeClr val="phClr">
+                <a:tint val="93000"/>
+                <a:satMod val="150000"/>
+                <a:shade val="98000"/>
+                <a:lumMod val="102000"/>
+              </a:schemeClr>
+            </a:gs>
+            <a:gs pos="50000">
+              <a:schemeClr val="phClr">
+                <a:tint val="98000"/>
+                <a:satMod val="130000"/>
+                <a:shade val="90000"/>
+                <a:lumMod val="103000"/>
+              </a:schemeClr>
+            </a:gs>
+            <a:gs pos="100000">
+              <a:schemeClr val="phClr">
+                <a:shade val="63000"/>
+                <a:satMod val="120000"/>
+              </a:schemeClr>
+            </a:gs>
+          </a:gsLst>
+          <a:lin ang="5400000" scaled="0"/>
+        </a:gradFill>
+      </a:bgFillStyleLst>
+    </a:fmtScheme>
+  </a:themeElements>
+  <a:objectDefaults/>
+  <a:extraClrSchemeLst/>
+  <a:extLst>
+    <a:ext uri="{05A4C25C-085E-4340-85A3-A5531E510DB2}">
+      <thm15:themeFamily xmlns:thm15="http://schemas.microsoft.com/office/thememl/2012/main" name="Office Theme" id="{62F939B6-93AF-4DB8-9C6B-D6C7DFDC589F}" vid="{4A3C46E8-61CC-4603-A589-7422A47A8E4A}"/>
+    </a:ext>
+  </a:extLst>
+</a:theme>
 </file>